--- a/Presentation/codeforhood.pptx
+++ b/Presentation/codeforhood.pptx
@@ -2010,30 +2010,30 @@
   </dgm:ptLst>
   <dgm:cxnLst>
     <dgm:cxn modelId="{0C8E031F-A2E5-4B0A-877D-6A1419C6DBF0}" srcId="{7514BB55-BBBD-4B47-95C0-C62C973DD5A7}" destId="{F676282A-1147-4018-9A68-448F294AE09B}" srcOrd="2" destOrd="0" parTransId="{2A29A4D9-E1DE-495D-98B2-3277FAB11121}" sibTransId="{3CFCC409-8B97-46C1-BA04-C5F0E0FF258F}"/>
-    <dgm:cxn modelId="{F1F09728-3BC7-4CFE-965F-00B1576FB03D}" type="presOf" srcId="{4A75F89C-3050-402A-AC11-E2DA01A12408}" destId="{76B28F01-8FE5-4C6D-AEF7-2203F01C6CBF}" srcOrd="0" destOrd="0" presId="urn:microsoft.com/office/officeart/2016/7/layout/RepeatingBendingProcessNew"/>
-    <dgm:cxn modelId="{547DA834-963C-4F9A-9CFD-11E3A25C3B49}" type="presOf" srcId="{D0DCFAE6-706E-4CE5-9264-F914DAC3420C}" destId="{5F44B3B4-439F-46E1-8B94-4458A384499D}" srcOrd="1" destOrd="0" presId="urn:microsoft.com/office/officeart/2016/7/layout/RepeatingBendingProcessNew"/>
-    <dgm:cxn modelId="{68AFBA3E-5F7A-4E05-B11F-010D711D1AE3}" type="presOf" srcId="{2681238D-7E68-421C-A31A-D361CC97A764}" destId="{3553DB61-E567-4381-A321-73252462D778}" srcOrd="0" destOrd="0" presId="urn:microsoft.com/office/officeart/2016/7/layout/RepeatingBendingProcessNew"/>
-    <dgm:cxn modelId="{AA37EE3E-3DC0-49EC-9B79-3C082E3F0D05}" type="presOf" srcId="{F676282A-1147-4018-9A68-448F294AE09B}" destId="{983F1654-E41A-41EF-8589-932FAF6792AB}" srcOrd="0" destOrd="0" presId="urn:microsoft.com/office/officeart/2016/7/layout/RepeatingBendingProcessNew"/>
-    <dgm:cxn modelId="{077A395C-E1B9-4B51-8C0F-96AC8E3D0BE1}" type="presOf" srcId="{C72FBA38-D5E2-4212-AC51-87FB88680674}" destId="{B8D7CDE1-F251-48F0-937F-9550AD4830B6}" srcOrd="0" destOrd="0" presId="urn:microsoft.com/office/officeart/2016/7/layout/RepeatingBendingProcessNew"/>
-    <dgm:cxn modelId="{8D529E44-A813-44A7-ACA0-B8B0FE221C12}" type="presOf" srcId="{018F8BF0-978A-408D-907B-376606BA3228}" destId="{A700DE5C-3BD1-45C2-980E-1A2978DD9BCA}" srcOrd="0" destOrd="0" presId="urn:microsoft.com/office/officeart/2016/7/layout/RepeatingBendingProcessNew"/>
-    <dgm:cxn modelId="{6A625B71-4646-4CE4-AC79-4D32C640D8A9}" type="presOf" srcId="{3CFCC409-8B97-46C1-BA04-C5F0E0FF258F}" destId="{BD94B25F-D881-44C2-B282-C7D3AA96AA7D}" srcOrd="0" destOrd="0" presId="urn:microsoft.com/office/officeart/2016/7/layout/RepeatingBendingProcessNew"/>
-    <dgm:cxn modelId="{96B7888D-D565-415C-9E56-BFD8F8059CD8}" type="presOf" srcId="{3CFCC409-8B97-46C1-BA04-C5F0E0FF258F}" destId="{6E853271-8123-4748-9774-1F061DD45823}" srcOrd="1" destOrd="0" presId="urn:microsoft.com/office/officeart/2016/7/layout/RepeatingBendingProcessNew"/>
+    <dgm:cxn modelId="{59F3C05D-CF33-4FC9-BF21-E5A0DFC55931}" type="presOf" srcId="{C72FBA38-D5E2-4212-AC51-87FB88680674}" destId="{B8D7CDE1-F251-48F0-937F-9550AD4830B6}" srcOrd="0" destOrd="0" presId="urn:microsoft.com/office/officeart/2016/7/layout/RepeatingBendingProcessNew"/>
+    <dgm:cxn modelId="{FDB9EB45-A583-4D74-BFD4-6BBDA38181B0}" type="presOf" srcId="{F676282A-1147-4018-9A68-448F294AE09B}" destId="{983F1654-E41A-41EF-8589-932FAF6792AB}" srcOrd="0" destOrd="0" presId="urn:microsoft.com/office/officeart/2016/7/layout/RepeatingBendingProcessNew"/>
     <dgm:cxn modelId="{20095994-D3F3-4696-AD27-CBEE0CE1C5C2}" srcId="{7514BB55-BBBD-4B47-95C0-C62C973DD5A7}" destId="{2681238D-7E68-421C-A31A-D361CC97A764}" srcOrd="3" destOrd="0" parTransId="{F71C7B6D-5CC4-42F0-9555-55DB4E407667}" sibTransId="{DD2C388F-4234-4434-B231-393DADEF700D}"/>
-    <dgm:cxn modelId="{BCECAB9B-E77E-41E9-B4B3-788F0E11D58D}" type="presOf" srcId="{7514BB55-BBBD-4B47-95C0-C62C973DD5A7}" destId="{1183FB87-ECF1-4259-B209-7B50C5590265}" srcOrd="0" destOrd="0" presId="urn:microsoft.com/office/officeart/2016/7/layout/RepeatingBendingProcessNew"/>
     <dgm:cxn modelId="{FADE799E-22DB-409A-AB7B-20B6E62E23B9}" srcId="{7514BB55-BBBD-4B47-95C0-C62C973DD5A7}" destId="{4A75F89C-3050-402A-AC11-E2DA01A12408}" srcOrd="0" destOrd="0" parTransId="{F20A2F00-DD19-486F-AD70-5163DF42E7A9}" sibTransId="{018F8BF0-978A-408D-907B-376606BA3228}"/>
-    <dgm:cxn modelId="{034294BB-0115-4385-A9AA-ABD43371DE2B}" type="presOf" srcId="{018F8BF0-978A-408D-907B-376606BA3228}" destId="{567E95D5-9086-474F-9A5C-C39C75E73121}" srcOrd="1" destOrd="0" presId="urn:microsoft.com/office/officeart/2016/7/layout/RepeatingBendingProcessNew"/>
-    <dgm:cxn modelId="{079060FB-21E8-4727-B438-43B169F104BF}" type="presOf" srcId="{D0DCFAE6-706E-4CE5-9264-F914DAC3420C}" destId="{C4D873D8-796F-4EF6-967A-03F5DFD55578}" srcOrd="0" destOrd="0" presId="urn:microsoft.com/office/officeart/2016/7/layout/RepeatingBendingProcessNew"/>
+    <dgm:cxn modelId="{16B008A3-FEAB-4CFB-82FE-4ED2FCA79071}" type="presOf" srcId="{7514BB55-BBBD-4B47-95C0-C62C973DD5A7}" destId="{1183FB87-ECF1-4259-B209-7B50C5590265}" srcOrd="0" destOrd="0" presId="urn:microsoft.com/office/officeart/2016/7/layout/RepeatingBendingProcessNew"/>
+    <dgm:cxn modelId="{B7AAB1A9-8931-4C0F-A46D-B47DF73D05ED}" type="presOf" srcId="{D0DCFAE6-706E-4CE5-9264-F914DAC3420C}" destId="{5F44B3B4-439F-46E1-8B94-4458A384499D}" srcOrd="1" destOrd="0" presId="urn:microsoft.com/office/officeart/2016/7/layout/RepeatingBendingProcessNew"/>
+    <dgm:cxn modelId="{662CA6B3-5064-4B2F-A325-0AC2FFA2F406}" type="presOf" srcId="{018F8BF0-978A-408D-907B-376606BA3228}" destId="{A700DE5C-3BD1-45C2-980E-1A2978DD9BCA}" srcOrd="0" destOrd="0" presId="urn:microsoft.com/office/officeart/2016/7/layout/RepeatingBendingProcessNew"/>
+    <dgm:cxn modelId="{762083B5-DBF2-421D-AA54-9F3EE84B80CC}" type="presOf" srcId="{D0DCFAE6-706E-4CE5-9264-F914DAC3420C}" destId="{C4D873D8-796F-4EF6-967A-03F5DFD55578}" srcOrd="0" destOrd="0" presId="urn:microsoft.com/office/officeart/2016/7/layout/RepeatingBendingProcessNew"/>
+    <dgm:cxn modelId="{7AAFE6C4-EAF3-4D91-9B0B-D8C0C960A196}" type="presOf" srcId="{3CFCC409-8B97-46C1-BA04-C5F0E0FF258F}" destId="{6E853271-8123-4748-9774-1F061DD45823}" srcOrd="1" destOrd="0" presId="urn:microsoft.com/office/officeart/2016/7/layout/RepeatingBendingProcessNew"/>
+    <dgm:cxn modelId="{5CA133D4-DD19-4D86-AA00-5946A86713E9}" type="presOf" srcId="{018F8BF0-978A-408D-907B-376606BA3228}" destId="{567E95D5-9086-474F-9A5C-C39C75E73121}" srcOrd="1" destOrd="0" presId="urn:microsoft.com/office/officeart/2016/7/layout/RepeatingBendingProcessNew"/>
+    <dgm:cxn modelId="{41049DE6-5316-4078-8616-AB565A829491}" type="presOf" srcId="{2681238D-7E68-421C-A31A-D361CC97A764}" destId="{3553DB61-E567-4381-A321-73252462D778}" srcOrd="0" destOrd="0" presId="urn:microsoft.com/office/officeart/2016/7/layout/RepeatingBendingProcessNew"/>
+    <dgm:cxn modelId="{DC55EDEA-1207-4904-A427-8403239BD6B3}" type="presOf" srcId="{4A75F89C-3050-402A-AC11-E2DA01A12408}" destId="{76B28F01-8FE5-4C6D-AEF7-2203F01C6CBF}" srcOrd="0" destOrd="0" presId="urn:microsoft.com/office/officeart/2016/7/layout/RepeatingBendingProcessNew"/>
+    <dgm:cxn modelId="{488DD5F7-CAED-4D5A-99DF-5CC5AD893109}" type="presOf" srcId="{3CFCC409-8B97-46C1-BA04-C5F0E0FF258F}" destId="{BD94B25F-D881-44C2-B282-C7D3AA96AA7D}" srcOrd="0" destOrd="0" presId="urn:microsoft.com/office/officeart/2016/7/layout/RepeatingBendingProcessNew"/>
     <dgm:cxn modelId="{CA04BFFF-4A42-4E64-81C4-BA36CF57CC45}" srcId="{7514BB55-BBBD-4B47-95C0-C62C973DD5A7}" destId="{C72FBA38-D5E2-4212-AC51-87FB88680674}" srcOrd="1" destOrd="0" parTransId="{07FEA96D-463A-4746-A78A-FCF03A923EF8}" sibTransId="{D0DCFAE6-706E-4CE5-9264-F914DAC3420C}"/>
-    <dgm:cxn modelId="{C12F3B9D-B442-4118-A9AC-E8AA02D39474}" type="presParOf" srcId="{1183FB87-ECF1-4259-B209-7B50C5590265}" destId="{76B28F01-8FE5-4C6D-AEF7-2203F01C6CBF}" srcOrd="0" destOrd="0" presId="urn:microsoft.com/office/officeart/2016/7/layout/RepeatingBendingProcessNew"/>
-    <dgm:cxn modelId="{CAE07530-2F01-4EDB-B771-1A83CB9F5E01}" type="presParOf" srcId="{1183FB87-ECF1-4259-B209-7B50C5590265}" destId="{A700DE5C-3BD1-45C2-980E-1A2978DD9BCA}" srcOrd="1" destOrd="0" presId="urn:microsoft.com/office/officeart/2016/7/layout/RepeatingBendingProcessNew"/>
-    <dgm:cxn modelId="{233B7CC8-6083-4190-9FD5-E78103CD273B}" type="presParOf" srcId="{A700DE5C-3BD1-45C2-980E-1A2978DD9BCA}" destId="{567E95D5-9086-474F-9A5C-C39C75E73121}" srcOrd="0" destOrd="0" presId="urn:microsoft.com/office/officeart/2016/7/layout/RepeatingBendingProcessNew"/>
-    <dgm:cxn modelId="{0B9B9123-0641-47E2-AE61-A749A9371844}" type="presParOf" srcId="{1183FB87-ECF1-4259-B209-7B50C5590265}" destId="{B8D7CDE1-F251-48F0-937F-9550AD4830B6}" srcOrd="2" destOrd="0" presId="urn:microsoft.com/office/officeart/2016/7/layout/RepeatingBendingProcessNew"/>
-    <dgm:cxn modelId="{856FCE60-52F1-4D2D-9793-7CD1693712C0}" type="presParOf" srcId="{1183FB87-ECF1-4259-B209-7B50C5590265}" destId="{C4D873D8-796F-4EF6-967A-03F5DFD55578}" srcOrd="3" destOrd="0" presId="urn:microsoft.com/office/officeart/2016/7/layout/RepeatingBendingProcessNew"/>
-    <dgm:cxn modelId="{06C22845-AD3B-4425-B647-BAA53D4C7D4E}" type="presParOf" srcId="{C4D873D8-796F-4EF6-967A-03F5DFD55578}" destId="{5F44B3B4-439F-46E1-8B94-4458A384499D}" srcOrd="0" destOrd="0" presId="urn:microsoft.com/office/officeart/2016/7/layout/RepeatingBendingProcessNew"/>
-    <dgm:cxn modelId="{4A549D2F-44B5-4098-A6BB-BFB083BCC513}" type="presParOf" srcId="{1183FB87-ECF1-4259-B209-7B50C5590265}" destId="{983F1654-E41A-41EF-8589-932FAF6792AB}" srcOrd="4" destOrd="0" presId="urn:microsoft.com/office/officeart/2016/7/layout/RepeatingBendingProcessNew"/>
-    <dgm:cxn modelId="{A446A455-0EB8-466E-84A1-645A3A9086B1}" type="presParOf" srcId="{1183FB87-ECF1-4259-B209-7B50C5590265}" destId="{BD94B25F-D881-44C2-B282-C7D3AA96AA7D}" srcOrd="5" destOrd="0" presId="urn:microsoft.com/office/officeart/2016/7/layout/RepeatingBendingProcessNew"/>
-    <dgm:cxn modelId="{7B177A58-057C-4E29-BFA2-1A4A418A4F76}" type="presParOf" srcId="{BD94B25F-D881-44C2-B282-C7D3AA96AA7D}" destId="{6E853271-8123-4748-9774-1F061DD45823}" srcOrd="0" destOrd="0" presId="urn:microsoft.com/office/officeart/2016/7/layout/RepeatingBendingProcessNew"/>
-    <dgm:cxn modelId="{C55DFA6A-8C6C-4D07-B73D-1290D3267E5D}" type="presParOf" srcId="{1183FB87-ECF1-4259-B209-7B50C5590265}" destId="{3553DB61-E567-4381-A321-73252462D778}" srcOrd="6" destOrd="0" presId="urn:microsoft.com/office/officeart/2016/7/layout/RepeatingBendingProcessNew"/>
+    <dgm:cxn modelId="{98B13DB4-5698-414E-947A-1D36C209ED67}" type="presParOf" srcId="{1183FB87-ECF1-4259-B209-7B50C5590265}" destId="{76B28F01-8FE5-4C6D-AEF7-2203F01C6CBF}" srcOrd="0" destOrd="0" presId="urn:microsoft.com/office/officeart/2016/7/layout/RepeatingBendingProcessNew"/>
+    <dgm:cxn modelId="{225135EF-FD40-488F-A84B-0124FE827300}" type="presParOf" srcId="{1183FB87-ECF1-4259-B209-7B50C5590265}" destId="{A700DE5C-3BD1-45C2-980E-1A2978DD9BCA}" srcOrd="1" destOrd="0" presId="urn:microsoft.com/office/officeart/2016/7/layout/RepeatingBendingProcessNew"/>
+    <dgm:cxn modelId="{2ED2844D-8C80-44F9-A109-550BEE03199C}" type="presParOf" srcId="{A700DE5C-3BD1-45C2-980E-1A2978DD9BCA}" destId="{567E95D5-9086-474F-9A5C-C39C75E73121}" srcOrd="0" destOrd="0" presId="urn:microsoft.com/office/officeart/2016/7/layout/RepeatingBendingProcessNew"/>
+    <dgm:cxn modelId="{01389997-752D-4754-924D-05376F138E58}" type="presParOf" srcId="{1183FB87-ECF1-4259-B209-7B50C5590265}" destId="{B8D7CDE1-F251-48F0-937F-9550AD4830B6}" srcOrd="2" destOrd="0" presId="urn:microsoft.com/office/officeart/2016/7/layout/RepeatingBendingProcessNew"/>
+    <dgm:cxn modelId="{A39C1DC1-38E2-4BF3-8CF8-2BC890E41222}" type="presParOf" srcId="{1183FB87-ECF1-4259-B209-7B50C5590265}" destId="{C4D873D8-796F-4EF6-967A-03F5DFD55578}" srcOrd="3" destOrd="0" presId="urn:microsoft.com/office/officeart/2016/7/layout/RepeatingBendingProcessNew"/>
+    <dgm:cxn modelId="{B64D107F-9DE2-4342-B877-5657D49BAB07}" type="presParOf" srcId="{C4D873D8-796F-4EF6-967A-03F5DFD55578}" destId="{5F44B3B4-439F-46E1-8B94-4458A384499D}" srcOrd="0" destOrd="0" presId="urn:microsoft.com/office/officeart/2016/7/layout/RepeatingBendingProcessNew"/>
+    <dgm:cxn modelId="{3C69B318-0BCB-4D1B-8D45-A1F9F31A0676}" type="presParOf" srcId="{1183FB87-ECF1-4259-B209-7B50C5590265}" destId="{983F1654-E41A-41EF-8589-932FAF6792AB}" srcOrd="4" destOrd="0" presId="urn:microsoft.com/office/officeart/2016/7/layout/RepeatingBendingProcessNew"/>
+    <dgm:cxn modelId="{39AA956B-3C8B-49AA-A2A9-20646B608611}" type="presParOf" srcId="{1183FB87-ECF1-4259-B209-7B50C5590265}" destId="{BD94B25F-D881-44C2-B282-C7D3AA96AA7D}" srcOrd="5" destOrd="0" presId="urn:microsoft.com/office/officeart/2016/7/layout/RepeatingBendingProcessNew"/>
+    <dgm:cxn modelId="{E681B111-F9FF-482B-AD15-3D57FF361B29}" type="presParOf" srcId="{BD94B25F-D881-44C2-B282-C7D3AA96AA7D}" destId="{6E853271-8123-4748-9774-1F061DD45823}" srcOrd="0" destOrd="0" presId="urn:microsoft.com/office/officeart/2016/7/layout/RepeatingBendingProcessNew"/>
+    <dgm:cxn modelId="{A6E3F6F1-534A-48A1-B876-0F3414D55D75}" type="presParOf" srcId="{1183FB87-ECF1-4259-B209-7B50C5590265}" destId="{3553DB61-E567-4381-A321-73252462D778}" srcOrd="6" destOrd="0" presId="urn:microsoft.com/office/officeart/2016/7/layout/RepeatingBendingProcessNew"/>
   </dgm:cxnLst>
   <dgm:bg/>
   <dgm:whole/>
@@ -5993,7 +5993,7 @@
   <inkml:trace contextRef="#ctx0" brushRef="#br0">671 800,'0'-36,"-41"36,-2 0,1 0,1 0,-2 0,1 0,1 0,-1 0,42 36,-42-36,42 37,-42-1,0 0,42 1,-42-1,42 0,-42-36,42 37,0-1,-42-36,42 36,0 0,0 1,0-1,-41-36,41 36,0 1,0-1,0 0,-43 1,43 0,0 35,0-35,0 35,0-35,0-1,0 0,0 0,0 1,0-1,0 0,0 1,0-1,0 0,43-36,-43 36,0 1,0-1,0 0,41-36,-41 37,42-1,-42 0,42 0,0-36,0 37,0-37,-42 37,42-37,0 36,-1 1,1-37,-42 36,43-36,-43 36,41-36,-41 37,42-37,1 0,-2 0,-41 36,42-36,0 0,0 0,0 0,0-36,42-1,-43 37,1-36,-42 0,43-1,-2 1,1 36,1 0,-43-37,0 0,41-35,-41 36,42-37,0 0,-42 37,42-36,0-1,0 73,-42-36,0-1,42 37,-42 37,42-1,-42 0,0 1,42-37,-42 36,41 0,-41 0,43-36,-43 37,41-1,-41 0,0 1,0-1,42-36,-42 36,43-36,-43 36,41-36,-41 37,0 0,42-37,-42 36,42-36,0 37,0-37,0 0,0 0,0 0,0 0,-1 0,2 0,-2 0,44 0,-2-73,1 36,-42-36,42 37,-42 36,-42-36,42 36,-42-37,0 1,0-37,41 37,-41 0,0 0,0-1,0 1,0-37,0 1,0-37,0 0,-41-37,41 37,-42 0,0 37,42-1,-42 37,42-1,0 1,-42 36,0 0,0 0,0 0,42-36,-42 36,1 0,-2 0,1 0,1 0,-2 0,2 0,-1 0,0 0,0 0,0 0,0 0,0 0,42 36,0 0,-42 1,0-1,42 0,-41-36,-2 37,1-1,1 0,41 0,0 1,-43-37,43 36,-41 37,41-37,-42 0,42 1,-42 0,0-1,0 0,42 1,0-1,0 0,0 1,0-1,0-36</inkml:trace>
   <inkml:trace contextRef="#ctx0" brushRef="#br1" timeOffset="3703.9181">3187 619,'42'0,"-42"36,41 37,2-1,-1 1,-1-1,1-36,-42 1,0 35,0-35,43-37,-43 36,0 0,0 0,0 37,0 0,0 0,41-73,-41 73,0-37,0 0,0 1,0-1,0 0,42-36,-42 36,0 1,42-37,-42 36,0 0,0 0,0 1,42-37,-42 36,0 0,0 1,42-1,-42 0,0 0,0 1,0-1,41-36,2 0,-1 0,-42 36,41-36,2 37,-1-37,-42 36,41-36,1 0,1 0,-2 0,1 0,0 0,0 0,0 0,-42-36,41-1,2 37,-1-36,-1 0,-41-1,43 37,-1-36,41-109,-40 72,-2 1,-41 36,42-1,1 37,-43-36,0 0,0-37,0 1,0 35,0 1,0 0,-43-1,43-36,-83 0,83 37,-43-36,-40-1,-2 37,2-37,83 37,-43 0,2-1,-1 37,0-36,0 0,0 0,1-1,-2 1,1 0,1 36,-1 0,42-37,-43 37,2 0,41-36,-42 36,-1 0,2 0,-1 0,0 0,0 0,0 0,1-36,-2 36,1 0,1 0,-1 0,-1 0,2-36,-1 36,-1 0,2 0,41 0</inkml:trace>
   <inkml:trace contextRef="#ctx0" brushRef="#br2" timeOffset="6215.8407">4696 219,'43'36,"-1"0,-1 37,-41-37,42 0,0 2,0 34,0-36,-42 1,42-1,-42 0,42 1,-42-1,42 0,-42 0,0 1,41-1,2-36,-43 36,0 1,42-37,-42 36,0 0,41 0,-41 1,42-37,-42 36,0 0,43 1,-43-1,0 0,0 0,0 1,41 0,-41-1,42 1,-42-1,42-36,-42 36,42 0,-42 1,42-37,-42 36,0 0,0 1,41-37,2 36,-1 0,-1 0,-41 1,43-1,-1 0,-1 1,1-1,1-36,-2 36,1-36,0 36,0-36,41 37,-40-37,-1 0,-1 0,2 0,-1 0,-1 0,1 0,1 0,40 0,-42-37,2 37,-43-36,42 36,-1-36,2 36,-1 0,41 0,43-73,-83 73,-2 0,1 0,-1 0,2 0,-1 0,-1 0,2 0,-43 0</inkml:trace>
-  <inkml:trace contextRef="#ctx0" brushRef="#br3" timeOffset="8216.0669">4696 218,'0'-36,"43"36,-1-36,-1-1,1 37,0 0,0 0,0 0,0 0,0 0,0 0,0 0,0 0,0 0,-1 0,2 0,-1 0,-1 0,43 0,-42 0,0 0,42 0,-42 0,0 0,42 0,-42 0,0 0,0 0,-1 0,2 0,40 0,-40 0,40 0,-41 0,0 0,0 0,0 0,-42 0</inkml:trace>
+  <inkml:trace contextRef="#ctx0" brushRef="#br3" timeOffset="8216.0668">4696 218,'0'-36,"43"36,-1-36,-1-1,1 37,0 0,0 0,0 0,0 0,0 0,0 0,0 0,0 0,0 0,-1 0,2 0,-1 0,-1 0,43 0,-42 0,0 0,42 0,-42 0,0 0,42 0,-42 0,0 0,0 0,-1 0,2 0,40 0,-40 0,40 0,-41 0,0 0,0 0,0 0,-42 0</inkml:trace>
   <inkml:trace contextRef="#ctx0" brushRef="#br4" timeOffset="9367.2734">5326 1454,'0'-38,"42"2,83 0,-41-37,42 1,0 35,-43 1,1 36,0-36,-42 36,0-37,-1 37,2 0,-1 0,41 0,-40 0,-2 0,1 0,1 0,-2-36,-41 36</inkml:trace>
   <inkml:trace contextRef="#ctx0" brushRef="#br5" timeOffset="11815.1725">2264 3343,'42'0,"0"0,0 37,-42-1,41 0,-41 1,43-37,-1 72,-1-35,-41-1,43 0,-1 0,-42 1,0-1,0 0,41-36,-41 37,0-1,42 0,-42 0,43-36,-43 37,41-1,-41 0,0 1,42-37,-42 36,0 0,41-36,-41 37,43 36,-43-37,0 1,0-1,42 0,-1 1,2 35,-43-36,0 1,42 35,-1-35,1-1,-42 0,0 1,43-37,-43 0</inkml:trace>
   <inkml:trace contextRef="#ctx0" brushRef="#br6" timeOffset="13544.0298">1510 3743,'0'-37,"0"1,42 0,0 36,-1 0,2 0,-2 0,1 0,1 0,40 0,1 0,0 0,0 0,42 0,-43 0,1 0,1 0,-2 0,-83-37,42 37,-42-36,42 36,84-73,-43 37,-41-36,42 35,-42 1,42-1,-42 37,42-37,-42 1,0 36,42 0,-42 0,0 0,0 0,-1 0,1 0,1 0,-2 0,1 0,1 36,-2 1,-41 0,42-37,-42 0</inkml:trace>
@@ -20377,6 +20377,36 @@
           </a:p>
         </p:txBody>
       </p:sp>
+      <p:pic>
+        <p:nvPicPr>
+          <p:cNvPr id="5" name="Picture 4">
+            <a:extLst>
+              <a:ext uri="{FF2B5EF4-FFF2-40B4-BE49-F238E27FC236}">
+                <a16:creationId xmlns:a16="http://schemas.microsoft.com/office/drawing/2014/main" id="{D844C170-31BC-47CA-904B-2B0557240909}"/>
+              </a:ext>
+            </a:extLst>
+          </p:cNvPr>
+          <p:cNvPicPr>
+            <a:picLocks noChangeAspect="1"/>
+          </p:cNvPicPr>
+          <p:nvPr/>
+        </p:nvPicPr>
+        <p:blipFill>
+          <a:blip r:embed="rId4"/>
+          <a:stretch>
+            <a:fillRect/>
+          </a:stretch>
+        </p:blipFill>
+        <p:spPr>
+          <a:xfrm>
+            <a:off x="9682479" y="4921120"/>
+            <a:ext cx="2943121" cy="2080695"/>
+          </a:xfrm>
+          <a:prstGeom prst="rect">
+            <a:avLst/>
+          </a:prstGeom>
+        </p:spPr>
+      </p:pic>
     </p:spTree>
     <p:extLst>
       <p:ext uri="{BB962C8B-B14F-4D97-AF65-F5344CB8AC3E}">
@@ -20407,6 +20437,43 @@
           <a:chExt cx="0" cy="0"/>
         </a:xfrm>
       </p:grpSpPr>
+      <p:pic>
+        <p:nvPicPr>
+          <p:cNvPr id="5" name="Picture 4">
+            <a:extLst>
+              <a:ext uri="{FF2B5EF4-FFF2-40B4-BE49-F238E27FC236}">
+                <a16:creationId xmlns:a16="http://schemas.microsoft.com/office/drawing/2014/main" id="{29B6AFD7-19AC-467C-8122-899EBBA847BF}"/>
+              </a:ext>
+            </a:extLst>
+          </p:cNvPr>
+          <p:cNvPicPr>
+            <a:picLocks noChangeAspect="1"/>
+          </p:cNvPicPr>
+          <p:nvPr/>
+        </p:nvPicPr>
+        <p:blipFill>
+          <a:blip r:embed="rId2"/>
+          <a:stretch>
+            <a:fillRect/>
+          </a:stretch>
+        </p:blipFill>
+        <p:spPr>
+          <a:xfrm>
+            <a:off x="10172112" y="5223077"/>
+            <a:ext cx="2207902" cy="1560918"/>
+          </a:xfrm>
+          <a:prstGeom prst="rect">
+            <a:avLst/>
+          </a:prstGeom>
+          <a:effectLst>
+            <a:outerShdw dist="50800" dir="5400000" algn="ctr" rotWithShape="0">
+              <a:srgbClr val="000000">
+                <a:alpha val="46000"/>
+              </a:srgbClr>
+            </a:outerShdw>
+          </a:effectLst>
+        </p:spPr>
+      </p:pic>
       <p:sp>
         <p:nvSpPr>
           <p:cNvPr id="2" name="Title 1">
@@ -21040,7 +21107,7 @@
             <p:ph idx="1"/>
             <p:extLst>
               <p:ext uri="{D42A27DB-BD31-4B8C-83A1-F6EECF244321}">
-                <p14:modId xmlns:p14="http://schemas.microsoft.com/office/powerpoint/2010/main" val="3811489668"/>
+                <p14:modId xmlns:p14="http://schemas.microsoft.com/office/powerpoint/2010/main" val="2459651018"/>
               </p:ext>
             </p:extLst>
           </p:nvPr>
@@ -21055,6 +21122,43 @@
           </a:graphicData>
         </a:graphic>
       </p:graphicFrame>
+      <p:pic>
+        <p:nvPicPr>
+          <p:cNvPr id="4" name="Picture 3">
+            <a:extLst>
+              <a:ext uri="{FF2B5EF4-FFF2-40B4-BE49-F238E27FC236}">
+                <a16:creationId xmlns:a16="http://schemas.microsoft.com/office/drawing/2014/main" id="{89DC0A55-0211-4E93-8DA6-D7DA68E73F6A}"/>
+              </a:ext>
+            </a:extLst>
+          </p:cNvPr>
+          <p:cNvPicPr>
+            <a:picLocks noChangeAspect="1"/>
+          </p:cNvPicPr>
+          <p:nvPr/>
+        </p:nvPicPr>
+        <p:blipFill>
+          <a:blip r:embed="rId8"/>
+          <a:stretch>
+            <a:fillRect/>
+          </a:stretch>
+        </p:blipFill>
+        <p:spPr>
+          <a:xfrm>
+            <a:off x="10216995" y="5243512"/>
+            <a:ext cx="2283676" cy="1614488"/>
+          </a:xfrm>
+          <a:prstGeom prst="rect">
+            <a:avLst/>
+          </a:prstGeom>
+          <a:effectLst>
+            <a:outerShdw blurRad="50800" dist="50800" dir="5400000" algn="ctr" rotWithShape="0">
+              <a:srgbClr val="000000">
+                <a:alpha val="14000"/>
+              </a:srgbClr>
+            </a:outerShdw>
+          </a:effectLst>
+        </p:spPr>
+      </p:pic>
     </p:spTree>
     <p:extLst>
       <p:ext uri="{BB962C8B-B14F-4D97-AF65-F5344CB8AC3E}">
@@ -21470,6 +21574,43 @@
           </a:graphicData>
         </a:graphic>
       </p:graphicFrame>
+      <p:pic>
+        <p:nvPicPr>
+          <p:cNvPr id="4" name="Picture 3">
+            <a:extLst>
+              <a:ext uri="{FF2B5EF4-FFF2-40B4-BE49-F238E27FC236}">
+                <a16:creationId xmlns:a16="http://schemas.microsoft.com/office/drawing/2014/main" id="{9C5945C0-C7F2-4811-B587-4DE012B3A284}"/>
+              </a:ext>
+            </a:extLst>
+          </p:cNvPr>
+          <p:cNvPicPr>
+            <a:picLocks noChangeAspect="1"/>
+          </p:cNvPicPr>
+          <p:nvPr/>
+        </p:nvPicPr>
+        <p:blipFill>
+          <a:blip r:embed="rId8"/>
+          <a:stretch>
+            <a:fillRect/>
+          </a:stretch>
+        </p:blipFill>
+        <p:spPr>
+          <a:xfrm>
+            <a:off x="9729789" y="4880471"/>
+            <a:ext cx="2656626" cy="1878152"/>
+          </a:xfrm>
+          <a:prstGeom prst="rect">
+            <a:avLst/>
+          </a:prstGeom>
+          <a:effectLst>
+            <a:outerShdw blurRad="50800" dist="50800" dir="5400000" algn="ctr" rotWithShape="0">
+              <a:srgbClr val="000000">
+                <a:alpha val="0"/>
+              </a:srgbClr>
+            </a:outerShdw>
+          </a:effectLst>
+        </p:spPr>
+      </p:pic>
     </p:spTree>
     <p:extLst>
       <p:ext uri="{BB962C8B-B14F-4D97-AF65-F5344CB8AC3E}">
@@ -21804,6 +21945,36 @@
           <a:xfrm>
             <a:off x="4329881" y="5309705"/>
             <a:ext cx="1332434" cy="1289662"/>
+          </a:xfrm>
+          <a:prstGeom prst="rect">
+            <a:avLst/>
+          </a:prstGeom>
+        </p:spPr>
+      </p:pic>
+      <p:pic>
+        <p:nvPicPr>
+          <p:cNvPr id="7" name="Picture 6">
+            <a:extLst>
+              <a:ext uri="{FF2B5EF4-FFF2-40B4-BE49-F238E27FC236}">
+                <a16:creationId xmlns:a16="http://schemas.microsoft.com/office/drawing/2014/main" id="{35602B2E-174B-49A7-8786-A23AA037D4E8}"/>
+              </a:ext>
+            </a:extLst>
+          </p:cNvPr>
+          <p:cNvPicPr>
+            <a:picLocks noChangeAspect="1"/>
+          </p:cNvPicPr>
+          <p:nvPr/>
+        </p:nvPicPr>
+        <p:blipFill>
+          <a:blip r:embed="rId5"/>
+          <a:stretch>
+            <a:fillRect/>
+          </a:stretch>
+        </p:blipFill>
+        <p:spPr>
+          <a:xfrm>
+            <a:off x="9846761" y="4974096"/>
+            <a:ext cx="2773644" cy="1960880"/>
           </a:xfrm>
           <a:prstGeom prst="rect">
             <a:avLst/>

--- a/Presentation/codeforhood.pptx
+++ b/Presentation/codeforhood.pptx
@@ -1802,10 +1802,10 @@
         <a:lstStyle/>
         <a:p>
           <a:r>
-            <a:rPr lang="en-GB"/>
-            <a:t>We built a user friendly web app</a:t>
+            <a:rPr lang="en-GB" dirty="0"/>
+            <a:t>We built a user friendly web app and then we started building mobile friendly </a:t>
           </a:r>
-          <a:endParaRPr lang="en-US"/>
+          <a:endParaRPr lang="en-US" dirty="0"/>
         </a:p>
       </dgm:t>
     </dgm:pt>
@@ -1839,10 +1839,10 @@
         <a:lstStyle/>
         <a:p>
           <a:r>
-            <a:rPr lang="en-GB"/>
-            <a:t>We employed a quiz there </a:t>
+            <a:rPr lang="en-GB" dirty="0"/>
+            <a:t>We implemented a quiz there </a:t>
           </a:r>
-          <a:endParaRPr lang="en-US"/>
+          <a:endParaRPr lang="en-US" dirty="0"/>
         </a:p>
       </dgm:t>
     </dgm:pt>
@@ -1913,10 +1913,10 @@
         <a:lstStyle/>
         <a:p>
           <a:r>
-            <a:rPr lang="en-GB"/>
-            <a:t>We made our project more interactive by Game </a:t>
+            <a:rPr lang="en-GB" dirty="0"/>
+            <a:t>We made our project more interactive by  utilising a game/ entertainment</a:t>
           </a:r>
-          <a:endParaRPr lang="en-US"/>
+          <a:endParaRPr lang="en-US" dirty="0"/>
         </a:p>
       </dgm:t>
     </dgm:pt>
@@ -2067,10 +2067,10 @@
         <a:lstStyle/>
         <a:p>
           <a:r>
-            <a:rPr lang="en-GB"/>
-            <a:t>literacy </a:t>
+            <a:rPr lang="en-GB" dirty="0"/>
+            <a:t>literacy</a:t>
           </a:r>
-          <a:endParaRPr lang="en-US"/>
+          <a:endParaRPr lang="en-US" dirty="0"/>
         </a:p>
       </dgm:t>
     </dgm:pt>
@@ -2104,10 +2104,10 @@
         <a:lstStyle/>
         <a:p>
           <a:r>
-            <a:rPr lang="en-GB"/>
-            <a:t>law prohibits child marriage </a:t>
+            <a:rPr lang="en-GB" dirty="0"/>
+            <a:t>law prohibits child marriage</a:t>
           </a:r>
-          <a:endParaRPr lang="en-US"/>
+          <a:endParaRPr lang="en-US" dirty="0"/>
         </a:p>
       </dgm:t>
     </dgm:pt>
@@ -2141,10 +2141,10 @@
         <a:lstStyle/>
         <a:p>
           <a:r>
-            <a:rPr lang="en-GB"/>
+            <a:rPr lang="en-GB" dirty="0"/>
             <a:t>maternal mortality </a:t>
           </a:r>
-          <a:endParaRPr lang="en-US"/>
+          <a:endParaRPr lang="en-US" dirty="0"/>
         </a:p>
       </dgm:t>
     </dgm:pt>
@@ -2267,7 +2267,7 @@
       <dgm:spPr/>
     </dgm:pt>
     <dgm:pt modelId="{723EBB41-AF7B-4064-BC80-09C567681F39}" type="pres">
-      <dgm:prSet presAssocID="{74659791-4BB4-4F3F-9AF9-5F3F46B1CEEF}" presName="parentText" presStyleLbl="node1" presStyleIdx="1" presStyleCnt="5">
+      <dgm:prSet presAssocID="{74659791-4BB4-4F3F-9AF9-5F3F46B1CEEF}" presName="parentText" presStyleLbl="node1" presStyleIdx="1" presStyleCnt="5" custLinFactNeighborX="284" custLinFactNeighborY="35434">
         <dgm:presLayoutVars>
           <dgm:chMax val="0"/>
           <dgm:bulletEnabled val="1"/>
@@ -2504,10 +2504,10 @@
             <a:buNone/>
           </a:pPr>
           <a:r>
-            <a:rPr lang="en-GB" sz="1600" kern="1200"/>
-            <a:t>We built a user friendly web app</a:t>
+            <a:rPr lang="en-GB" sz="1600" kern="1200" dirty="0"/>
+            <a:t>We built a user friendly web app and then we started building mobile friendly </a:t>
           </a:r>
-          <a:endParaRPr lang="en-US" sz="1600" kern="1200"/>
+          <a:endParaRPr lang="en-US" sz="1600" kern="1200" dirty="0"/>
         </a:p>
       </dsp:txBody>
       <dsp:txXfrm>
@@ -2670,10 +2670,10 @@
             <a:buNone/>
           </a:pPr>
           <a:r>
-            <a:rPr lang="en-GB" sz="1600" kern="1200"/>
-            <a:t>We employed a quiz there </a:t>
+            <a:rPr lang="en-GB" sz="1600" kern="1200" dirty="0"/>
+            <a:t>We implemented a quiz there </a:t>
           </a:r>
-          <a:endParaRPr lang="en-US" sz="1600" kern="1200"/>
+          <a:endParaRPr lang="en-US" sz="1600" kern="1200" dirty="0"/>
         </a:p>
       </dsp:txBody>
       <dsp:txXfrm>
@@ -2909,10 +2909,10 @@
             <a:buNone/>
           </a:pPr>
           <a:r>
-            <a:rPr lang="en-GB" sz="1600" kern="1200"/>
-            <a:t>We made our project more interactive by Game </a:t>
+            <a:rPr lang="en-GB" sz="1600" kern="1200" dirty="0"/>
+            <a:t>We made our project more interactive by  utilising a game/ entertainment</a:t>
           </a:r>
-          <a:endParaRPr lang="en-US" sz="1600" kern="1200"/>
+          <a:endParaRPr lang="en-US" sz="1600" kern="1200" dirty="0"/>
         </a:p>
       </dsp:txBody>
       <dsp:txXfrm>
@@ -2999,10 +2999,10 @@
             <a:buNone/>
           </a:pPr>
           <a:r>
-            <a:rPr lang="en-GB" sz="2400" kern="1200"/>
-            <a:t>literacy </a:t>
+            <a:rPr lang="en-GB" sz="2400" kern="1200" dirty="0"/>
+            <a:t>literacy</a:t>
           </a:r>
-          <a:endParaRPr lang="en-US" sz="2400" kern="1200"/>
+          <a:endParaRPr lang="en-US" sz="2400" kern="1200" dirty="0"/>
         </a:p>
       </dsp:txBody>
       <dsp:txXfrm>
@@ -3017,7 +3017,7 @@
       </dsp:nvSpPr>
       <dsp:spPr>
         <a:xfrm>
-          <a:off x="0" y="1086265"/>
+          <a:off x="0" y="1110757"/>
           <a:ext cx="5741533" cy="953403"/>
         </a:xfrm>
         <a:prstGeom prst="roundRect">
@@ -3077,14 +3077,14 @@
             <a:buNone/>
           </a:pPr>
           <a:r>
-            <a:rPr lang="en-GB" sz="2400" kern="1200"/>
-            <a:t>law prohibits child marriage </a:t>
+            <a:rPr lang="en-GB" sz="2400" kern="1200" dirty="0"/>
+            <a:t>law prohibits child marriage</a:t>
           </a:r>
-          <a:endParaRPr lang="en-US" sz="2400" kern="1200"/>
+          <a:endParaRPr lang="en-US" sz="2400" kern="1200" dirty="0"/>
         </a:p>
       </dsp:txBody>
       <dsp:txXfrm>
-        <a:off x="46541" y="1132806"/>
+        <a:off x="46541" y="1157298"/>
         <a:ext cx="5648451" cy="860321"/>
       </dsp:txXfrm>
     </dsp:sp>
@@ -3155,10 +3155,10 @@
             <a:buNone/>
           </a:pPr>
           <a:r>
-            <a:rPr lang="en-GB" sz="2400" kern="1200"/>
+            <a:rPr lang="en-GB" sz="2400" kern="1200" dirty="0"/>
             <a:t>maternal mortality </a:t>
           </a:r>
-          <a:endParaRPr lang="en-US" sz="2400" kern="1200"/>
+          <a:endParaRPr lang="en-US" sz="2400" kern="1200" dirty="0"/>
         </a:p>
       </dsp:txBody>
       <dsp:txXfrm>
@@ -5993,7 +5993,7 @@
   <inkml:trace contextRef="#ctx0" brushRef="#br0">671 800,'0'-36,"-41"36,-2 0,1 0,1 0,-2 0,1 0,1 0,-1 0,42 36,-42-36,42 37,-42-1,0 0,42 1,-42-1,42 0,-42-36,42 37,0-1,-42-36,42 36,0 0,0 1,0-1,-41-36,41 36,0 1,0-1,0 0,-43 1,43 0,0 35,0-35,0 35,0-35,0-1,0 0,0 0,0 1,0-1,0 0,0 1,0-1,0 0,43-36,-43 36,0 1,0-1,0 0,41-36,-41 37,42-1,-42 0,42 0,0-36,0 37,0-37,-42 37,42-37,0 36,-1 1,1-37,-42 36,43-36,-43 36,41-36,-41 37,42-37,1 0,-2 0,-41 36,42-36,0 0,0 0,0 0,0-36,42-1,-43 37,1-36,-42 0,43-1,-2 1,1 36,1 0,-43-37,0 0,41-35,-41 36,42-37,0 0,-42 37,42-36,0-1,0 73,-42-36,0-1,42 37,-42 37,42-1,-42 0,0 1,42-37,-42 36,41 0,-41 0,43-36,-43 37,41-1,-41 0,0 1,0-1,42-36,-42 36,43-36,-43 36,41-36,-41 37,0 0,42-37,-42 36,42-36,0 37,0-37,0 0,0 0,0 0,0 0,-1 0,2 0,-2 0,44 0,-2-73,1 36,-42-36,42 37,-42 36,-42-36,42 36,-42-37,0 1,0-37,41 37,-41 0,0 0,0-1,0 1,0-37,0 1,0-37,0 0,-41-37,41 37,-42 0,0 37,42-1,-42 37,42-1,0 1,-42 36,0 0,0 0,0 0,42-36,-42 36,1 0,-2 0,1 0,1 0,-2 0,2 0,-1 0,0 0,0 0,0 0,0 0,0 0,42 36,0 0,-42 1,0-1,42 0,-41-36,-2 37,1-1,1 0,41 0,0 1,-43-37,43 36,-41 37,41-37,-42 0,42 1,-42 0,0-1,0 0,42 1,0-1,0 0,0 1,0-1,0-36</inkml:trace>
   <inkml:trace contextRef="#ctx0" brushRef="#br1" timeOffset="3703.9181">3187 619,'42'0,"-42"36,41 37,2-1,-1 1,-1-1,1-36,-42 1,0 35,0-35,43-37,-43 36,0 0,0 0,0 37,0 0,0 0,41-73,-41 73,0-37,0 0,0 1,0-1,0 0,42-36,-42 36,0 1,42-37,-42 36,0 0,0 0,0 1,42-37,-42 36,0 0,0 1,42-1,-42 0,0 0,0 1,0-1,41-36,2 0,-1 0,-42 36,41-36,2 37,-1-37,-42 36,41-36,1 0,1 0,-2 0,1 0,0 0,0 0,0 0,-42-36,41-1,2 37,-1-36,-1 0,-41-1,43 37,-1-36,41-109,-40 72,-2 1,-41 36,42-1,1 37,-43-36,0 0,0-37,0 1,0 35,0 1,0 0,-43-1,43-36,-83 0,83 37,-43-36,-40-1,-2 37,2-37,83 37,-43 0,2-1,-1 37,0-36,0 0,0 0,1-1,-2 1,1 0,1 36,-1 0,42-37,-43 37,2 0,41-36,-42 36,-1 0,2 0,-1 0,0 0,0 0,0 0,1-36,-2 36,1 0,1 0,-1 0,-1 0,2-36,-1 36,-1 0,2 0,41 0</inkml:trace>
   <inkml:trace contextRef="#ctx0" brushRef="#br2" timeOffset="6215.8407">4696 219,'43'36,"-1"0,-1 37,-41-37,42 0,0 2,0 34,0-36,-42 1,42-1,-42 0,42 1,-42-1,42 0,-42 0,0 1,41-1,2-36,-43 36,0 1,42-37,-42 36,0 0,41 0,-41 1,42-37,-42 36,0 0,43 1,-43-1,0 0,0 0,0 1,41 0,-41-1,42 1,-42-1,42-36,-42 36,42 0,-42 1,42-37,-42 36,0 0,0 1,41-37,2 36,-1 0,-1 0,-41 1,43-1,-1 0,-1 1,1-1,1-36,-2 36,1-36,0 36,0-36,41 37,-40-37,-1 0,-1 0,2 0,-1 0,-1 0,1 0,1 0,40 0,-42-37,2 37,-43-36,42 36,-1-36,2 36,-1 0,41 0,43-73,-83 73,-2 0,1 0,-1 0,2 0,-1 0,-1 0,2 0,-43 0</inkml:trace>
-  <inkml:trace contextRef="#ctx0" brushRef="#br3" timeOffset="8216.0668">4696 218,'0'-36,"43"36,-1-36,-1-1,1 37,0 0,0 0,0 0,0 0,0 0,0 0,0 0,0 0,0 0,-1 0,2 0,-1 0,-1 0,43 0,-42 0,0 0,42 0,-42 0,0 0,42 0,-42 0,0 0,0 0,-1 0,2 0,40 0,-40 0,40 0,-41 0,0 0,0 0,0 0,-42 0</inkml:trace>
+  <inkml:trace contextRef="#ctx0" brushRef="#br3" timeOffset="8216.0667">4696 218,'0'-36,"43"36,-1-36,-1-1,1 37,0 0,0 0,0 0,0 0,0 0,0 0,0 0,0 0,0 0,-1 0,2 0,-1 0,-1 0,43 0,-42 0,0 0,42 0,-42 0,0 0,42 0,-42 0,0 0,0 0,-1 0,2 0,40 0,-40 0,40 0,-41 0,0 0,0 0,0 0,-42 0</inkml:trace>
   <inkml:trace contextRef="#ctx0" brushRef="#br4" timeOffset="9367.2734">5326 1454,'0'-38,"42"2,83 0,-41-37,42 1,0 35,-43 1,1 36,0-36,-42 36,0-37,-1 37,2 0,-1 0,41 0,-40 0,-2 0,1 0,1 0,-2-36,-41 36</inkml:trace>
   <inkml:trace contextRef="#ctx0" brushRef="#br5" timeOffset="11815.1725">2264 3343,'42'0,"0"0,0 37,-42-1,41 0,-41 1,43-37,-1 72,-1-35,-41-1,43 0,-1 0,-42 1,0-1,0 0,41-36,-41 37,0-1,42 0,-42 0,43-36,-43 37,41-1,-41 0,0 1,42-37,-42 36,0 0,41-36,-41 37,43 36,-43-37,0 1,0-1,42 0,-1 1,2 35,-43-36,0 1,42 35,-1-35,1-1,-42 0,0 1,43-37,-43 0</inkml:trace>
   <inkml:trace contextRef="#ctx0" brushRef="#br6" timeOffset="13544.0298">1510 3743,'0'-37,"0"1,42 0,0 36,-1 0,2 0,-2 0,1 0,1 0,40 0,1 0,0 0,0 0,42 0,-43 0,1 0,1 0,-2 0,-83-37,42 37,-42-36,42 36,84-73,-43 37,-41-36,42 35,-42 1,42-1,-42 37,42-37,-42 1,0 36,42 0,-42 0,0 0,0 0,-1 0,1 0,1 0,-2 0,1 0,1 36,-2 1,-41 0,42-37,-42 0</inkml:trace>
@@ -11690,7 +11690,7 @@
       </p:grpSpPr>
       <p:sp>
         <p:nvSpPr>
-          <p:cNvPr id="153" name="Rectangle 152">
+          <p:cNvPr id="213" name="Rectangle 212">
             <a:extLst>
               <a:ext uri="{FF2B5EF4-FFF2-40B4-BE49-F238E27FC236}">
                 <a16:creationId xmlns:a16="http://schemas.microsoft.com/office/drawing/2014/main" id="{CDE6373C-25B2-42FF-8704-49F0A179CC41}"/>
@@ -11751,7 +11751,7 @@
       </p:sp>
       <p:grpSp>
         <p:nvGrpSpPr>
-          <p:cNvPr id="155" name="Group 154">
+          <p:cNvPr id="215" name="Group 214">
             <a:extLst>
               <a:ext uri="{FF2B5EF4-FFF2-40B4-BE49-F238E27FC236}">
                 <a16:creationId xmlns:a16="http://schemas.microsoft.com/office/drawing/2014/main" id="{653F32F4-4B4C-47E1-8F7F-790BD85BBCE8}"/>
@@ -11779,7 +11779,7 @@
         </p:grpSpPr>
         <p:sp>
           <p:nvSpPr>
-            <p:cNvPr id="156" name="Freeform 13">
+            <p:cNvPr id="216" name="Freeform 13">
               <a:extLst>
                 <a:ext uri="{FF2B5EF4-FFF2-40B4-BE49-F238E27FC236}">
                   <a16:creationId xmlns:a16="http://schemas.microsoft.com/office/drawing/2014/main" id="{125A1015-CF37-4E19-91D2-3AD6A8563D2B}"/>
@@ -11966,7 +11966,7 @@
         </p:sp>
         <p:grpSp>
           <p:nvGrpSpPr>
-            <p:cNvPr id="157" name="Group 156">
+            <p:cNvPr id="217" name="Group 216">
               <a:extLst>
                 <a:ext uri="{FF2B5EF4-FFF2-40B4-BE49-F238E27FC236}">
                   <a16:creationId xmlns:a16="http://schemas.microsoft.com/office/drawing/2014/main" id="{960D824D-2820-4448-9773-CDD279A32A8A}"/>
@@ -11992,7 +11992,7 @@
           </p:grpSpPr>
           <p:cxnSp>
             <p:nvCxnSpPr>
-              <p:cNvPr id="158" name="Straight Connector 157">
+              <p:cNvPr id="218" name="Straight Connector 217">
                 <a:extLst>
                   <a:ext uri="{FF2B5EF4-FFF2-40B4-BE49-F238E27FC236}">
                     <a16:creationId xmlns:a16="http://schemas.microsoft.com/office/drawing/2014/main" id="{750582C3-FB10-4D22-B7D7-66867BC12F36}"/>
@@ -12041,7 +12041,7 @@
           </p:cxnSp>
           <p:cxnSp>
             <p:nvCxnSpPr>
-              <p:cNvPr id="159" name="Straight Connector 158">
+              <p:cNvPr id="219" name="Straight Connector 218">
                 <a:extLst>
                   <a:ext uri="{FF2B5EF4-FFF2-40B4-BE49-F238E27FC236}">
                     <a16:creationId xmlns:a16="http://schemas.microsoft.com/office/drawing/2014/main" id="{A551864A-11F1-469C-B424-1F3A624C4A7B}"/>
@@ -12090,7 +12090,7 @@
           </p:cxnSp>
           <p:cxnSp>
             <p:nvCxnSpPr>
-              <p:cNvPr id="160" name="Straight Connector 159">
+              <p:cNvPr id="220" name="Straight Connector 219">
                 <a:extLst>
                   <a:ext uri="{FF2B5EF4-FFF2-40B4-BE49-F238E27FC236}">
                     <a16:creationId xmlns:a16="http://schemas.microsoft.com/office/drawing/2014/main" id="{8D13DDAE-9F24-4A16-B364-04293D4B2B46}"/>
@@ -12139,7 +12139,7 @@
           </p:cxnSp>
           <p:cxnSp>
             <p:nvCxnSpPr>
-              <p:cNvPr id="161" name="Straight Connector 160">
+              <p:cNvPr id="221" name="Straight Connector 220">
                 <a:extLst>
                   <a:ext uri="{FF2B5EF4-FFF2-40B4-BE49-F238E27FC236}">
                     <a16:creationId xmlns:a16="http://schemas.microsoft.com/office/drawing/2014/main" id="{415E573E-3D8D-43CE-943A-B72181886D5A}"/>
@@ -12188,7 +12188,7 @@
           </p:cxnSp>
           <p:cxnSp>
             <p:nvCxnSpPr>
-              <p:cNvPr id="162" name="Straight Connector 161">
+              <p:cNvPr id="222" name="Straight Connector 221">
                 <a:extLst>
                   <a:ext uri="{FF2B5EF4-FFF2-40B4-BE49-F238E27FC236}">
                     <a16:creationId xmlns:a16="http://schemas.microsoft.com/office/drawing/2014/main" id="{ED7A7299-2E06-4E78-A6BC-9D6DBCCBCAC5}"/>
@@ -12237,7 +12237,7 @@
           </p:cxnSp>
           <p:cxnSp>
             <p:nvCxnSpPr>
-              <p:cNvPr id="163" name="Straight Connector 162">
+              <p:cNvPr id="223" name="Straight Connector 222">
                 <a:extLst>
                   <a:ext uri="{FF2B5EF4-FFF2-40B4-BE49-F238E27FC236}">
                     <a16:creationId xmlns:a16="http://schemas.microsoft.com/office/drawing/2014/main" id="{AC10D1F1-B02A-45CB-9249-0A34A0FA1884}"/>
@@ -12286,7 +12286,7 @@
           </p:cxnSp>
           <p:cxnSp>
             <p:nvCxnSpPr>
-              <p:cNvPr id="164" name="Straight Connector 163">
+              <p:cNvPr id="224" name="Straight Connector 223">
                 <a:extLst>
                   <a:ext uri="{FF2B5EF4-FFF2-40B4-BE49-F238E27FC236}">
                     <a16:creationId xmlns:a16="http://schemas.microsoft.com/office/drawing/2014/main" id="{97B445E6-FC9E-4BBE-9684-9D27A3B00992}"/>
@@ -12335,7 +12335,7 @@
           </p:cxnSp>
           <p:cxnSp>
             <p:nvCxnSpPr>
-              <p:cNvPr id="165" name="Straight Connector 164">
+              <p:cNvPr id="225" name="Straight Connector 224">
                 <a:extLst>
                   <a:ext uri="{FF2B5EF4-FFF2-40B4-BE49-F238E27FC236}">
                     <a16:creationId xmlns:a16="http://schemas.microsoft.com/office/drawing/2014/main" id="{D7B94B0B-1E86-445C-94E3-9C477953D24F}"/>
@@ -12384,7 +12384,7 @@
           </p:cxnSp>
           <p:cxnSp>
             <p:nvCxnSpPr>
-              <p:cNvPr id="166" name="Straight Connector 165">
+              <p:cNvPr id="226" name="Straight Connector 225">
                 <a:extLst>
                   <a:ext uri="{FF2B5EF4-FFF2-40B4-BE49-F238E27FC236}">
                     <a16:creationId xmlns:a16="http://schemas.microsoft.com/office/drawing/2014/main" id="{847B8F27-EFDA-4971-9967-175C56A35BAA}"/>
@@ -12433,7 +12433,7 @@
           </p:cxnSp>
           <p:cxnSp>
             <p:nvCxnSpPr>
-              <p:cNvPr id="167" name="Straight Connector 166">
+              <p:cNvPr id="227" name="Straight Connector 226">
                 <a:extLst>
                   <a:ext uri="{FF2B5EF4-FFF2-40B4-BE49-F238E27FC236}">
                     <a16:creationId xmlns:a16="http://schemas.microsoft.com/office/drawing/2014/main" id="{F4707D83-8210-46C9-9207-BC41CDE43B87}"/>
@@ -12482,7 +12482,7 @@
           </p:cxnSp>
           <p:cxnSp>
             <p:nvCxnSpPr>
-              <p:cNvPr id="168" name="Straight Connector 167">
+              <p:cNvPr id="228" name="Straight Connector 227">
                 <a:extLst>
                   <a:ext uri="{FF2B5EF4-FFF2-40B4-BE49-F238E27FC236}">
                     <a16:creationId xmlns:a16="http://schemas.microsoft.com/office/drawing/2014/main" id="{1DC751A7-EF27-4026-BCA6-9D7887300CF4}"/>
@@ -12531,7 +12531,7 @@
           </p:cxnSp>
           <p:cxnSp>
             <p:nvCxnSpPr>
-              <p:cNvPr id="169" name="Straight Connector 168">
+              <p:cNvPr id="229" name="Straight Connector 228">
                 <a:extLst>
                   <a:ext uri="{FF2B5EF4-FFF2-40B4-BE49-F238E27FC236}">
                     <a16:creationId xmlns:a16="http://schemas.microsoft.com/office/drawing/2014/main" id="{E4622293-4219-4FC4-83B4-6A64E43D7D7D}"/>
@@ -12580,7 +12580,7 @@
           </p:cxnSp>
           <p:cxnSp>
             <p:nvCxnSpPr>
-              <p:cNvPr id="170" name="Straight Connector 169">
+              <p:cNvPr id="230" name="Straight Connector 229">
                 <a:extLst>
                   <a:ext uri="{FF2B5EF4-FFF2-40B4-BE49-F238E27FC236}">
                     <a16:creationId xmlns:a16="http://schemas.microsoft.com/office/drawing/2014/main" id="{66AFCFBD-21FA-4B97-B72E-A875F2D436EA}"/>
@@ -12629,7 +12629,7 @@
           </p:cxnSp>
           <p:cxnSp>
             <p:nvCxnSpPr>
-              <p:cNvPr id="171" name="Straight Connector 170">
+              <p:cNvPr id="231" name="Straight Connector 230">
                 <a:extLst>
                   <a:ext uri="{FF2B5EF4-FFF2-40B4-BE49-F238E27FC236}">
                     <a16:creationId xmlns:a16="http://schemas.microsoft.com/office/drawing/2014/main" id="{3A29B562-3336-444F-BCA3-4FA263035C83}"/>
@@ -12678,7 +12678,7 @@
           </p:cxnSp>
           <p:cxnSp>
             <p:nvCxnSpPr>
-              <p:cNvPr id="172" name="Straight Connector 171">
+              <p:cNvPr id="402" name="Straight Connector 231">
                 <a:extLst>
                   <a:ext uri="{FF2B5EF4-FFF2-40B4-BE49-F238E27FC236}">
                     <a16:creationId xmlns:a16="http://schemas.microsoft.com/office/drawing/2014/main" id="{DEE03CE6-F602-47BA-A249-0BE50595FE16}"/>
@@ -12727,7 +12727,7 @@
           </p:cxnSp>
           <p:cxnSp>
             <p:nvCxnSpPr>
-              <p:cNvPr id="173" name="Straight Connector 172">
+              <p:cNvPr id="233" name="Straight Connector 232">
                 <a:extLst>
                   <a:ext uri="{FF2B5EF4-FFF2-40B4-BE49-F238E27FC236}">
                     <a16:creationId xmlns:a16="http://schemas.microsoft.com/office/drawing/2014/main" id="{B279E39F-D527-4F17-A625-1072E45BB343}"/>
@@ -12776,7 +12776,7 @@
           </p:cxnSp>
           <p:cxnSp>
             <p:nvCxnSpPr>
-              <p:cNvPr id="174" name="Straight Connector 173">
+              <p:cNvPr id="403" name="Straight Connector 233">
                 <a:extLst>
                   <a:ext uri="{FF2B5EF4-FFF2-40B4-BE49-F238E27FC236}">
                     <a16:creationId xmlns:a16="http://schemas.microsoft.com/office/drawing/2014/main" id="{33653306-6E1C-4B94-B7D2-995885C5F0A7}"/>
@@ -12825,7 +12825,7 @@
           </p:cxnSp>
           <p:cxnSp>
             <p:nvCxnSpPr>
-              <p:cNvPr id="175" name="Straight Connector 174">
+              <p:cNvPr id="235" name="Straight Connector 234">
                 <a:extLst>
                   <a:ext uri="{FF2B5EF4-FFF2-40B4-BE49-F238E27FC236}">
                     <a16:creationId xmlns:a16="http://schemas.microsoft.com/office/drawing/2014/main" id="{5C2D7723-89BD-4FD6-82B0-B2068831C24C}"/>
@@ -12874,7 +12874,7 @@
           </p:cxnSp>
           <p:cxnSp>
             <p:nvCxnSpPr>
-              <p:cNvPr id="176" name="Straight Connector 175">
+              <p:cNvPr id="404" name="Straight Connector 235">
                 <a:extLst>
                   <a:ext uri="{FF2B5EF4-FFF2-40B4-BE49-F238E27FC236}">
                     <a16:creationId xmlns:a16="http://schemas.microsoft.com/office/drawing/2014/main" id="{E8909AED-0949-458F-B890-CC380E049091}"/>
@@ -12923,7 +12923,7 @@
           </p:cxnSp>
           <p:cxnSp>
             <p:nvCxnSpPr>
-              <p:cNvPr id="177" name="Straight Connector 176">
+              <p:cNvPr id="237" name="Straight Connector 236">
                 <a:extLst>
                   <a:ext uri="{FF2B5EF4-FFF2-40B4-BE49-F238E27FC236}">
                     <a16:creationId xmlns:a16="http://schemas.microsoft.com/office/drawing/2014/main" id="{8363B557-FC01-4626-BD64-178FB3C8A636}"/>
@@ -12972,7 +12972,7 @@
           </p:cxnSp>
           <p:cxnSp>
             <p:nvCxnSpPr>
-              <p:cNvPr id="178" name="Straight Connector 177">
+              <p:cNvPr id="238" name="Straight Connector 237">
                 <a:extLst>
                   <a:ext uri="{FF2B5EF4-FFF2-40B4-BE49-F238E27FC236}">
                     <a16:creationId xmlns:a16="http://schemas.microsoft.com/office/drawing/2014/main" id="{1B4ACCED-8C7B-4728-86DD-F7FE8DB05062}"/>
@@ -13021,7 +13021,7 @@
           </p:cxnSp>
           <p:cxnSp>
             <p:nvCxnSpPr>
-              <p:cNvPr id="179" name="Straight Connector 178">
+              <p:cNvPr id="239" name="Straight Connector 238">
                 <a:extLst>
                   <a:ext uri="{FF2B5EF4-FFF2-40B4-BE49-F238E27FC236}">
                     <a16:creationId xmlns:a16="http://schemas.microsoft.com/office/drawing/2014/main" id="{76E40279-147F-4CA0-9D97-388FDDB5D490}"/>
@@ -13070,7 +13070,7 @@
           </p:cxnSp>
           <p:cxnSp>
             <p:nvCxnSpPr>
-              <p:cNvPr id="180" name="Straight Connector 179">
+              <p:cNvPr id="240" name="Straight Connector 239">
                 <a:extLst>
                   <a:ext uri="{FF2B5EF4-FFF2-40B4-BE49-F238E27FC236}">
                     <a16:creationId xmlns:a16="http://schemas.microsoft.com/office/drawing/2014/main" id="{61DEC1DE-D1E6-46D3-9A1D-600565AB941F}"/>
@@ -13119,7 +13119,7 @@
           </p:cxnSp>
           <p:cxnSp>
             <p:nvCxnSpPr>
-              <p:cNvPr id="181" name="Straight Connector 180">
+              <p:cNvPr id="241" name="Straight Connector 240">
                 <a:extLst>
                   <a:ext uri="{FF2B5EF4-FFF2-40B4-BE49-F238E27FC236}">
                     <a16:creationId xmlns:a16="http://schemas.microsoft.com/office/drawing/2014/main" id="{E4E7B5DD-1FEB-4A63-9788-E509D242A2ED}"/>
@@ -13168,7 +13168,7 @@
           </p:cxnSp>
           <p:cxnSp>
             <p:nvCxnSpPr>
-              <p:cNvPr id="182" name="Straight Connector 181">
+              <p:cNvPr id="242" name="Straight Connector 241">
                 <a:extLst>
                   <a:ext uri="{FF2B5EF4-FFF2-40B4-BE49-F238E27FC236}">
                     <a16:creationId xmlns:a16="http://schemas.microsoft.com/office/drawing/2014/main" id="{6854A2AC-1E41-46B1-B3EB-6F4C4AFE75DB}"/>
@@ -13217,7 +13217,7 @@
           </p:cxnSp>
           <p:cxnSp>
             <p:nvCxnSpPr>
-              <p:cNvPr id="183" name="Straight Connector 182">
+              <p:cNvPr id="243" name="Straight Connector 242">
                 <a:extLst>
                   <a:ext uri="{FF2B5EF4-FFF2-40B4-BE49-F238E27FC236}">
                     <a16:creationId xmlns:a16="http://schemas.microsoft.com/office/drawing/2014/main" id="{FD1DF4FA-0116-4564-8AAB-565D15D78607}"/>
@@ -13266,7 +13266,7 @@
           </p:cxnSp>
           <p:cxnSp>
             <p:nvCxnSpPr>
-              <p:cNvPr id="184" name="Straight Connector 183">
+              <p:cNvPr id="244" name="Straight Connector 243">
                 <a:extLst>
                   <a:ext uri="{FF2B5EF4-FFF2-40B4-BE49-F238E27FC236}">
                     <a16:creationId xmlns:a16="http://schemas.microsoft.com/office/drawing/2014/main" id="{60800E52-FC45-499C-A9C9-C10E0145C609}"/>
@@ -13315,7 +13315,7 @@
           </p:cxnSp>
           <p:cxnSp>
             <p:nvCxnSpPr>
-              <p:cNvPr id="185" name="Straight Connector 184">
+              <p:cNvPr id="245" name="Straight Connector 244">
                 <a:extLst>
                   <a:ext uri="{FF2B5EF4-FFF2-40B4-BE49-F238E27FC236}">
                     <a16:creationId xmlns:a16="http://schemas.microsoft.com/office/drawing/2014/main" id="{DA3AB7E0-B34B-47BC-B9A4-39C68A1CA4FB}"/>
@@ -13364,7 +13364,7 @@
           </p:cxnSp>
           <p:cxnSp>
             <p:nvCxnSpPr>
-              <p:cNvPr id="186" name="Straight Connector 185">
+              <p:cNvPr id="246" name="Straight Connector 245">
                 <a:extLst>
                   <a:ext uri="{FF2B5EF4-FFF2-40B4-BE49-F238E27FC236}">
                     <a16:creationId xmlns:a16="http://schemas.microsoft.com/office/drawing/2014/main" id="{44305B7F-167D-42BC-8CD9-255F3C55D64F}"/>
@@ -13413,7 +13413,7 @@
           </p:cxnSp>
           <p:cxnSp>
             <p:nvCxnSpPr>
-              <p:cNvPr id="187" name="Straight Connector 186">
+              <p:cNvPr id="247" name="Straight Connector 246">
                 <a:extLst>
                   <a:ext uri="{FF2B5EF4-FFF2-40B4-BE49-F238E27FC236}">
                     <a16:creationId xmlns:a16="http://schemas.microsoft.com/office/drawing/2014/main" id="{E36CC4E3-9816-4520-AC19-2F02A96649AF}"/>
@@ -13462,7 +13462,7 @@
           </p:cxnSp>
           <p:cxnSp>
             <p:nvCxnSpPr>
-              <p:cNvPr id="188" name="Straight Connector 187">
+              <p:cNvPr id="248" name="Straight Connector 247">
                 <a:extLst>
                   <a:ext uri="{FF2B5EF4-FFF2-40B4-BE49-F238E27FC236}">
                     <a16:creationId xmlns:a16="http://schemas.microsoft.com/office/drawing/2014/main" id="{08697606-420F-4136-9F22-16728912A68D}"/>
@@ -13511,7 +13511,7 @@
           </p:cxnSp>
           <p:cxnSp>
             <p:nvCxnSpPr>
-              <p:cNvPr id="189" name="Straight Connector 188">
+              <p:cNvPr id="249" name="Straight Connector 248">
                 <a:extLst>
                   <a:ext uri="{FF2B5EF4-FFF2-40B4-BE49-F238E27FC236}">
                     <a16:creationId xmlns:a16="http://schemas.microsoft.com/office/drawing/2014/main" id="{B49BB4ED-1E1E-48FD-AEF3-E764A35A49E5}"/>
@@ -13560,7 +13560,7 @@
           </p:cxnSp>
           <p:cxnSp>
             <p:nvCxnSpPr>
-              <p:cNvPr id="190" name="Straight Connector 189">
+              <p:cNvPr id="250" name="Straight Connector 249">
                 <a:extLst>
                   <a:ext uri="{FF2B5EF4-FFF2-40B4-BE49-F238E27FC236}">
                     <a16:creationId xmlns:a16="http://schemas.microsoft.com/office/drawing/2014/main" id="{AAF79235-3712-4FFA-B441-C321E0C4025A}"/>
@@ -13609,7 +13609,7 @@
           </p:cxnSp>
           <p:cxnSp>
             <p:nvCxnSpPr>
-              <p:cNvPr id="191" name="Straight Connector 190">
+              <p:cNvPr id="251" name="Straight Connector 250">
                 <a:extLst>
                   <a:ext uri="{FF2B5EF4-FFF2-40B4-BE49-F238E27FC236}">
                     <a16:creationId xmlns:a16="http://schemas.microsoft.com/office/drawing/2014/main" id="{4619CA09-6186-4C23-B12C-4A28815F1D8C}"/>
@@ -13658,7 +13658,7 @@
           </p:cxnSp>
           <p:cxnSp>
             <p:nvCxnSpPr>
-              <p:cNvPr id="282" name="Straight Connector 281">
+              <p:cNvPr id="252" name="Straight Connector 251">
                 <a:extLst>
                   <a:ext uri="{FF2B5EF4-FFF2-40B4-BE49-F238E27FC236}">
                     <a16:creationId xmlns:a16="http://schemas.microsoft.com/office/drawing/2014/main" id="{9F76ABA5-C6B1-4943-8A03-A6130F61152A}"/>
@@ -13707,7 +13707,7 @@
           </p:cxnSp>
           <p:cxnSp>
             <p:nvCxnSpPr>
-              <p:cNvPr id="283" name="Straight Connector 282">
+              <p:cNvPr id="253" name="Straight Connector 252">
                 <a:extLst>
                   <a:ext uri="{FF2B5EF4-FFF2-40B4-BE49-F238E27FC236}">
                     <a16:creationId xmlns:a16="http://schemas.microsoft.com/office/drawing/2014/main" id="{8B9388C8-01EF-4DC7-BBC3-AB782DB24109}"/>
@@ -13756,7 +13756,7 @@
           </p:cxnSp>
           <p:cxnSp>
             <p:nvCxnSpPr>
-              <p:cNvPr id="284" name="Straight Connector 283">
+              <p:cNvPr id="254" name="Straight Connector 253">
                 <a:extLst>
                   <a:ext uri="{FF2B5EF4-FFF2-40B4-BE49-F238E27FC236}">
                     <a16:creationId xmlns:a16="http://schemas.microsoft.com/office/drawing/2014/main" id="{C71FE0EF-57F0-4618-AFD1-9A425215A00A}"/>
@@ -13805,7 +13805,7 @@
           </p:cxnSp>
           <p:cxnSp>
             <p:nvCxnSpPr>
-              <p:cNvPr id="285" name="Straight Connector 284">
+              <p:cNvPr id="255" name="Straight Connector 254">
                 <a:extLst>
                   <a:ext uri="{FF2B5EF4-FFF2-40B4-BE49-F238E27FC236}">
                     <a16:creationId xmlns:a16="http://schemas.microsoft.com/office/drawing/2014/main" id="{95B3456D-7173-44F8-830F-8BE3ED809FAC}"/>
@@ -13854,7 +13854,7 @@
           </p:cxnSp>
           <p:cxnSp>
             <p:nvCxnSpPr>
-              <p:cNvPr id="286" name="Straight Connector 285">
+              <p:cNvPr id="256" name="Straight Connector 255">
                 <a:extLst>
                   <a:ext uri="{FF2B5EF4-FFF2-40B4-BE49-F238E27FC236}">
                     <a16:creationId xmlns:a16="http://schemas.microsoft.com/office/drawing/2014/main" id="{D5C44D67-08F3-4A7F-A897-0C3EBEAB85F3}"/>
@@ -13903,7 +13903,7 @@
           </p:cxnSp>
           <p:cxnSp>
             <p:nvCxnSpPr>
-              <p:cNvPr id="287" name="Straight Connector 286">
+              <p:cNvPr id="257" name="Straight Connector 256">
                 <a:extLst>
                   <a:ext uri="{FF2B5EF4-FFF2-40B4-BE49-F238E27FC236}">
                     <a16:creationId xmlns:a16="http://schemas.microsoft.com/office/drawing/2014/main" id="{CCD613F2-A0C3-40B6-9074-6FED01B56DC1}"/>
@@ -13952,7 +13952,7 @@
           </p:cxnSp>
           <p:cxnSp>
             <p:nvCxnSpPr>
-              <p:cNvPr id="288" name="Straight Connector 287">
+              <p:cNvPr id="258" name="Straight Connector 257">
                 <a:extLst>
                   <a:ext uri="{FF2B5EF4-FFF2-40B4-BE49-F238E27FC236}">
                     <a16:creationId xmlns:a16="http://schemas.microsoft.com/office/drawing/2014/main" id="{ACE66E98-9ABC-42AD-BA48-43A3CFE928FA}"/>
@@ -14001,7 +14001,7 @@
           </p:cxnSp>
           <p:cxnSp>
             <p:nvCxnSpPr>
-              <p:cNvPr id="289" name="Straight Connector 288">
+              <p:cNvPr id="259" name="Straight Connector 258">
                 <a:extLst>
                   <a:ext uri="{FF2B5EF4-FFF2-40B4-BE49-F238E27FC236}">
                     <a16:creationId xmlns:a16="http://schemas.microsoft.com/office/drawing/2014/main" id="{35107221-7334-471A-8F1D-405AFF2E28F6}"/>
@@ -14050,7 +14050,7 @@
           </p:cxnSp>
           <p:cxnSp>
             <p:nvCxnSpPr>
-              <p:cNvPr id="290" name="Straight Connector 289">
+              <p:cNvPr id="260" name="Straight Connector 259">
                 <a:extLst>
                   <a:ext uri="{FF2B5EF4-FFF2-40B4-BE49-F238E27FC236}">
                     <a16:creationId xmlns:a16="http://schemas.microsoft.com/office/drawing/2014/main" id="{6A40E3D3-DFAB-4EB8-8AE4-FC38F40103C5}"/>
@@ -14099,7 +14099,7 @@
           </p:cxnSp>
           <p:cxnSp>
             <p:nvCxnSpPr>
-              <p:cNvPr id="291" name="Straight Connector 290">
+              <p:cNvPr id="261" name="Straight Connector 260">
                 <a:extLst>
                   <a:ext uri="{FF2B5EF4-FFF2-40B4-BE49-F238E27FC236}">
                     <a16:creationId xmlns:a16="http://schemas.microsoft.com/office/drawing/2014/main" id="{EDEBB5EA-B536-41D1-813E-25A272C6DE49}"/>
@@ -14148,7 +14148,7 @@
           </p:cxnSp>
           <p:cxnSp>
             <p:nvCxnSpPr>
-              <p:cNvPr id="292" name="Straight Connector 291">
+              <p:cNvPr id="262" name="Straight Connector 261">
                 <a:extLst>
                   <a:ext uri="{FF2B5EF4-FFF2-40B4-BE49-F238E27FC236}">
                     <a16:creationId xmlns:a16="http://schemas.microsoft.com/office/drawing/2014/main" id="{7593F0C9-D829-46F9-940F-C33E1FA50EC4}"/>
@@ -14197,7 +14197,7 @@
           </p:cxnSp>
           <p:cxnSp>
             <p:nvCxnSpPr>
-              <p:cNvPr id="293" name="Straight Connector 292">
+              <p:cNvPr id="263" name="Straight Connector 262">
                 <a:extLst>
                   <a:ext uri="{FF2B5EF4-FFF2-40B4-BE49-F238E27FC236}">
                     <a16:creationId xmlns:a16="http://schemas.microsoft.com/office/drawing/2014/main" id="{DFA44794-6636-437F-978D-86FB86F4A014}"/>
@@ -14246,7 +14246,7 @@
           </p:cxnSp>
           <p:cxnSp>
             <p:nvCxnSpPr>
-              <p:cNvPr id="294" name="Straight Connector 293">
+              <p:cNvPr id="264" name="Straight Connector 263">
                 <a:extLst>
                   <a:ext uri="{FF2B5EF4-FFF2-40B4-BE49-F238E27FC236}">
                     <a16:creationId xmlns:a16="http://schemas.microsoft.com/office/drawing/2014/main" id="{D5845953-AA2C-4350-BFDE-DD7C098782B3}"/>
@@ -14295,7 +14295,7 @@
           </p:cxnSp>
           <p:cxnSp>
             <p:nvCxnSpPr>
-              <p:cNvPr id="295" name="Straight Connector 294">
+              <p:cNvPr id="265" name="Straight Connector 264">
                 <a:extLst>
                   <a:ext uri="{FF2B5EF4-FFF2-40B4-BE49-F238E27FC236}">
                     <a16:creationId xmlns:a16="http://schemas.microsoft.com/office/drawing/2014/main" id="{4402457A-CD98-4084-A1F4-C424366239B6}"/>
@@ -14344,7 +14344,7 @@
           </p:cxnSp>
           <p:cxnSp>
             <p:nvCxnSpPr>
-              <p:cNvPr id="296" name="Straight Connector 295">
+              <p:cNvPr id="266" name="Straight Connector 265">
                 <a:extLst>
                   <a:ext uri="{FF2B5EF4-FFF2-40B4-BE49-F238E27FC236}">
                     <a16:creationId xmlns:a16="http://schemas.microsoft.com/office/drawing/2014/main" id="{562A8EAD-64FD-4329-A560-AA58A97AC03A}"/>
@@ -14393,7 +14393,7 @@
           </p:cxnSp>
           <p:cxnSp>
             <p:nvCxnSpPr>
-              <p:cNvPr id="297" name="Straight Connector 296">
+              <p:cNvPr id="267" name="Straight Connector 266">
                 <a:extLst>
                   <a:ext uri="{FF2B5EF4-FFF2-40B4-BE49-F238E27FC236}">
                     <a16:creationId xmlns:a16="http://schemas.microsoft.com/office/drawing/2014/main" id="{F92CF784-F98F-4341-8F46-0A64839ACA56}"/>
@@ -14442,7 +14442,7 @@
           </p:cxnSp>
           <p:cxnSp>
             <p:nvCxnSpPr>
-              <p:cNvPr id="298" name="Straight Connector 297">
+              <p:cNvPr id="268" name="Straight Connector 267">
                 <a:extLst>
                   <a:ext uri="{FF2B5EF4-FFF2-40B4-BE49-F238E27FC236}">
                     <a16:creationId xmlns:a16="http://schemas.microsoft.com/office/drawing/2014/main" id="{5E1F1973-04BC-476C-9212-FEBFBF9112BE}"/>
@@ -14491,7 +14491,7 @@
           </p:cxnSp>
           <p:cxnSp>
             <p:nvCxnSpPr>
-              <p:cNvPr id="299" name="Straight Connector 298">
+              <p:cNvPr id="269" name="Straight Connector 268">
                 <a:extLst>
                   <a:ext uri="{FF2B5EF4-FFF2-40B4-BE49-F238E27FC236}">
                     <a16:creationId xmlns:a16="http://schemas.microsoft.com/office/drawing/2014/main" id="{FD7E05BB-0D7F-4D58-9B58-971819E1B3A3}"/>
@@ -14540,7 +14540,7 @@
           </p:cxnSp>
           <p:cxnSp>
             <p:nvCxnSpPr>
-              <p:cNvPr id="300" name="Straight Connector 299">
+              <p:cNvPr id="270" name="Straight Connector 269">
                 <a:extLst>
                   <a:ext uri="{FF2B5EF4-FFF2-40B4-BE49-F238E27FC236}">
                     <a16:creationId xmlns:a16="http://schemas.microsoft.com/office/drawing/2014/main" id="{86407646-575E-46B4-81DF-4BFED735FDA1}"/>
@@ -14589,7 +14589,7 @@
           </p:cxnSp>
           <p:cxnSp>
             <p:nvCxnSpPr>
-              <p:cNvPr id="301" name="Straight Connector 300">
+              <p:cNvPr id="271" name="Straight Connector 270">
                 <a:extLst>
                   <a:ext uri="{FF2B5EF4-FFF2-40B4-BE49-F238E27FC236}">
                     <a16:creationId xmlns:a16="http://schemas.microsoft.com/office/drawing/2014/main" id="{FDB552A3-3810-415D-ADFA-4D2A859DEA7A}"/>
@@ -14638,7 +14638,7 @@
           </p:cxnSp>
           <p:cxnSp>
             <p:nvCxnSpPr>
-              <p:cNvPr id="302" name="Straight Connector 301">
+              <p:cNvPr id="272" name="Straight Connector 271">
                 <a:extLst>
                   <a:ext uri="{FF2B5EF4-FFF2-40B4-BE49-F238E27FC236}">
                     <a16:creationId xmlns:a16="http://schemas.microsoft.com/office/drawing/2014/main" id="{7908D77A-76C6-4A09-B940-D6E322090B3E}"/>
@@ -14687,7 +14687,7 @@
           </p:cxnSp>
           <p:cxnSp>
             <p:nvCxnSpPr>
-              <p:cNvPr id="303" name="Straight Connector 302">
+              <p:cNvPr id="273" name="Straight Connector 272">
                 <a:extLst>
                   <a:ext uri="{FF2B5EF4-FFF2-40B4-BE49-F238E27FC236}">
                     <a16:creationId xmlns:a16="http://schemas.microsoft.com/office/drawing/2014/main" id="{25EF112D-F061-47ED-A1BF-3F0E7AD6E330}"/>
@@ -14736,7 +14736,7 @@
           </p:cxnSp>
           <p:cxnSp>
             <p:nvCxnSpPr>
-              <p:cNvPr id="304" name="Straight Connector 303">
+              <p:cNvPr id="274" name="Straight Connector 273">
                 <a:extLst>
                   <a:ext uri="{FF2B5EF4-FFF2-40B4-BE49-F238E27FC236}">
                     <a16:creationId xmlns:a16="http://schemas.microsoft.com/office/drawing/2014/main" id="{C686D9C7-3FFC-4F6B-B177-08F90BA6AD2B}"/>
@@ -14785,7 +14785,7 @@
           </p:cxnSp>
           <p:cxnSp>
             <p:nvCxnSpPr>
-              <p:cNvPr id="305" name="Straight Connector 304">
+              <p:cNvPr id="275" name="Straight Connector 274">
                 <a:extLst>
                   <a:ext uri="{FF2B5EF4-FFF2-40B4-BE49-F238E27FC236}">
                     <a16:creationId xmlns:a16="http://schemas.microsoft.com/office/drawing/2014/main" id="{BEB45889-B6D6-43BB-A039-F074E6A78A7A}"/>
@@ -14834,7 +14834,7 @@
           </p:cxnSp>
           <p:cxnSp>
             <p:nvCxnSpPr>
-              <p:cNvPr id="306" name="Straight Connector 305">
+              <p:cNvPr id="276" name="Straight Connector 275">
                 <a:extLst>
                   <a:ext uri="{FF2B5EF4-FFF2-40B4-BE49-F238E27FC236}">
                     <a16:creationId xmlns:a16="http://schemas.microsoft.com/office/drawing/2014/main" id="{3D9CF09A-FB38-4E15-8148-184E2E0F79F1}"/>
@@ -14883,7 +14883,7 @@
           </p:cxnSp>
           <p:cxnSp>
             <p:nvCxnSpPr>
-              <p:cNvPr id="307" name="Straight Connector 306">
+              <p:cNvPr id="277" name="Straight Connector 276">
                 <a:extLst>
                   <a:ext uri="{FF2B5EF4-FFF2-40B4-BE49-F238E27FC236}">
                     <a16:creationId xmlns:a16="http://schemas.microsoft.com/office/drawing/2014/main" id="{DAD7A081-32D1-4F45-84C7-A0516B640734}"/>
@@ -14932,7 +14932,7 @@
           </p:cxnSp>
           <p:cxnSp>
             <p:nvCxnSpPr>
-              <p:cNvPr id="308" name="Straight Connector 307">
+              <p:cNvPr id="278" name="Straight Connector 277">
                 <a:extLst>
                   <a:ext uri="{FF2B5EF4-FFF2-40B4-BE49-F238E27FC236}">
                     <a16:creationId xmlns:a16="http://schemas.microsoft.com/office/drawing/2014/main" id="{53745EDB-9331-4653-AA43-9C95D472BF14}"/>
@@ -14981,7 +14981,7 @@
           </p:cxnSp>
           <p:cxnSp>
             <p:nvCxnSpPr>
-              <p:cNvPr id="309" name="Straight Connector 308">
+              <p:cNvPr id="279" name="Straight Connector 278">
                 <a:extLst>
                   <a:ext uri="{FF2B5EF4-FFF2-40B4-BE49-F238E27FC236}">
                     <a16:creationId xmlns:a16="http://schemas.microsoft.com/office/drawing/2014/main" id="{09D90859-0422-48EE-A9DC-8040A7D699C1}"/>
@@ -15030,7 +15030,7 @@
           </p:cxnSp>
           <p:cxnSp>
             <p:nvCxnSpPr>
-              <p:cNvPr id="310" name="Straight Connector 309">
+              <p:cNvPr id="280" name="Straight Connector 279">
                 <a:extLst>
                   <a:ext uri="{FF2B5EF4-FFF2-40B4-BE49-F238E27FC236}">
                     <a16:creationId xmlns:a16="http://schemas.microsoft.com/office/drawing/2014/main" id="{7F199302-1A2E-4171-992F-A19EAB67255B}"/>
@@ -15079,7 +15079,7 @@
           </p:cxnSp>
           <p:cxnSp>
             <p:nvCxnSpPr>
-              <p:cNvPr id="311" name="Straight Connector 310">
+              <p:cNvPr id="281" name="Straight Connector 280">
                 <a:extLst>
                   <a:ext uri="{FF2B5EF4-FFF2-40B4-BE49-F238E27FC236}">
                     <a16:creationId xmlns:a16="http://schemas.microsoft.com/office/drawing/2014/main" id="{147A01A7-AB13-44A3-A2E3-0555C2E370F7}"/>
@@ -15128,7 +15128,7 @@
           </p:cxnSp>
           <p:cxnSp>
             <p:nvCxnSpPr>
-              <p:cNvPr id="312" name="Straight Connector 311">
+              <p:cNvPr id="282" name="Straight Connector 281">
                 <a:extLst>
                   <a:ext uri="{FF2B5EF4-FFF2-40B4-BE49-F238E27FC236}">
                     <a16:creationId xmlns:a16="http://schemas.microsoft.com/office/drawing/2014/main" id="{DBB16F53-4F46-414C-9B9F-555536EF6BD5}"/>
@@ -15177,7 +15177,7 @@
           </p:cxnSp>
           <p:cxnSp>
             <p:nvCxnSpPr>
-              <p:cNvPr id="313" name="Straight Connector 312">
+              <p:cNvPr id="283" name="Straight Connector 282">
                 <a:extLst>
                   <a:ext uri="{FF2B5EF4-FFF2-40B4-BE49-F238E27FC236}">
                     <a16:creationId xmlns:a16="http://schemas.microsoft.com/office/drawing/2014/main" id="{9836B30E-FE35-4D9F-BA31-315E7DE5E21E}"/>
@@ -15226,7 +15226,7 @@
           </p:cxnSp>
           <p:cxnSp>
             <p:nvCxnSpPr>
-              <p:cNvPr id="314" name="Straight Connector 313">
+              <p:cNvPr id="284" name="Straight Connector 283">
                 <a:extLst>
                   <a:ext uri="{FF2B5EF4-FFF2-40B4-BE49-F238E27FC236}">
                     <a16:creationId xmlns:a16="http://schemas.microsoft.com/office/drawing/2014/main" id="{B6577824-1E6B-40C7-9693-7AF7ABEE5F87}"/>
@@ -15275,7 +15275,7 @@
           </p:cxnSp>
           <p:cxnSp>
             <p:nvCxnSpPr>
-              <p:cNvPr id="315" name="Straight Connector 314">
+              <p:cNvPr id="285" name="Straight Connector 284">
                 <a:extLst>
                   <a:ext uri="{FF2B5EF4-FFF2-40B4-BE49-F238E27FC236}">
                     <a16:creationId xmlns:a16="http://schemas.microsoft.com/office/drawing/2014/main" id="{1219B94E-7BAC-4690-A0CF-0A94CF2C7A7E}"/>
@@ -15324,7 +15324,7 @@
           </p:cxnSp>
           <p:cxnSp>
             <p:nvCxnSpPr>
-              <p:cNvPr id="316" name="Straight Connector 315">
+              <p:cNvPr id="286" name="Straight Connector 285">
                 <a:extLst>
                   <a:ext uri="{FF2B5EF4-FFF2-40B4-BE49-F238E27FC236}">
                     <a16:creationId xmlns:a16="http://schemas.microsoft.com/office/drawing/2014/main" id="{153554AD-35C5-4C94-860E-E171E75E27A3}"/>
@@ -15373,7 +15373,7 @@
           </p:cxnSp>
           <p:cxnSp>
             <p:nvCxnSpPr>
-              <p:cNvPr id="317" name="Straight Connector 316">
+              <p:cNvPr id="287" name="Straight Connector 286">
                 <a:extLst>
                   <a:ext uri="{FF2B5EF4-FFF2-40B4-BE49-F238E27FC236}">
                     <a16:creationId xmlns:a16="http://schemas.microsoft.com/office/drawing/2014/main" id="{118939DB-C6D5-482A-A11C-EFF69D1216F0}"/>
@@ -15422,7 +15422,7 @@
           </p:cxnSp>
           <p:cxnSp>
             <p:nvCxnSpPr>
-              <p:cNvPr id="318" name="Straight Connector 317">
+              <p:cNvPr id="288" name="Straight Connector 287">
                 <a:extLst>
                   <a:ext uri="{FF2B5EF4-FFF2-40B4-BE49-F238E27FC236}">
                     <a16:creationId xmlns:a16="http://schemas.microsoft.com/office/drawing/2014/main" id="{96F026C4-6631-464F-9578-DDCEAF409185}"/>
@@ -15471,7 +15471,7 @@
           </p:cxnSp>
           <p:cxnSp>
             <p:nvCxnSpPr>
-              <p:cNvPr id="319" name="Straight Connector 318">
+              <p:cNvPr id="289" name="Straight Connector 288">
                 <a:extLst>
                   <a:ext uri="{FF2B5EF4-FFF2-40B4-BE49-F238E27FC236}">
                     <a16:creationId xmlns:a16="http://schemas.microsoft.com/office/drawing/2014/main" id="{2AF88C5A-F83A-4173-92E5-8C7E5747F975}"/>
@@ -15520,7 +15520,7 @@
           </p:cxnSp>
           <p:cxnSp>
             <p:nvCxnSpPr>
-              <p:cNvPr id="320" name="Straight Connector 319">
+              <p:cNvPr id="290" name="Straight Connector 289">
                 <a:extLst>
                   <a:ext uri="{FF2B5EF4-FFF2-40B4-BE49-F238E27FC236}">
                     <a16:creationId xmlns:a16="http://schemas.microsoft.com/office/drawing/2014/main" id="{4A4A3BCF-1A3B-4A1B-88F6-4FEF3ACC3982}"/>
@@ -15569,7 +15569,7 @@
           </p:cxnSp>
           <p:cxnSp>
             <p:nvCxnSpPr>
-              <p:cNvPr id="321" name="Straight Connector 320">
+              <p:cNvPr id="291" name="Straight Connector 290">
                 <a:extLst>
                   <a:ext uri="{FF2B5EF4-FFF2-40B4-BE49-F238E27FC236}">
                     <a16:creationId xmlns:a16="http://schemas.microsoft.com/office/drawing/2014/main" id="{B8455E5D-06FD-4E43-AADE-A4A47BFBCC95}"/>
@@ -15618,7 +15618,7 @@
           </p:cxnSp>
           <p:cxnSp>
             <p:nvCxnSpPr>
-              <p:cNvPr id="322" name="Straight Connector 321">
+              <p:cNvPr id="292" name="Straight Connector 291">
                 <a:extLst>
                   <a:ext uri="{FF2B5EF4-FFF2-40B4-BE49-F238E27FC236}">
                     <a16:creationId xmlns:a16="http://schemas.microsoft.com/office/drawing/2014/main" id="{317396C4-A888-495B-AA8A-EB6F4E1E5785}"/>
@@ -15667,7 +15667,7 @@
           </p:cxnSp>
           <p:cxnSp>
             <p:nvCxnSpPr>
-              <p:cNvPr id="323" name="Straight Connector 322">
+              <p:cNvPr id="293" name="Straight Connector 292">
                 <a:extLst>
                   <a:ext uri="{FF2B5EF4-FFF2-40B4-BE49-F238E27FC236}">
                     <a16:creationId xmlns:a16="http://schemas.microsoft.com/office/drawing/2014/main" id="{CD236C89-FF9C-48B6-A207-424416196F0D}"/>
@@ -15716,7 +15716,7 @@
           </p:cxnSp>
           <p:cxnSp>
             <p:nvCxnSpPr>
-              <p:cNvPr id="324" name="Straight Connector 323">
+              <p:cNvPr id="294" name="Straight Connector 293">
                 <a:extLst>
                   <a:ext uri="{FF2B5EF4-FFF2-40B4-BE49-F238E27FC236}">
                     <a16:creationId xmlns:a16="http://schemas.microsoft.com/office/drawing/2014/main" id="{AE1F9F13-03A5-452F-9E6C-10E4EBA2466F}"/>
@@ -15765,7 +15765,7 @@
           </p:cxnSp>
           <p:cxnSp>
             <p:nvCxnSpPr>
-              <p:cNvPr id="325" name="Straight Connector 324">
+              <p:cNvPr id="295" name="Straight Connector 294">
                 <a:extLst>
                   <a:ext uri="{FF2B5EF4-FFF2-40B4-BE49-F238E27FC236}">
                     <a16:creationId xmlns:a16="http://schemas.microsoft.com/office/drawing/2014/main" id="{12AF9232-0F66-4106-9574-6F502E212144}"/>
@@ -15816,10 +15816,10 @@
       </p:grpSp>
       <p:pic>
         <p:nvPicPr>
-          <p:cNvPr id="5" name="Picture 4">
+          <p:cNvPr id="6" name="Picture 5" descr="A screenshot of a social media post&#10;&#10;Description generated with very high confidence">
             <a:extLst>
               <a:ext uri="{FF2B5EF4-FFF2-40B4-BE49-F238E27FC236}">
-                <a16:creationId xmlns:a16="http://schemas.microsoft.com/office/drawing/2014/main" id="{AB5B0CE2-4109-4F3E-A039-5E7E9EFE1D94}"/>
+                <a16:creationId xmlns:a16="http://schemas.microsoft.com/office/drawing/2014/main" id="{A8110EA1-B8B9-4DDA-8077-4D645CC0FD11}"/>
               </a:ext>
             </a:extLst>
           </p:cNvPr>
@@ -15830,13 +15830,13 @@
         </p:nvPicPr>
         <p:blipFill rotWithShape="1">
           <a:blip r:embed="rId3"/>
-          <a:srcRect l="16883" r="11274"/>
+          <a:srcRect r="21147" b="-1"/>
           <a:stretch/>
         </p:blipFill>
         <p:spPr>
           <a:xfrm>
-            <a:off x="5743435" y="-88162"/>
-            <a:ext cx="6300118" cy="4613280"/>
+            <a:off x="6080591" y="-2008"/>
+            <a:ext cx="4787317" cy="3415082"/>
           </a:xfrm>
           <a:custGeom>
             <a:avLst/>
@@ -15944,7 +15944,7 @@
       </p:pic>
       <p:grpSp>
         <p:nvGrpSpPr>
-          <p:cNvPr id="327" name="Group 326">
+          <p:cNvPr id="297" name="Group 296">
             <a:extLst>
               <a:ext uri="{FF2B5EF4-FFF2-40B4-BE49-F238E27FC236}">
                 <a16:creationId xmlns:a16="http://schemas.microsoft.com/office/drawing/2014/main" id="{63BF6731-D3EE-4447-B524-14D478D8982E}"/>
@@ -15972,7 +15972,7 @@
         </p:grpSpPr>
         <p:sp>
           <p:nvSpPr>
-            <p:cNvPr id="328" name="Freeform 97">
+            <p:cNvPr id="298" name="Freeform 97">
               <a:extLst>
                 <a:ext uri="{FF2B5EF4-FFF2-40B4-BE49-F238E27FC236}">
                   <a16:creationId xmlns:a16="http://schemas.microsoft.com/office/drawing/2014/main" id="{978737D2-68E1-486F-93B4-E15EB4B946D5}"/>
@@ -16159,7 +16159,7 @@
         </p:sp>
         <p:grpSp>
           <p:nvGrpSpPr>
-            <p:cNvPr id="329" name="Group 328">
+            <p:cNvPr id="299" name="Group 298">
               <a:extLst>
                 <a:ext uri="{FF2B5EF4-FFF2-40B4-BE49-F238E27FC236}">
                   <a16:creationId xmlns:a16="http://schemas.microsoft.com/office/drawing/2014/main" id="{F9C4798E-0C85-4FF8-835D-639CD50EADD9}"/>
@@ -16185,7 +16185,7 @@
           </p:grpSpPr>
           <p:cxnSp>
             <p:nvCxnSpPr>
-              <p:cNvPr id="330" name="Straight Connector 329">
+              <p:cNvPr id="300" name="Straight Connector 299">
                 <a:extLst>
                   <a:ext uri="{FF2B5EF4-FFF2-40B4-BE49-F238E27FC236}">
                     <a16:creationId xmlns:a16="http://schemas.microsoft.com/office/drawing/2014/main" id="{FD51745B-5F09-4A7E-A752-8C31C3782422}"/>
@@ -16234,7 +16234,7 @@
           </p:cxnSp>
           <p:cxnSp>
             <p:nvCxnSpPr>
-              <p:cNvPr id="331" name="Straight Connector 330">
+              <p:cNvPr id="301" name="Straight Connector 300">
                 <a:extLst>
                   <a:ext uri="{FF2B5EF4-FFF2-40B4-BE49-F238E27FC236}">
                     <a16:creationId xmlns:a16="http://schemas.microsoft.com/office/drawing/2014/main" id="{FE0EFBAC-EDD3-4409-B72C-6F4ADF55B384}"/>
@@ -16283,7 +16283,7 @@
           </p:cxnSp>
           <p:cxnSp>
             <p:nvCxnSpPr>
-              <p:cNvPr id="332" name="Straight Connector 331">
+              <p:cNvPr id="302" name="Straight Connector 301">
                 <a:extLst>
                   <a:ext uri="{FF2B5EF4-FFF2-40B4-BE49-F238E27FC236}">
                     <a16:creationId xmlns:a16="http://schemas.microsoft.com/office/drawing/2014/main" id="{0C59FA14-FA12-4459-B0A2-2550E6FC2243}"/>
@@ -16332,7 +16332,7 @@
           </p:cxnSp>
           <p:cxnSp>
             <p:nvCxnSpPr>
-              <p:cNvPr id="333" name="Straight Connector 332">
+              <p:cNvPr id="303" name="Straight Connector 302">
                 <a:extLst>
                   <a:ext uri="{FF2B5EF4-FFF2-40B4-BE49-F238E27FC236}">
                     <a16:creationId xmlns:a16="http://schemas.microsoft.com/office/drawing/2014/main" id="{B3823528-C0A3-496C-848D-846D1443E1C9}"/>
@@ -16381,7 +16381,7 @@
           </p:cxnSp>
           <p:cxnSp>
             <p:nvCxnSpPr>
-              <p:cNvPr id="334" name="Straight Connector 333">
+              <p:cNvPr id="304" name="Straight Connector 303">
                 <a:extLst>
                   <a:ext uri="{FF2B5EF4-FFF2-40B4-BE49-F238E27FC236}">
                     <a16:creationId xmlns:a16="http://schemas.microsoft.com/office/drawing/2014/main" id="{A50BE69E-39EB-4B34-908F-FEFD3024CAD6}"/>
@@ -16430,7 +16430,7 @@
           </p:cxnSp>
           <p:cxnSp>
             <p:nvCxnSpPr>
-              <p:cNvPr id="335" name="Straight Connector 334">
+              <p:cNvPr id="305" name="Straight Connector 304">
                 <a:extLst>
                   <a:ext uri="{FF2B5EF4-FFF2-40B4-BE49-F238E27FC236}">
                     <a16:creationId xmlns:a16="http://schemas.microsoft.com/office/drawing/2014/main" id="{D7BB60E5-7BE9-4C74-AC56-44C63E05EC79}"/>
@@ -16479,7 +16479,7 @@
           </p:cxnSp>
           <p:cxnSp>
             <p:nvCxnSpPr>
-              <p:cNvPr id="336" name="Straight Connector 335">
+              <p:cNvPr id="306" name="Straight Connector 305">
                 <a:extLst>
                   <a:ext uri="{FF2B5EF4-FFF2-40B4-BE49-F238E27FC236}">
                     <a16:creationId xmlns:a16="http://schemas.microsoft.com/office/drawing/2014/main" id="{1726D214-66B5-49D6-A401-D5B1DBADCC5F}"/>
@@ -16528,7 +16528,7 @@
           </p:cxnSp>
           <p:cxnSp>
             <p:nvCxnSpPr>
-              <p:cNvPr id="337" name="Straight Connector 336">
+              <p:cNvPr id="307" name="Straight Connector 306">
                 <a:extLst>
                   <a:ext uri="{FF2B5EF4-FFF2-40B4-BE49-F238E27FC236}">
                     <a16:creationId xmlns:a16="http://schemas.microsoft.com/office/drawing/2014/main" id="{565FB1BD-3A4E-4EEA-9F96-BAF88DB6947A}"/>
@@ -16577,7 +16577,7 @@
           </p:cxnSp>
           <p:cxnSp>
             <p:nvCxnSpPr>
-              <p:cNvPr id="338" name="Straight Connector 337">
+              <p:cNvPr id="308" name="Straight Connector 307">
                 <a:extLst>
                   <a:ext uri="{FF2B5EF4-FFF2-40B4-BE49-F238E27FC236}">
                     <a16:creationId xmlns:a16="http://schemas.microsoft.com/office/drawing/2014/main" id="{3FC9858C-E945-4D5E-9CC2-054D9DAD5124}"/>
@@ -16626,7 +16626,7 @@
           </p:cxnSp>
           <p:cxnSp>
             <p:nvCxnSpPr>
-              <p:cNvPr id="339" name="Straight Connector 338">
+              <p:cNvPr id="309" name="Straight Connector 308">
                 <a:extLst>
                   <a:ext uri="{FF2B5EF4-FFF2-40B4-BE49-F238E27FC236}">
                     <a16:creationId xmlns:a16="http://schemas.microsoft.com/office/drawing/2014/main" id="{13D742E2-20E2-4D7F-A0ED-DC9E737A9102}"/>
@@ -16675,7 +16675,7 @@
           </p:cxnSp>
           <p:cxnSp>
             <p:nvCxnSpPr>
-              <p:cNvPr id="340" name="Straight Connector 339">
+              <p:cNvPr id="310" name="Straight Connector 309">
                 <a:extLst>
                   <a:ext uri="{FF2B5EF4-FFF2-40B4-BE49-F238E27FC236}">
                     <a16:creationId xmlns:a16="http://schemas.microsoft.com/office/drawing/2014/main" id="{0DA2B52A-A232-46DD-ACC8-817E41FC51F6}"/>
@@ -16724,7 +16724,7 @@
           </p:cxnSp>
           <p:cxnSp>
             <p:nvCxnSpPr>
-              <p:cNvPr id="341" name="Straight Connector 340">
+              <p:cNvPr id="311" name="Straight Connector 310">
                 <a:extLst>
                   <a:ext uri="{FF2B5EF4-FFF2-40B4-BE49-F238E27FC236}">
                     <a16:creationId xmlns:a16="http://schemas.microsoft.com/office/drawing/2014/main" id="{556B84F0-6E70-4531-A676-501CE4B54ABB}"/>
@@ -16773,7 +16773,7 @@
           </p:cxnSp>
           <p:cxnSp>
             <p:nvCxnSpPr>
-              <p:cNvPr id="342" name="Straight Connector 341">
+              <p:cNvPr id="312" name="Straight Connector 311">
                 <a:extLst>
                   <a:ext uri="{FF2B5EF4-FFF2-40B4-BE49-F238E27FC236}">
                     <a16:creationId xmlns:a16="http://schemas.microsoft.com/office/drawing/2014/main" id="{77C30D4F-9A9E-4C40-A5C9-33307C3F00C7}"/>
@@ -16822,7 +16822,7 @@
           </p:cxnSp>
           <p:cxnSp>
             <p:nvCxnSpPr>
-              <p:cNvPr id="343" name="Straight Connector 342">
+              <p:cNvPr id="313" name="Straight Connector 312">
                 <a:extLst>
                   <a:ext uri="{FF2B5EF4-FFF2-40B4-BE49-F238E27FC236}">
                     <a16:creationId xmlns:a16="http://schemas.microsoft.com/office/drawing/2014/main" id="{C092E1B4-A1DB-4A82-BB84-5CB0A59A6C4C}"/>
@@ -16871,7 +16871,7 @@
           </p:cxnSp>
           <p:cxnSp>
             <p:nvCxnSpPr>
-              <p:cNvPr id="344" name="Straight Connector 343">
+              <p:cNvPr id="314" name="Straight Connector 313">
                 <a:extLst>
                   <a:ext uri="{FF2B5EF4-FFF2-40B4-BE49-F238E27FC236}">
                     <a16:creationId xmlns:a16="http://schemas.microsoft.com/office/drawing/2014/main" id="{45F64A42-3B4C-44A6-9CAC-A8D8A4407123}"/>
@@ -16920,7 +16920,7 @@
           </p:cxnSp>
           <p:cxnSp>
             <p:nvCxnSpPr>
-              <p:cNvPr id="345" name="Straight Connector 344">
+              <p:cNvPr id="315" name="Straight Connector 314">
                 <a:extLst>
                   <a:ext uri="{FF2B5EF4-FFF2-40B4-BE49-F238E27FC236}">
                     <a16:creationId xmlns:a16="http://schemas.microsoft.com/office/drawing/2014/main" id="{E439732D-08B5-402C-9219-815F22C86DF3}"/>
@@ -16969,7 +16969,7 @@
           </p:cxnSp>
           <p:cxnSp>
             <p:nvCxnSpPr>
-              <p:cNvPr id="346" name="Straight Connector 345">
+              <p:cNvPr id="316" name="Straight Connector 315">
                 <a:extLst>
                   <a:ext uri="{FF2B5EF4-FFF2-40B4-BE49-F238E27FC236}">
                     <a16:creationId xmlns:a16="http://schemas.microsoft.com/office/drawing/2014/main" id="{B2717B78-E768-4614-8F5D-57E5F5C06340}"/>
@@ -17018,7 +17018,7 @@
           </p:cxnSp>
           <p:cxnSp>
             <p:nvCxnSpPr>
-              <p:cNvPr id="347" name="Straight Connector 346">
+              <p:cNvPr id="317" name="Straight Connector 316">
                 <a:extLst>
                   <a:ext uri="{FF2B5EF4-FFF2-40B4-BE49-F238E27FC236}">
                     <a16:creationId xmlns:a16="http://schemas.microsoft.com/office/drawing/2014/main" id="{876D2460-A6D7-43F4-BC7A-BF512B40B911}"/>
@@ -17067,7 +17067,7 @@
           </p:cxnSp>
           <p:cxnSp>
             <p:nvCxnSpPr>
-              <p:cNvPr id="348" name="Straight Connector 347">
+              <p:cNvPr id="318" name="Straight Connector 317">
                 <a:extLst>
                   <a:ext uri="{FF2B5EF4-FFF2-40B4-BE49-F238E27FC236}">
                     <a16:creationId xmlns:a16="http://schemas.microsoft.com/office/drawing/2014/main" id="{B5AD749B-303C-47F9-A380-5E84BA459071}"/>
@@ -17116,7 +17116,7 @@
           </p:cxnSp>
           <p:cxnSp>
             <p:nvCxnSpPr>
-              <p:cNvPr id="349" name="Straight Connector 348">
+              <p:cNvPr id="319" name="Straight Connector 318">
                 <a:extLst>
                   <a:ext uri="{FF2B5EF4-FFF2-40B4-BE49-F238E27FC236}">
                     <a16:creationId xmlns:a16="http://schemas.microsoft.com/office/drawing/2014/main" id="{F71C1D93-D136-446C-A51F-3821EC550E2E}"/>
@@ -17165,7 +17165,7 @@
           </p:cxnSp>
           <p:cxnSp>
             <p:nvCxnSpPr>
-              <p:cNvPr id="350" name="Straight Connector 349">
+              <p:cNvPr id="407" name="Straight Connector 406">
                 <a:extLst>
                   <a:ext uri="{FF2B5EF4-FFF2-40B4-BE49-F238E27FC236}">
                     <a16:creationId xmlns:a16="http://schemas.microsoft.com/office/drawing/2014/main" id="{8B22878D-E8D2-427E-9B9F-063748FD2CDC}"/>
@@ -17214,7 +17214,7 @@
           </p:cxnSp>
           <p:cxnSp>
             <p:nvCxnSpPr>
-              <p:cNvPr id="351" name="Straight Connector 350">
+              <p:cNvPr id="408" name="Straight Connector 407">
                 <a:extLst>
                   <a:ext uri="{FF2B5EF4-FFF2-40B4-BE49-F238E27FC236}">
                     <a16:creationId xmlns:a16="http://schemas.microsoft.com/office/drawing/2014/main" id="{7496F47D-ABE8-4992-9193-C00D77B881A0}"/>
@@ -17263,7 +17263,7 @@
           </p:cxnSp>
           <p:cxnSp>
             <p:nvCxnSpPr>
-              <p:cNvPr id="352" name="Straight Connector 351">
+              <p:cNvPr id="409" name="Straight Connector 408">
                 <a:extLst>
                   <a:ext uri="{FF2B5EF4-FFF2-40B4-BE49-F238E27FC236}">
                     <a16:creationId xmlns:a16="http://schemas.microsoft.com/office/drawing/2014/main" id="{6550F108-EEA4-4A2A-889E-9312F018757E}"/>
@@ -17312,7 +17312,7 @@
           </p:cxnSp>
           <p:cxnSp>
             <p:nvCxnSpPr>
-              <p:cNvPr id="353" name="Straight Connector 352">
+              <p:cNvPr id="410" name="Straight Connector 409">
                 <a:extLst>
                   <a:ext uri="{FF2B5EF4-FFF2-40B4-BE49-F238E27FC236}">
                     <a16:creationId xmlns:a16="http://schemas.microsoft.com/office/drawing/2014/main" id="{E1A1E3DE-A140-4756-A80B-2B1271810EB7}"/>
@@ -17361,7 +17361,7 @@
           </p:cxnSp>
           <p:cxnSp>
             <p:nvCxnSpPr>
-              <p:cNvPr id="354" name="Straight Connector 353">
+              <p:cNvPr id="411" name="Straight Connector 410">
                 <a:extLst>
                   <a:ext uri="{FF2B5EF4-FFF2-40B4-BE49-F238E27FC236}">
                     <a16:creationId xmlns:a16="http://schemas.microsoft.com/office/drawing/2014/main" id="{8DAA20B0-1B0A-470A-9764-2FFC03D921D8}"/>
@@ -17410,7 +17410,7 @@
           </p:cxnSp>
           <p:cxnSp>
             <p:nvCxnSpPr>
-              <p:cNvPr id="355" name="Straight Connector 354">
+              <p:cNvPr id="405" name="Straight Connector 411">
                 <a:extLst>
                   <a:ext uri="{FF2B5EF4-FFF2-40B4-BE49-F238E27FC236}">
                     <a16:creationId xmlns:a16="http://schemas.microsoft.com/office/drawing/2014/main" id="{BE63D91C-7611-4E4A-8C07-19F80CAA69EA}"/>
@@ -17459,7 +17459,7 @@
           </p:cxnSp>
           <p:cxnSp>
             <p:nvCxnSpPr>
-              <p:cNvPr id="356" name="Straight Connector 355">
+              <p:cNvPr id="413" name="Straight Connector 412">
                 <a:extLst>
                   <a:ext uri="{FF2B5EF4-FFF2-40B4-BE49-F238E27FC236}">
                     <a16:creationId xmlns:a16="http://schemas.microsoft.com/office/drawing/2014/main" id="{3EFF9419-0702-443F-80EC-BAEA4E279765}"/>
@@ -17508,7 +17508,7 @@
           </p:cxnSp>
           <p:cxnSp>
             <p:nvCxnSpPr>
-              <p:cNvPr id="357" name="Straight Connector 356">
+              <p:cNvPr id="406" name="Straight Connector 413">
                 <a:extLst>
                   <a:ext uri="{FF2B5EF4-FFF2-40B4-BE49-F238E27FC236}">
                     <a16:creationId xmlns:a16="http://schemas.microsoft.com/office/drawing/2014/main" id="{DED45F36-D215-4ADD-897D-EEDF08551F3F}"/>
@@ -17557,7 +17557,7 @@
           </p:cxnSp>
           <p:cxnSp>
             <p:nvCxnSpPr>
-              <p:cNvPr id="358" name="Straight Connector 357">
+              <p:cNvPr id="415" name="Straight Connector 414">
                 <a:extLst>
                   <a:ext uri="{FF2B5EF4-FFF2-40B4-BE49-F238E27FC236}">
                     <a16:creationId xmlns:a16="http://schemas.microsoft.com/office/drawing/2014/main" id="{0E818B7D-4E88-4EC6-8436-7E21C1625B87}"/>
@@ -17606,7 +17606,7 @@
           </p:cxnSp>
           <p:cxnSp>
             <p:nvCxnSpPr>
-              <p:cNvPr id="359" name="Straight Connector 358">
+              <p:cNvPr id="416" name="Straight Connector 415">
                 <a:extLst>
                   <a:ext uri="{FF2B5EF4-FFF2-40B4-BE49-F238E27FC236}">
                     <a16:creationId xmlns:a16="http://schemas.microsoft.com/office/drawing/2014/main" id="{F0EEABEF-4872-4518-A140-3F39B79CB930}"/>
@@ -17655,7 +17655,7 @@
           </p:cxnSp>
           <p:cxnSp>
             <p:nvCxnSpPr>
-              <p:cNvPr id="360" name="Straight Connector 359">
+              <p:cNvPr id="417" name="Straight Connector 416">
                 <a:extLst>
                   <a:ext uri="{FF2B5EF4-FFF2-40B4-BE49-F238E27FC236}">
                     <a16:creationId xmlns:a16="http://schemas.microsoft.com/office/drawing/2014/main" id="{B1943FDD-FD8E-421F-9C96-7C227DC1C02C}"/>
@@ -17704,7 +17704,7 @@
           </p:cxnSp>
           <p:cxnSp>
             <p:nvCxnSpPr>
-              <p:cNvPr id="361" name="Straight Connector 360">
+              <p:cNvPr id="418" name="Straight Connector 417">
                 <a:extLst>
                   <a:ext uri="{FF2B5EF4-FFF2-40B4-BE49-F238E27FC236}">
                     <a16:creationId xmlns:a16="http://schemas.microsoft.com/office/drawing/2014/main" id="{D48D8945-5713-4CC4-9719-D371E77506EB}"/>
@@ -17753,7 +17753,7 @@
           </p:cxnSp>
           <p:cxnSp>
             <p:nvCxnSpPr>
-              <p:cNvPr id="362" name="Straight Connector 361">
+              <p:cNvPr id="419" name="Straight Connector 418">
                 <a:extLst>
                   <a:ext uri="{FF2B5EF4-FFF2-40B4-BE49-F238E27FC236}">
                     <a16:creationId xmlns:a16="http://schemas.microsoft.com/office/drawing/2014/main" id="{12E7CC52-32EA-42CF-BDC3-5401E5AF58B6}"/>
@@ -17802,7 +17802,7 @@
           </p:cxnSp>
           <p:cxnSp>
             <p:nvCxnSpPr>
-              <p:cNvPr id="363" name="Straight Connector 362">
+              <p:cNvPr id="420" name="Straight Connector 419">
                 <a:extLst>
                   <a:ext uri="{FF2B5EF4-FFF2-40B4-BE49-F238E27FC236}">
                     <a16:creationId xmlns:a16="http://schemas.microsoft.com/office/drawing/2014/main" id="{FC7D2B4D-3A83-4DDB-BE7D-E69A346214B8}"/>
@@ -17851,7 +17851,7 @@
           </p:cxnSp>
           <p:cxnSp>
             <p:nvCxnSpPr>
-              <p:cNvPr id="364" name="Straight Connector 363">
+              <p:cNvPr id="421" name="Straight Connector 420">
                 <a:extLst>
                   <a:ext uri="{FF2B5EF4-FFF2-40B4-BE49-F238E27FC236}">
                     <a16:creationId xmlns:a16="http://schemas.microsoft.com/office/drawing/2014/main" id="{9D9A6C5F-CC88-4B30-92F6-383840ECA4E9}"/>
@@ -17900,7 +17900,7 @@
           </p:cxnSp>
           <p:cxnSp>
             <p:nvCxnSpPr>
-              <p:cNvPr id="365" name="Straight Connector 364">
+              <p:cNvPr id="422" name="Straight Connector 421">
                 <a:extLst>
                   <a:ext uri="{FF2B5EF4-FFF2-40B4-BE49-F238E27FC236}">
                     <a16:creationId xmlns:a16="http://schemas.microsoft.com/office/drawing/2014/main" id="{CE616653-283A-4851-8F80-3AE35A21AEED}"/>
@@ -17949,7 +17949,7 @@
           </p:cxnSp>
           <p:cxnSp>
             <p:nvCxnSpPr>
-              <p:cNvPr id="366" name="Straight Connector 365">
+              <p:cNvPr id="423" name="Straight Connector 422">
                 <a:extLst>
                   <a:ext uri="{FF2B5EF4-FFF2-40B4-BE49-F238E27FC236}">
                     <a16:creationId xmlns:a16="http://schemas.microsoft.com/office/drawing/2014/main" id="{F2AC0EA3-3CF0-433A-97BC-04FC181D8553}"/>
@@ -17998,7 +17998,7 @@
           </p:cxnSp>
           <p:cxnSp>
             <p:nvCxnSpPr>
-              <p:cNvPr id="367" name="Straight Connector 366">
+              <p:cNvPr id="424" name="Straight Connector 423">
                 <a:extLst>
                   <a:ext uri="{FF2B5EF4-FFF2-40B4-BE49-F238E27FC236}">
                     <a16:creationId xmlns:a16="http://schemas.microsoft.com/office/drawing/2014/main" id="{81580B4A-4281-4F05-8476-2DB5F74FE189}"/>
@@ -18047,7 +18047,7 @@
           </p:cxnSp>
           <p:cxnSp>
             <p:nvCxnSpPr>
-              <p:cNvPr id="368" name="Straight Connector 367">
+              <p:cNvPr id="425" name="Straight Connector 424">
                 <a:extLst>
                   <a:ext uri="{FF2B5EF4-FFF2-40B4-BE49-F238E27FC236}">
                     <a16:creationId xmlns:a16="http://schemas.microsoft.com/office/drawing/2014/main" id="{E8F2F5CD-02C7-4414-B6EC-BDA9AF0EA840}"/>
@@ -18096,7 +18096,7 @@
           </p:cxnSp>
           <p:cxnSp>
             <p:nvCxnSpPr>
-              <p:cNvPr id="369" name="Straight Connector 368">
+              <p:cNvPr id="426" name="Straight Connector 425">
                 <a:extLst>
                   <a:ext uri="{FF2B5EF4-FFF2-40B4-BE49-F238E27FC236}">
                     <a16:creationId xmlns:a16="http://schemas.microsoft.com/office/drawing/2014/main" id="{C64A2EEA-84C1-400A-BBE4-4D9E9A3AF7C9}"/>
@@ -18145,7 +18145,7 @@
           </p:cxnSp>
           <p:cxnSp>
             <p:nvCxnSpPr>
-              <p:cNvPr id="370" name="Straight Connector 369">
+              <p:cNvPr id="427" name="Straight Connector 426">
                 <a:extLst>
                   <a:ext uri="{FF2B5EF4-FFF2-40B4-BE49-F238E27FC236}">
                     <a16:creationId xmlns:a16="http://schemas.microsoft.com/office/drawing/2014/main" id="{757CA7F0-2547-4E24-BC88-EA2F1393C9E8}"/>
@@ -18194,7 +18194,7 @@
           </p:cxnSp>
           <p:cxnSp>
             <p:nvCxnSpPr>
-              <p:cNvPr id="371" name="Straight Connector 370">
+              <p:cNvPr id="428" name="Straight Connector 427">
                 <a:extLst>
                   <a:ext uri="{FF2B5EF4-FFF2-40B4-BE49-F238E27FC236}">
                     <a16:creationId xmlns:a16="http://schemas.microsoft.com/office/drawing/2014/main" id="{7AABC3DF-4B39-4564-A6B2-CBC770BBA029}"/>
@@ -18243,7 +18243,7 @@
           </p:cxnSp>
           <p:cxnSp>
             <p:nvCxnSpPr>
-              <p:cNvPr id="372" name="Straight Connector 371">
+              <p:cNvPr id="429" name="Straight Connector 428">
                 <a:extLst>
                   <a:ext uri="{FF2B5EF4-FFF2-40B4-BE49-F238E27FC236}">
                     <a16:creationId xmlns:a16="http://schemas.microsoft.com/office/drawing/2014/main" id="{95B74B04-92BD-40D3-98D4-1926823135EF}"/>
@@ -18292,7 +18292,7 @@
           </p:cxnSp>
           <p:cxnSp>
             <p:nvCxnSpPr>
-              <p:cNvPr id="373" name="Straight Connector 372">
+              <p:cNvPr id="430" name="Straight Connector 429">
                 <a:extLst>
                   <a:ext uri="{FF2B5EF4-FFF2-40B4-BE49-F238E27FC236}">
                     <a16:creationId xmlns:a16="http://schemas.microsoft.com/office/drawing/2014/main" id="{848BEF08-56A2-4273-8A75-091B19A286F2}"/>
@@ -18341,7 +18341,7 @@
           </p:cxnSp>
           <p:cxnSp>
             <p:nvCxnSpPr>
-              <p:cNvPr id="374" name="Straight Connector 373">
+              <p:cNvPr id="431" name="Straight Connector 430">
                 <a:extLst>
                   <a:ext uri="{FF2B5EF4-FFF2-40B4-BE49-F238E27FC236}">
                     <a16:creationId xmlns:a16="http://schemas.microsoft.com/office/drawing/2014/main" id="{A57BD7CB-B11A-4E29-9670-D4CA83A24BE5}"/>
@@ -18390,7 +18390,7 @@
           </p:cxnSp>
           <p:cxnSp>
             <p:nvCxnSpPr>
-              <p:cNvPr id="375" name="Straight Connector 374">
+              <p:cNvPr id="432" name="Straight Connector 431">
                 <a:extLst>
                   <a:ext uri="{FF2B5EF4-FFF2-40B4-BE49-F238E27FC236}">
                     <a16:creationId xmlns:a16="http://schemas.microsoft.com/office/drawing/2014/main" id="{32D743F8-F0C0-45AE-B6BE-7F6DB9B63DD0}"/>
@@ -18439,7 +18439,7 @@
           </p:cxnSp>
           <p:cxnSp>
             <p:nvCxnSpPr>
-              <p:cNvPr id="376" name="Straight Connector 375">
+              <p:cNvPr id="433" name="Straight Connector 432">
                 <a:extLst>
                   <a:ext uri="{FF2B5EF4-FFF2-40B4-BE49-F238E27FC236}">
                     <a16:creationId xmlns:a16="http://schemas.microsoft.com/office/drawing/2014/main" id="{5FFB84DD-3D3F-4AD3-9F88-0D0235FBA1A8}"/>
@@ -18488,7 +18488,7 @@
           </p:cxnSp>
           <p:cxnSp>
             <p:nvCxnSpPr>
-              <p:cNvPr id="377" name="Straight Connector 376">
+              <p:cNvPr id="434" name="Straight Connector 433">
                 <a:extLst>
                   <a:ext uri="{FF2B5EF4-FFF2-40B4-BE49-F238E27FC236}">
                     <a16:creationId xmlns:a16="http://schemas.microsoft.com/office/drawing/2014/main" id="{80CE70B7-DFFC-45A3-8C10-BE111F897D9B}"/>
@@ -18537,7 +18537,7 @@
           </p:cxnSp>
           <p:cxnSp>
             <p:nvCxnSpPr>
-              <p:cNvPr id="378" name="Straight Connector 377">
+              <p:cNvPr id="435" name="Straight Connector 434">
                 <a:extLst>
                   <a:ext uri="{FF2B5EF4-FFF2-40B4-BE49-F238E27FC236}">
                     <a16:creationId xmlns:a16="http://schemas.microsoft.com/office/drawing/2014/main" id="{5F98FCB8-22EF-4E6F-9708-958CEBC7FEA1}"/>
@@ -18586,7 +18586,7 @@
           </p:cxnSp>
           <p:cxnSp>
             <p:nvCxnSpPr>
-              <p:cNvPr id="379" name="Straight Connector 378">
+              <p:cNvPr id="436" name="Straight Connector 435">
                 <a:extLst>
                   <a:ext uri="{FF2B5EF4-FFF2-40B4-BE49-F238E27FC236}">
                     <a16:creationId xmlns:a16="http://schemas.microsoft.com/office/drawing/2014/main" id="{6B4444DC-8342-47F7-9220-A9D623B61A66}"/>
@@ -18635,7 +18635,7 @@
           </p:cxnSp>
           <p:cxnSp>
             <p:nvCxnSpPr>
-              <p:cNvPr id="380" name="Straight Connector 379">
+              <p:cNvPr id="437" name="Straight Connector 436">
                 <a:extLst>
                   <a:ext uri="{FF2B5EF4-FFF2-40B4-BE49-F238E27FC236}">
                     <a16:creationId xmlns:a16="http://schemas.microsoft.com/office/drawing/2014/main" id="{A468242C-6E66-4F35-B517-5414987CD60D}"/>
@@ -18684,7 +18684,7 @@
           </p:cxnSp>
           <p:cxnSp>
             <p:nvCxnSpPr>
-              <p:cNvPr id="381" name="Straight Connector 380">
+              <p:cNvPr id="438" name="Straight Connector 437">
                 <a:extLst>
                   <a:ext uri="{FF2B5EF4-FFF2-40B4-BE49-F238E27FC236}">
                     <a16:creationId xmlns:a16="http://schemas.microsoft.com/office/drawing/2014/main" id="{355EEAA8-F1F7-44C0-9F4D-354670016A46}"/>
@@ -18733,7 +18733,7 @@
           </p:cxnSp>
           <p:cxnSp>
             <p:nvCxnSpPr>
-              <p:cNvPr id="382" name="Straight Connector 381">
+              <p:cNvPr id="439" name="Straight Connector 438">
                 <a:extLst>
                   <a:ext uri="{FF2B5EF4-FFF2-40B4-BE49-F238E27FC236}">
                     <a16:creationId xmlns:a16="http://schemas.microsoft.com/office/drawing/2014/main" id="{ACFB739D-CA42-4AB9-B061-483A9F67DE60}"/>
@@ -18782,7 +18782,7 @@
           </p:cxnSp>
           <p:cxnSp>
             <p:nvCxnSpPr>
-              <p:cNvPr id="383" name="Straight Connector 382">
+              <p:cNvPr id="440" name="Straight Connector 439">
                 <a:extLst>
                   <a:ext uri="{FF2B5EF4-FFF2-40B4-BE49-F238E27FC236}">
                     <a16:creationId xmlns:a16="http://schemas.microsoft.com/office/drawing/2014/main" id="{31C8FB8F-2792-4C71-8751-144860FFDE2D}"/>
@@ -18831,7 +18831,7 @@
           </p:cxnSp>
           <p:cxnSp>
             <p:nvCxnSpPr>
-              <p:cNvPr id="384" name="Straight Connector 383">
+              <p:cNvPr id="441" name="Straight Connector 440">
                 <a:extLst>
                   <a:ext uri="{FF2B5EF4-FFF2-40B4-BE49-F238E27FC236}">
                     <a16:creationId xmlns:a16="http://schemas.microsoft.com/office/drawing/2014/main" id="{4021B77B-B198-4070-8515-8DAD02D02224}"/>
@@ -18880,7 +18880,7 @@
           </p:cxnSp>
           <p:cxnSp>
             <p:nvCxnSpPr>
-              <p:cNvPr id="385" name="Straight Connector 384">
+              <p:cNvPr id="442" name="Straight Connector 441">
                 <a:extLst>
                   <a:ext uri="{FF2B5EF4-FFF2-40B4-BE49-F238E27FC236}">
                     <a16:creationId xmlns:a16="http://schemas.microsoft.com/office/drawing/2014/main" id="{430E8381-DBCE-4E54-86ED-267D6749FE2B}"/>
@@ -18929,7 +18929,7 @@
           </p:cxnSp>
           <p:cxnSp>
             <p:nvCxnSpPr>
-              <p:cNvPr id="386" name="Straight Connector 385">
+              <p:cNvPr id="443" name="Straight Connector 442">
                 <a:extLst>
                   <a:ext uri="{FF2B5EF4-FFF2-40B4-BE49-F238E27FC236}">
                     <a16:creationId xmlns:a16="http://schemas.microsoft.com/office/drawing/2014/main" id="{042F98D9-5B3B-4557-AE16-68E8D4BD8B4C}"/>
@@ -18978,7 +18978,7 @@
           </p:cxnSp>
           <p:cxnSp>
             <p:nvCxnSpPr>
-              <p:cNvPr id="387" name="Straight Connector 386">
+              <p:cNvPr id="444" name="Straight Connector 443">
                 <a:extLst>
                   <a:ext uri="{FF2B5EF4-FFF2-40B4-BE49-F238E27FC236}">
                     <a16:creationId xmlns:a16="http://schemas.microsoft.com/office/drawing/2014/main" id="{3F6F64A5-7D73-4A7C-AFC4-AE6A4EE1BF00}"/>
@@ -19027,7 +19027,7 @@
           </p:cxnSp>
           <p:cxnSp>
             <p:nvCxnSpPr>
-              <p:cNvPr id="388" name="Straight Connector 387">
+              <p:cNvPr id="445" name="Straight Connector 444">
                 <a:extLst>
                   <a:ext uri="{FF2B5EF4-FFF2-40B4-BE49-F238E27FC236}">
                     <a16:creationId xmlns:a16="http://schemas.microsoft.com/office/drawing/2014/main" id="{D8051E1A-2222-41E5-8111-C04CD2359222}"/>
@@ -19076,7 +19076,7 @@
           </p:cxnSp>
           <p:cxnSp>
             <p:nvCxnSpPr>
-              <p:cNvPr id="389" name="Straight Connector 388">
+              <p:cNvPr id="446" name="Straight Connector 445">
                 <a:extLst>
                   <a:ext uri="{FF2B5EF4-FFF2-40B4-BE49-F238E27FC236}">
                     <a16:creationId xmlns:a16="http://schemas.microsoft.com/office/drawing/2014/main" id="{291FA5C6-DA6B-40D7-AA0C-C7B01B7E1B4F}"/>
@@ -19125,7 +19125,7 @@
           </p:cxnSp>
           <p:cxnSp>
             <p:nvCxnSpPr>
-              <p:cNvPr id="390" name="Straight Connector 389">
+              <p:cNvPr id="447" name="Straight Connector 446">
                 <a:extLst>
                   <a:ext uri="{FF2B5EF4-FFF2-40B4-BE49-F238E27FC236}">
                     <a16:creationId xmlns:a16="http://schemas.microsoft.com/office/drawing/2014/main" id="{7BAB1DEA-CB27-433D-8872-CEF5637F6CF5}"/>
@@ -19174,7 +19174,7 @@
           </p:cxnSp>
           <p:cxnSp>
             <p:nvCxnSpPr>
-              <p:cNvPr id="391" name="Straight Connector 390">
+              <p:cNvPr id="448" name="Straight Connector 447">
                 <a:extLst>
                   <a:ext uri="{FF2B5EF4-FFF2-40B4-BE49-F238E27FC236}">
                     <a16:creationId xmlns:a16="http://schemas.microsoft.com/office/drawing/2014/main" id="{8CD95FBF-3382-4B10-A6B2-8E5D31A5EEA3}"/>
@@ -19223,7 +19223,7 @@
           </p:cxnSp>
           <p:cxnSp>
             <p:nvCxnSpPr>
-              <p:cNvPr id="392" name="Straight Connector 391">
+              <p:cNvPr id="449" name="Straight Connector 448">
                 <a:extLst>
                   <a:ext uri="{FF2B5EF4-FFF2-40B4-BE49-F238E27FC236}">
                     <a16:creationId xmlns:a16="http://schemas.microsoft.com/office/drawing/2014/main" id="{50BDB990-D7F8-41DD-A261-7489BEE9B19E}"/>
@@ -19272,7 +19272,7 @@
           </p:cxnSp>
           <p:cxnSp>
             <p:nvCxnSpPr>
-              <p:cNvPr id="393" name="Straight Connector 392">
+              <p:cNvPr id="450" name="Straight Connector 449">
                 <a:extLst>
                   <a:ext uri="{FF2B5EF4-FFF2-40B4-BE49-F238E27FC236}">
                     <a16:creationId xmlns:a16="http://schemas.microsoft.com/office/drawing/2014/main" id="{DF235570-7D39-4E19-A6F9-D5CDECA5718B}"/>
@@ -19321,7 +19321,7 @@
           </p:cxnSp>
           <p:cxnSp>
             <p:nvCxnSpPr>
-              <p:cNvPr id="394" name="Straight Connector 393">
+              <p:cNvPr id="451" name="Straight Connector 450">
                 <a:extLst>
                   <a:ext uri="{FF2B5EF4-FFF2-40B4-BE49-F238E27FC236}">
                     <a16:creationId xmlns:a16="http://schemas.microsoft.com/office/drawing/2014/main" id="{D89967CE-37C2-4865-9D4E-37DE4406B456}"/>
@@ -19370,7 +19370,7 @@
           </p:cxnSp>
           <p:cxnSp>
             <p:nvCxnSpPr>
-              <p:cNvPr id="395" name="Straight Connector 394">
+              <p:cNvPr id="452" name="Straight Connector 451">
                 <a:extLst>
                   <a:ext uri="{FF2B5EF4-FFF2-40B4-BE49-F238E27FC236}">
                     <a16:creationId xmlns:a16="http://schemas.microsoft.com/office/drawing/2014/main" id="{572A1B42-6B46-46B6-94F7-66C2DEA7DF11}"/>
@@ -19419,7 +19419,7 @@
           </p:cxnSp>
           <p:cxnSp>
             <p:nvCxnSpPr>
-              <p:cNvPr id="396" name="Straight Connector 395">
+              <p:cNvPr id="453" name="Straight Connector 452">
                 <a:extLst>
                   <a:ext uri="{FF2B5EF4-FFF2-40B4-BE49-F238E27FC236}">
                     <a16:creationId xmlns:a16="http://schemas.microsoft.com/office/drawing/2014/main" id="{BD984823-2502-4E9C-9F90-42B061E21685}"/>
@@ -19468,7 +19468,7 @@
           </p:cxnSp>
           <p:cxnSp>
             <p:nvCxnSpPr>
-              <p:cNvPr id="397" name="Straight Connector 396">
+              <p:cNvPr id="454" name="Straight Connector 453">
                 <a:extLst>
                   <a:ext uri="{FF2B5EF4-FFF2-40B4-BE49-F238E27FC236}">
                     <a16:creationId xmlns:a16="http://schemas.microsoft.com/office/drawing/2014/main" id="{34905DB4-ADE9-41A8-B09A-C52755D91F69}"/>
@@ -19517,7 +19517,7 @@
           </p:cxnSp>
           <p:cxnSp>
             <p:nvCxnSpPr>
-              <p:cNvPr id="398" name="Straight Connector 397">
+              <p:cNvPr id="455" name="Straight Connector 454">
                 <a:extLst>
                   <a:ext uri="{FF2B5EF4-FFF2-40B4-BE49-F238E27FC236}">
                     <a16:creationId xmlns:a16="http://schemas.microsoft.com/office/drawing/2014/main" id="{102E6002-013E-46A9-A180-B0ADF223072C}"/>
@@ -19566,7 +19566,7 @@
           </p:cxnSp>
           <p:cxnSp>
             <p:nvCxnSpPr>
-              <p:cNvPr id="399" name="Straight Connector 398">
+              <p:cNvPr id="456" name="Straight Connector 455">
                 <a:extLst>
                   <a:ext uri="{FF2B5EF4-FFF2-40B4-BE49-F238E27FC236}">
                     <a16:creationId xmlns:a16="http://schemas.microsoft.com/office/drawing/2014/main" id="{1C09EADE-70AC-4B06-A660-6558C722B498}"/>
@@ -19615,7 +19615,7 @@
           </p:cxnSp>
           <p:cxnSp>
             <p:nvCxnSpPr>
-              <p:cNvPr id="400" name="Straight Connector 399">
+              <p:cNvPr id="457" name="Straight Connector 456">
                 <a:extLst>
                   <a:ext uri="{FF2B5EF4-FFF2-40B4-BE49-F238E27FC236}">
                     <a16:creationId xmlns:a16="http://schemas.microsoft.com/office/drawing/2014/main" id="{242198F8-B1DB-49DE-A158-34BC85055E31}"/>
@@ -19664,7 +19664,7 @@
           </p:cxnSp>
           <p:cxnSp>
             <p:nvCxnSpPr>
-              <p:cNvPr id="401" name="Straight Connector 400">
+              <p:cNvPr id="458" name="Straight Connector 457">
                 <a:extLst>
                   <a:ext uri="{FF2B5EF4-FFF2-40B4-BE49-F238E27FC236}">
                     <a16:creationId xmlns:a16="http://schemas.microsoft.com/office/drawing/2014/main" id="{641A8DBD-F35E-4F7B-BFA7-8F0690C02CFB}"/>
@@ -19713,7 +19713,7 @@
           </p:cxnSp>
           <p:cxnSp>
             <p:nvCxnSpPr>
-              <p:cNvPr id="402" name="Straight Connector 401">
+              <p:cNvPr id="459" name="Straight Connector 458">
                 <a:extLst>
                   <a:ext uri="{FF2B5EF4-FFF2-40B4-BE49-F238E27FC236}">
                     <a16:creationId xmlns:a16="http://schemas.microsoft.com/office/drawing/2014/main" id="{80B62722-59F6-4E8F-B4DC-B1D2D2C69B2B}"/>
@@ -19762,7 +19762,7 @@
           </p:cxnSp>
           <p:cxnSp>
             <p:nvCxnSpPr>
-              <p:cNvPr id="403" name="Straight Connector 402">
+              <p:cNvPr id="460" name="Straight Connector 459">
                 <a:extLst>
                   <a:ext uri="{FF2B5EF4-FFF2-40B4-BE49-F238E27FC236}">
                     <a16:creationId xmlns:a16="http://schemas.microsoft.com/office/drawing/2014/main" id="{2030C117-24E8-4FBD-8F4B-48596F3FF475}"/>
@@ -19811,7 +19811,7 @@
           </p:cxnSp>
           <p:cxnSp>
             <p:nvCxnSpPr>
-              <p:cNvPr id="404" name="Straight Connector 403">
+              <p:cNvPr id="461" name="Straight Connector 460">
                 <a:extLst>
                   <a:ext uri="{FF2B5EF4-FFF2-40B4-BE49-F238E27FC236}">
                     <a16:creationId xmlns:a16="http://schemas.microsoft.com/office/drawing/2014/main" id="{0C4B1D74-0CE3-407B-A015-C3F2209D489D}"/>
@@ -19860,7 +19860,7 @@
           </p:cxnSp>
           <p:cxnSp>
             <p:nvCxnSpPr>
-              <p:cNvPr id="405" name="Straight Connector 404">
+              <p:cNvPr id="462" name="Straight Connector 461">
                 <a:extLst>
                   <a:ext uri="{FF2B5EF4-FFF2-40B4-BE49-F238E27FC236}">
                     <a16:creationId xmlns:a16="http://schemas.microsoft.com/office/drawing/2014/main" id="{568415A9-9F3E-4D51-B2DA-A09F2F9855CA}"/>
@@ -19909,7 +19909,7 @@
           </p:cxnSp>
           <p:cxnSp>
             <p:nvCxnSpPr>
-              <p:cNvPr id="406" name="Straight Connector 405">
+              <p:cNvPr id="463" name="Straight Connector 462">
                 <a:extLst>
                   <a:ext uri="{FF2B5EF4-FFF2-40B4-BE49-F238E27FC236}">
                     <a16:creationId xmlns:a16="http://schemas.microsoft.com/office/drawing/2014/main" id="{06480C98-A0EF-442D-9013-75031D399634}"/>
@@ -19958,7 +19958,7 @@
           </p:cxnSp>
           <p:cxnSp>
             <p:nvCxnSpPr>
-              <p:cNvPr id="407" name="Straight Connector 406">
+              <p:cNvPr id="464" name="Straight Connector 463">
                 <a:extLst>
                   <a:ext uri="{FF2B5EF4-FFF2-40B4-BE49-F238E27FC236}">
                     <a16:creationId xmlns:a16="http://schemas.microsoft.com/office/drawing/2014/main" id="{0858ABE9-7494-489C-9EEA-93BF3E4B9CA8}"/>
@@ -20023,13 +20023,13 @@
         </p:nvPicPr>
         <p:blipFill rotWithShape="1">
           <a:blip r:embed="rId4"/>
-          <a:srcRect r="65973"/>
+          <a:srcRect r="49959" b="-1"/>
           <a:stretch/>
         </p:blipFill>
         <p:spPr>
           <a:xfrm>
-            <a:off x="1359423" y="498517"/>
-            <a:ext cx="3606057" cy="4632291"/>
+            <a:off x="-2334" y="10"/>
+            <a:ext cx="5441859" cy="5654930"/>
           </a:xfrm>
           <a:custGeom>
             <a:avLst/>
@@ -20184,6 +20184,9 @@
               </a:rPr>
               <a:t>It’s time you ? Equality </a:t>
             </a:r>
+            <a:endParaRPr lang="en-GB" b="1">
+              <a:latin typeface="Arial Narrow" panose="020B0606020202030204" pitchFamily="34" charset="0"/>
+            </a:endParaRPr>
           </a:p>
         </p:txBody>
       </p:sp>
@@ -20318,7 +20321,7 @@
         </p:spPr>
         <p:txBody>
           <a:bodyPr>
-            <a:normAutofit fontScale="92500"/>
+            <a:normAutofit fontScale="92500" lnSpcReduction="10000"/>
           </a:bodyPr>
           <a:lstStyle/>
           <a:p>
@@ -20348,7 +20351,7 @@
             </a:pPr>
             <a:r>
               <a:rPr lang="en-GB" dirty="0"/>
-              <a:t>The project is divided into two main components:</a:t>
+              <a:t>The project is divided into two main components, which are intertwined and they work together:</a:t>
             </a:r>
           </a:p>
           <a:p>
@@ -20603,7 +20606,18 @@
                   <a:schemeClr val="tx1"/>
                 </a:solidFill>
               </a:rPr>
-              <a:t>Raise Awareness</a:t>
+              <a:t>Raise awareness</a:t>
+            </a:r>
+          </a:p>
+          <a:p>
+            <a:pPr algn="ctr"/>
+            <a:r>
+              <a:rPr lang="en-GB" b="1" dirty="0">
+                <a:solidFill>
+                  <a:schemeClr val="tx1"/>
+                </a:solidFill>
+              </a:rPr>
+              <a:t>about gender equality</a:t>
             </a:r>
           </a:p>
         </p:txBody>
@@ -20652,7 +20666,7 @@
             <a:pPr algn="ctr"/>
             <a:r>
               <a:rPr lang="en-GB" b="1" dirty="0"/>
-              <a:t>Bigger Percentage of people participating</a:t>
+              <a:t>Bigger percentage of people participating</a:t>
             </a:r>
           </a:p>
         </p:txBody>
@@ -21107,7 +21121,7 @@
             <p:ph idx="1"/>
             <p:extLst>
               <p:ext uri="{D42A27DB-BD31-4B8C-83A1-F6EECF244321}">
-                <p14:modId xmlns:p14="http://schemas.microsoft.com/office/powerpoint/2010/main" val="2459651018"/>
+                <p14:modId xmlns:p14="http://schemas.microsoft.com/office/powerpoint/2010/main" val="284580736"/>
               </p:ext>
             </p:extLst>
           </p:nvPr>
@@ -21559,7 +21573,7 @@
             <p:ph idx="1"/>
             <p:extLst>
               <p:ext uri="{D42A27DB-BD31-4B8C-83A1-F6EECF244321}">
-                <p14:modId xmlns:p14="http://schemas.microsoft.com/office/powerpoint/2010/main" val="3998881514"/>
+                <p14:modId xmlns:p14="http://schemas.microsoft.com/office/powerpoint/2010/main" val="2054763107"/>
               </p:ext>
             </p:extLst>
           </p:nvPr>
@@ -21762,8 +21776,8 @@
         </p:nvSpPr>
         <p:spPr>
           <a:xfrm>
-            <a:off x="1150342" y="1784646"/>
-            <a:ext cx="5516880" cy="4247317"/>
+            <a:off x="905413" y="1798053"/>
+            <a:ext cx="5516880" cy="4801314"/>
           </a:xfrm>
           <a:prstGeom prst="rect">
             <a:avLst/>
@@ -21782,7 +21796,19 @@
             </a:pPr>
             <a:r>
               <a:rPr lang="en-GB" dirty="0"/>
-              <a:t>People’s unawareness</a:t>
+              <a:t>People’s unawareness in </a:t>
+            </a:r>
+          </a:p>
+          <a:p>
+            <a:r>
+              <a:rPr lang="en-GB" dirty="0"/>
+              <a:t>general about the issues in </a:t>
+            </a:r>
+          </a:p>
+          <a:p>
+            <a:r>
+              <a:rPr lang="en-GB" dirty="0"/>
+              <a:t>society. </a:t>
             </a:r>
           </a:p>
           <a:p>
@@ -21981,6 +22007,45 @@
           </a:prstGeom>
         </p:spPr>
       </p:pic>
+      <p:sp>
+        <p:nvSpPr>
+          <p:cNvPr id="4" name="TextBox 3">
+            <a:extLst>
+              <a:ext uri="{FF2B5EF4-FFF2-40B4-BE49-F238E27FC236}">
+                <a16:creationId xmlns:a16="http://schemas.microsoft.com/office/drawing/2014/main" id="{9D516B13-BAF7-47AC-AB06-A289CAD2695F}"/>
+              </a:ext>
+            </a:extLst>
+          </p:cNvPr>
+          <p:cNvSpPr txBox="1"/>
+          <p:nvPr/>
+        </p:nvSpPr>
+        <p:spPr>
+          <a:xfrm>
+            <a:off x="7560733" y="1625601"/>
+            <a:ext cx="3615267" cy="646331"/>
+          </a:xfrm>
+          <a:prstGeom prst="rect">
+            <a:avLst/>
+          </a:prstGeom>
+          <a:noFill/>
+        </p:spPr>
+        <p:txBody>
+          <a:bodyPr wrap="square" rtlCol="0">
+            <a:spAutoFit/>
+          </a:bodyPr>
+          <a:lstStyle/>
+          <a:p>
+            <a:pPr marL="285750" indent="-285750">
+              <a:buFont typeface="Wingdings" panose="05000000000000000000" pitchFamily="2" charset="2"/>
+              <a:buChar char="v"/>
+            </a:pPr>
+            <a:r>
+              <a:rPr lang="en-GB" dirty="0"/>
+              <a:t>In the future we aim at making mobile friendly design </a:t>
+            </a:r>
+          </a:p>
+        </p:txBody>
+      </p:sp>
     </p:spTree>
     <p:extLst>
       <p:ext uri="{BB962C8B-B14F-4D97-AF65-F5344CB8AC3E}">
@@ -22024,7 +22089,7 @@
       </p:grpSpPr>
       <p:sp>
         <p:nvSpPr>
-          <p:cNvPr id="97" name="Rectangle 96">
+          <p:cNvPr id="266" name="Rectangle 265">
             <a:extLst>
               <a:ext uri="{FF2B5EF4-FFF2-40B4-BE49-F238E27FC236}">
                 <a16:creationId xmlns:a16="http://schemas.microsoft.com/office/drawing/2014/main" id="{CDE6373C-25B2-42FF-8704-49F0A179CC41}"/>
@@ -22085,7 +22150,7 @@
       </p:sp>
       <p:grpSp>
         <p:nvGrpSpPr>
-          <p:cNvPr id="99" name="Group 98">
+          <p:cNvPr id="268" name="Group 267">
             <a:extLst>
               <a:ext uri="{FF2B5EF4-FFF2-40B4-BE49-F238E27FC236}">
                 <a16:creationId xmlns:a16="http://schemas.microsoft.com/office/drawing/2014/main" id="{653F32F4-4B4C-47E1-8F7F-790BD85BBCE8}"/>
@@ -22113,7 +22178,7 @@
         </p:grpSpPr>
         <p:sp>
           <p:nvSpPr>
-            <p:cNvPr id="100" name="Freeform 13">
+            <p:cNvPr id="269" name="Freeform 13">
               <a:extLst>
                 <a:ext uri="{FF2B5EF4-FFF2-40B4-BE49-F238E27FC236}">
                   <a16:creationId xmlns:a16="http://schemas.microsoft.com/office/drawing/2014/main" id="{125A1015-CF37-4E19-91D2-3AD6A8563D2B}"/>
@@ -22300,7 +22365,7 @@
         </p:sp>
         <p:grpSp>
           <p:nvGrpSpPr>
-            <p:cNvPr id="101" name="Group 100">
+            <p:cNvPr id="270" name="Group 269">
               <a:extLst>
                 <a:ext uri="{FF2B5EF4-FFF2-40B4-BE49-F238E27FC236}">
                   <a16:creationId xmlns:a16="http://schemas.microsoft.com/office/drawing/2014/main" id="{960D824D-2820-4448-9773-CDD279A32A8A}"/>
@@ -22326,7 +22391,7 @@
           </p:grpSpPr>
           <p:cxnSp>
             <p:nvCxnSpPr>
-              <p:cNvPr id="102" name="Straight Connector 101">
+              <p:cNvPr id="271" name="Straight Connector 270">
                 <a:extLst>
                   <a:ext uri="{FF2B5EF4-FFF2-40B4-BE49-F238E27FC236}">
                     <a16:creationId xmlns:a16="http://schemas.microsoft.com/office/drawing/2014/main" id="{750582C3-FB10-4D22-B7D7-66867BC12F36}"/>
@@ -22375,7 +22440,7 @@
           </p:cxnSp>
           <p:cxnSp>
             <p:nvCxnSpPr>
-              <p:cNvPr id="103" name="Straight Connector 102">
+              <p:cNvPr id="272" name="Straight Connector 271">
                 <a:extLst>
                   <a:ext uri="{FF2B5EF4-FFF2-40B4-BE49-F238E27FC236}">
                     <a16:creationId xmlns:a16="http://schemas.microsoft.com/office/drawing/2014/main" id="{A551864A-11F1-469C-B424-1F3A624C4A7B}"/>
@@ -22424,7 +22489,7 @@
           </p:cxnSp>
           <p:cxnSp>
             <p:nvCxnSpPr>
-              <p:cNvPr id="104" name="Straight Connector 103">
+              <p:cNvPr id="273" name="Straight Connector 272">
                 <a:extLst>
                   <a:ext uri="{FF2B5EF4-FFF2-40B4-BE49-F238E27FC236}">
                     <a16:creationId xmlns:a16="http://schemas.microsoft.com/office/drawing/2014/main" id="{8D13DDAE-9F24-4A16-B364-04293D4B2B46}"/>
@@ -22473,7 +22538,7 @@
           </p:cxnSp>
           <p:cxnSp>
             <p:nvCxnSpPr>
-              <p:cNvPr id="105" name="Straight Connector 104">
+              <p:cNvPr id="274" name="Straight Connector 273">
                 <a:extLst>
                   <a:ext uri="{FF2B5EF4-FFF2-40B4-BE49-F238E27FC236}">
                     <a16:creationId xmlns:a16="http://schemas.microsoft.com/office/drawing/2014/main" id="{415E573E-3D8D-43CE-943A-B72181886D5A}"/>
@@ -22522,7 +22587,7 @@
           </p:cxnSp>
           <p:cxnSp>
             <p:nvCxnSpPr>
-              <p:cNvPr id="106" name="Straight Connector 105">
+              <p:cNvPr id="275" name="Straight Connector 274">
                 <a:extLst>
                   <a:ext uri="{FF2B5EF4-FFF2-40B4-BE49-F238E27FC236}">
                     <a16:creationId xmlns:a16="http://schemas.microsoft.com/office/drawing/2014/main" id="{ED7A7299-2E06-4E78-A6BC-9D6DBCCBCAC5}"/>
@@ -22571,7 +22636,7 @@
           </p:cxnSp>
           <p:cxnSp>
             <p:nvCxnSpPr>
-              <p:cNvPr id="107" name="Straight Connector 106">
+              <p:cNvPr id="276" name="Straight Connector 275">
                 <a:extLst>
                   <a:ext uri="{FF2B5EF4-FFF2-40B4-BE49-F238E27FC236}">
                     <a16:creationId xmlns:a16="http://schemas.microsoft.com/office/drawing/2014/main" id="{AC10D1F1-B02A-45CB-9249-0A34A0FA1884}"/>
@@ -22620,7 +22685,7 @@
           </p:cxnSp>
           <p:cxnSp>
             <p:nvCxnSpPr>
-              <p:cNvPr id="108" name="Straight Connector 107">
+              <p:cNvPr id="277" name="Straight Connector 276">
                 <a:extLst>
                   <a:ext uri="{FF2B5EF4-FFF2-40B4-BE49-F238E27FC236}">
                     <a16:creationId xmlns:a16="http://schemas.microsoft.com/office/drawing/2014/main" id="{97B445E6-FC9E-4BBE-9684-9D27A3B00992}"/>
@@ -22669,7 +22734,7 @@
           </p:cxnSp>
           <p:cxnSp>
             <p:nvCxnSpPr>
-              <p:cNvPr id="109" name="Straight Connector 108">
+              <p:cNvPr id="278" name="Straight Connector 277">
                 <a:extLst>
                   <a:ext uri="{FF2B5EF4-FFF2-40B4-BE49-F238E27FC236}">
                     <a16:creationId xmlns:a16="http://schemas.microsoft.com/office/drawing/2014/main" id="{D7B94B0B-1E86-445C-94E3-9C477953D24F}"/>
@@ -22718,7 +22783,7 @@
           </p:cxnSp>
           <p:cxnSp>
             <p:nvCxnSpPr>
-              <p:cNvPr id="110" name="Straight Connector 109">
+              <p:cNvPr id="279" name="Straight Connector 278">
                 <a:extLst>
                   <a:ext uri="{FF2B5EF4-FFF2-40B4-BE49-F238E27FC236}">
                     <a16:creationId xmlns:a16="http://schemas.microsoft.com/office/drawing/2014/main" id="{847B8F27-EFDA-4971-9967-175C56A35BAA}"/>
@@ -22767,7 +22832,7 @@
           </p:cxnSp>
           <p:cxnSp>
             <p:nvCxnSpPr>
-              <p:cNvPr id="111" name="Straight Connector 110">
+              <p:cNvPr id="280" name="Straight Connector 279">
                 <a:extLst>
                   <a:ext uri="{FF2B5EF4-FFF2-40B4-BE49-F238E27FC236}">
                     <a16:creationId xmlns:a16="http://schemas.microsoft.com/office/drawing/2014/main" id="{F4707D83-8210-46C9-9207-BC41CDE43B87}"/>
@@ -22816,7 +22881,7 @@
           </p:cxnSp>
           <p:cxnSp>
             <p:nvCxnSpPr>
-              <p:cNvPr id="112" name="Straight Connector 111">
+              <p:cNvPr id="281" name="Straight Connector 280">
                 <a:extLst>
                   <a:ext uri="{FF2B5EF4-FFF2-40B4-BE49-F238E27FC236}">
                     <a16:creationId xmlns:a16="http://schemas.microsoft.com/office/drawing/2014/main" id="{1DC751A7-EF27-4026-BCA6-9D7887300CF4}"/>
@@ -22865,7 +22930,7 @@
           </p:cxnSp>
           <p:cxnSp>
             <p:nvCxnSpPr>
-              <p:cNvPr id="113" name="Straight Connector 112">
+              <p:cNvPr id="282" name="Straight Connector 281">
                 <a:extLst>
                   <a:ext uri="{FF2B5EF4-FFF2-40B4-BE49-F238E27FC236}">
                     <a16:creationId xmlns:a16="http://schemas.microsoft.com/office/drawing/2014/main" id="{E4622293-4219-4FC4-83B4-6A64E43D7D7D}"/>
@@ -22914,7 +22979,7 @@
           </p:cxnSp>
           <p:cxnSp>
             <p:nvCxnSpPr>
-              <p:cNvPr id="114" name="Straight Connector 113">
+              <p:cNvPr id="283" name="Straight Connector 282">
                 <a:extLst>
                   <a:ext uri="{FF2B5EF4-FFF2-40B4-BE49-F238E27FC236}">
                     <a16:creationId xmlns:a16="http://schemas.microsoft.com/office/drawing/2014/main" id="{66AFCFBD-21FA-4B97-B72E-A875F2D436EA}"/>
@@ -22963,7 +23028,7 @@
           </p:cxnSp>
           <p:cxnSp>
             <p:nvCxnSpPr>
-              <p:cNvPr id="115" name="Straight Connector 114">
+              <p:cNvPr id="284" name="Straight Connector 283">
                 <a:extLst>
                   <a:ext uri="{FF2B5EF4-FFF2-40B4-BE49-F238E27FC236}">
                     <a16:creationId xmlns:a16="http://schemas.microsoft.com/office/drawing/2014/main" id="{3A29B562-3336-444F-BCA3-4FA263035C83}"/>
@@ -23012,7 +23077,7 @@
           </p:cxnSp>
           <p:cxnSp>
             <p:nvCxnSpPr>
-              <p:cNvPr id="116" name="Straight Connector 115">
+              <p:cNvPr id="285" name="Straight Connector 284">
                 <a:extLst>
                   <a:ext uri="{FF2B5EF4-FFF2-40B4-BE49-F238E27FC236}">
                     <a16:creationId xmlns:a16="http://schemas.microsoft.com/office/drawing/2014/main" id="{DEE03CE6-F602-47BA-A249-0BE50595FE16}"/>
@@ -23061,7 +23126,7 @@
           </p:cxnSp>
           <p:cxnSp>
             <p:nvCxnSpPr>
-              <p:cNvPr id="117" name="Straight Connector 116">
+              <p:cNvPr id="286" name="Straight Connector 285">
                 <a:extLst>
                   <a:ext uri="{FF2B5EF4-FFF2-40B4-BE49-F238E27FC236}">
                     <a16:creationId xmlns:a16="http://schemas.microsoft.com/office/drawing/2014/main" id="{B279E39F-D527-4F17-A625-1072E45BB343}"/>
@@ -23110,7 +23175,7 @@
           </p:cxnSp>
           <p:cxnSp>
             <p:nvCxnSpPr>
-              <p:cNvPr id="118" name="Straight Connector 117">
+              <p:cNvPr id="287" name="Straight Connector 286">
                 <a:extLst>
                   <a:ext uri="{FF2B5EF4-FFF2-40B4-BE49-F238E27FC236}">
                     <a16:creationId xmlns:a16="http://schemas.microsoft.com/office/drawing/2014/main" id="{33653306-6E1C-4B94-B7D2-995885C5F0A7}"/>
@@ -23159,7 +23224,7 @@
           </p:cxnSp>
           <p:cxnSp>
             <p:nvCxnSpPr>
-              <p:cNvPr id="119" name="Straight Connector 118">
+              <p:cNvPr id="288" name="Straight Connector 287">
                 <a:extLst>
                   <a:ext uri="{FF2B5EF4-FFF2-40B4-BE49-F238E27FC236}">
                     <a16:creationId xmlns:a16="http://schemas.microsoft.com/office/drawing/2014/main" id="{5C2D7723-89BD-4FD6-82B0-B2068831C24C}"/>
@@ -23208,7 +23273,7 @@
           </p:cxnSp>
           <p:cxnSp>
             <p:nvCxnSpPr>
-              <p:cNvPr id="120" name="Straight Connector 119">
+              <p:cNvPr id="289" name="Straight Connector 288">
                 <a:extLst>
                   <a:ext uri="{FF2B5EF4-FFF2-40B4-BE49-F238E27FC236}">
                     <a16:creationId xmlns:a16="http://schemas.microsoft.com/office/drawing/2014/main" id="{E8909AED-0949-458F-B890-CC380E049091}"/>
@@ -23257,7 +23322,7 @@
           </p:cxnSp>
           <p:cxnSp>
             <p:nvCxnSpPr>
-              <p:cNvPr id="121" name="Straight Connector 120">
+              <p:cNvPr id="290" name="Straight Connector 289">
                 <a:extLst>
                   <a:ext uri="{FF2B5EF4-FFF2-40B4-BE49-F238E27FC236}">
                     <a16:creationId xmlns:a16="http://schemas.microsoft.com/office/drawing/2014/main" id="{8363B557-FC01-4626-BD64-178FB3C8A636}"/>
@@ -23306,7 +23371,7 @@
           </p:cxnSp>
           <p:cxnSp>
             <p:nvCxnSpPr>
-              <p:cNvPr id="122" name="Straight Connector 121">
+              <p:cNvPr id="291" name="Straight Connector 290">
                 <a:extLst>
                   <a:ext uri="{FF2B5EF4-FFF2-40B4-BE49-F238E27FC236}">
                     <a16:creationId xmlns:a16="http://schemas.microsoft.com/office/drawing/2014/main" id="{1B4ACCED-8C7B-4728-86DD-F7FE8DB05062}"/>
@@ -23355,7 +23420,7 @@
           </p:cxnSp>
           <p:cxnSp>
             <p:nvCxnSpPr>
-              <p:cNvPr id="123" name="Straight Connector 122">
+              <p:cNvPr id="292" name="Straight Connector 291">
                 <a:extLst>
                   <a:ext uri="{FF2B5EF4-FFF2-40B4-BE49-F238E27FC236}">
                     <a16:creationId xmlns:a16="http://schemas.microsoft.com/office/drawing/2014/main" id="{76E40279-147F-4CA0-9D97-388FDDB5D490}"/>
@@ -23404,7 +23469,7 @@
           </p:cxnSp>
           <p:cxnSp>
             <p:nvCxnSpPr>
-              <p:cNvPr id="124" name="Straight Connector 123">
+              <p:cNvPr id="293" name="Straight Connector 292">
                 <a:extLst>
                   <a:ext uri="{FF2B5EF4-FFF2-40B4-BE49-F238E27FC236}">
                     <a16:creationId xmlns:a16="http://schemas.microsoft.com/office/drawing/2014/main" id="{61DEC1DE-D1E6-46D3-9A1D-600565AB941F}"/>
@@ -23453,7 +23518,7 @@
           </p:cxnSp>
           <p:cxnSp>
             <p:nvCxnSpPr>
-              <p:cNvPr id="125" name="Straight Connector 124">
+              <p:cNvPr id="294" name="Straight Connector 293">
                 <a:extLst>
                   <a:ext uri="{FF2B5EF4-FFF2-40B4-BE49-F238E27FC236}">
                     <a16:creationId xmlns:a16="http://schemas.microsoft.com/office/drawing/2014/main" id="{E4E7B5DD-1FEB-4A63-9788-E509D242A2ED}"/>
@@ -23502,7 +23567,7 @@
           </p:cxnSp>
           <p:cxnSp>
             <p:nvCxnSpPr>
-              <p:cNvPr id="126" name="Straight Connector 125">
+              <p:cNvPr id="295" name="Straight Connector 294">
                 <a:extLst>
                   <a:ext uri="{FF2B5EF4-FFF2-40B4-BE49-F238E27FC236}">
                     <a16:creationId xmlns:a16="http://schemas.microsoft.com/office/drawing/2014/main" id="{6854A2AC-1E41-46B1-B3EB-6F4C4AFE75DB}"/>
@@ -23551,7 +23616,7 @@
           </p:cxnSp>
           <p:cxnSp>
             <p:nvCxnSpPr>
-              <p:cNvPr id="127" name="Straight Connector 126">
+              <p:cNvPr id="296" name="Straight Connector 295">
                 <a:extLst>
                   <a:ext uri="{FF2B5EF4-FFF2-40B4-BE49-F238E27FC236}">
                     <a16:creationId xmlns:a16="http://schemas.microsoft.com/office/drawing/2014/main" id="{FD1DF4FA-0116-4564-8AAB-565D15D78607}"/>
@@ -23600,7 +23665,7 @@
           </p:cxnSp>
           <p:cxnSp>
             <p:nvCxnSpPr>
-              <p:cNvPr id="128" name="Straight Connector 127">
+              <p:cNvPr id="297" name="Straight Connector 296">
                 <a:extLst>
                   <a:ext uri="{FF2B5EF4-FFF2-40B4-BE49-F238E27FC236}">
                     <a16:creationId xmlns:a16="http://schemas.microsoft.com/office/drawing/2014/main" id="{60800E52-FC45-499C-A9C9-C10E0145C609}"/>
@@ -23649,7 +23714,7 @@
           </p:cxnSp>
           <p:cxnSp>
             <p:nvCxnSpPr>
-              <p:cNvPr id="129" name="Straight Connector 128">
+              <p:cNvPr id="298" name="Straight Connector 297">
                 <a:extLst>
                   <a:ext uri="{FF2B5EF4-FFF2-40B4-BE49-F238E27FC236}">
                     <a16:creationId xmlns:a16="http://schemas.microsoft.com/office/drawing/2014/main" id="{DA3AB7E0-B34B-47BC-B9A4-39C68A1CA4FB}"/>
@@ -23698,7 +23763,7 @@
           </p:cxnSp>
           <p:cxnSp>
             <p:nvCxnSpPr>
-              <p:cNvPr id="130" name="Straight Connector 129">
+              <p:cNvPr id="299" name="Straight Connector 298">
                 <a:extLst>
                   <a:ext uri="{FF2B5EF4-FFF2-40B4-BE49-F238E27FC236}">
                     <a16:creationId xmlns:a16="http://schemas.microsoft.com/office/drawing/2014/main" id="{44305B7F-167D-42BC-8CD9-255F3C55D64F}"/>
@@ -23747,7 +23812,7 @@
           </p:cxnSp>
           <p:cxnSp>
             <p:nvCxnSpPr>
-              <p:cNvPr id="131" name="Straight Connector 130">
+              <p:cNvPr id="300" name="Straight Connector 299">
                 <a:extLst>
                   <a:ext uri="{FF2B5EF4-FFF2-40B4-BE49-F238E27FC236}">
                     <a16:creationId xmlns:a16="http://schemas.microsoft.com/office/drawing/2014/main" id="{E36CC4E3-9816-4520-AC19-2F02A96649AF}"/>
@@ -23796,7 +23861,7 @@
           </p:cxnSp>
           <p:cxnSp>
             <p:nvCxnSpPr>
-              <p:cNvPr id="132" name="Straight Connector 131">
+              <p:cNvPr id="301" name="Straight Connector 300">
                 <a:extLst>
                   <a:ext uri="{FF2B5EF4-FFF2-40B4-BE49-F238E27FC236}">
                     <a16:creationId xmlns:a16="http://schemas.microsoft.com/office/drawing/2014/main" id="{08697606-420F-4136-9F22-16728912A68D}"/>
@@ -23845,7 +23910,7 @@
           </p:cxnSp>
           <p:cxnSp>
             <p:nvCxnSpPr>
-              <p:cNvPr id="133" name="Straight Connector 132">
+              <p:cNvPr id="302" name="Straight Connector 301">
                 <a:extLst>
                   <a:ext uri="{FF2B5EF4-FFF2-40B4-BE49-F238E27FC236}">
                     <a16:creationId xmlns:a16="http://schemas.microsoft.com/office/drawing/2014/main" id="{B49BB4ED-1E1E-48FD-AEF3-E764A35A49E5}"/>
@@ -23894,7 +23959,7 @@
           </p:cxnSp>
           <p:cxnSp>
             <p:nvCxnSpPr>
-              <p:cNvPr id="134" name="Straight Connector 133">
+              <p:cNvPr id="303" name="Straight Connector 302">
                 <a:extLst>
                   <a:ext uri="{FF2B5EF4-FFF2-40B4-BE49-F238E27FC236}">
                     <a16:creationId xmlns:a16="http://schemas.microsoft.com/office/drawing/2014/main" id="{AAF79235-3712-4FFA-B441-C321E0C4025A}"/>
@@ -23943,7 +24008,7 @@
           </p:cxnSp>
           <p:cxnSp>
             <p:nvCxnSpPr>
-              <p:cNvPr id="135" name="Straight Connector 134">
+              <p:cNvPr id="304" name="Straight Connector 303">
                 <a:extLst>
                   <a:ext uri="{FF2B5EF4-FFF2-40B4-BE49-F238E27FC236}">
                     <a16:creationId xmlns:a16="http://schemas.microsoft.com/office/drawing/2014/main" id="{4619CA09-6186-4C23-B12C-4A28815F1D8C}"/>
@@ -23992,7 +24057,7 @@
           </p:cxnSp>
           <p:cxnSp>
             <p:nvCxnSpPr>
-              <p:cNvPr id="136" name="Straight Connector 135">
+              <p:cNvPr id="305" name="Straight Connector 304">
                 <a:extLst>
                   <a:ext uri="{FF2B5EF4-FFF2-40B4-BE49-F238E27FC236}">
                     <a16:creationId xmlns:a16="http://schemas.microsoft.com/office/drawing/2014/main" id="{9F76ABA5-C6B1-4943-8A03-A6130F61152A}"/>
@@ -24041,7 +24106,7 @@
           </p:cxnSp>
           <p:cxnSp>
             <p:nvCxnSpPr>
-              <p:cNvPr id="137" name="Straight Connector 136">
+              <p:cNvPr id="306" name="Straight Connector 305">
                 <a:extLst>
                   <a:ext uri="{FF2B5EF4-FFF2-40B4-BE49-F238E27FC236}">
                     <a16:creationId xmlns:a16="http://schemas.microsoft.com/office/drawing/2014/main" id="{8B9388C8-01EF-4DC7-BBC3-AB782DB24109}"/>
@@ -24090,7 +24155,7 @@
           </p:cxnSp>
           <p:cxnSp>
             <p:nvCxnSpPr>
-              <p:cNvPr id="138" name="Straight Connector 137">
+              <p:cNvPr id="307" name="Straight Connector 306">
                 <a:extLst>
                   <a:ext uri="{FF2B5EF4-FFF2-40B4-BE49-F238E27FC236}">
                     <a16:creationId xmlns:a16="http://schemas.microsoft.com/office/drawing/2014/main" id="{C71FE0EF-57F0-4618-AFD1-9A425215A00A}"/>
@@ -24139,7 +24204,7 @@
           </p:cxnSp>
           <p:cxnSp>
             <p:nvCxnSpPr>
-              <p:cNvPr id="139" name="Straight Connector 138">
+              <p:cNvPr id="308" name="Straight Connector 307">
                 <a:extLst>
                   <a:ext uri="{FF2B5EF4-FFF2-40B4-BE49-F238E27FC236}">
                     <a16:creationId xmlns:a16="http://schemas.microsoft.com/office/drawing/2014/main" id="{95B3456D-7173-44F8-830F-8BE3ED809FAC}"/>
@@ -24188,7 +24253,7 @@
           </p:cxnSp>
           <p:cxnSp>
             <p:nvCxnSpPr>
-              <p:cNvPr id="140" name="Straight Connector 139">
+              <p:cNvPr id="309" name="Straight Connector 308">
                 <a:extLst>
                   <a:ext uri="{FF2B5EF4-FFF2-40B4-BE49-F238E27FC236}">
                     <a16:creationId xmlns:a16="http://schemas.microsoft.com/office/drawing/2014/main" id="{D5C44D67-08F3-4A7F-A897-0C3EBEAB85F3}"/>
@@ -24237,7 +24302,7 @@
           </p:cxnSp>
           <p:cxnSp>
             <p:nvCxnSpPr>
-              <p:cNvPr id="141" name="Straight Connector 140">
+              <p:cNvPr id="310" name="Straight Connector 309">
                 <a:extLst>
                   <a:ext uri="{FF2B5EF4-FFF2-40B4-BE49-F238E27FC236}">
                     <a16:creationId xmlns:a16="http://schemas.microsoft.com/office/drawing/2014/main" id="{CCD613F2-A0C3-40B6-9074-6FED01B56DC1}"/>
@@ -24286,7 +24351,7 @@
           </p:cxnSp>
           <p:cxnSp>
             <p:nvCxnSpPr>
-              <p:cNvPr id="142" name="Straight Connector 141">
+              <p:cNvPr id="311" name="Straight Connector 310">
                 <a:extLst>
                   <a:ext uri="{FF2B5EF4-FFF2-40B4-BE49-F238E27FC236}">
                     <a16:creationId xmlns:a16="http://schemas.microsoft.com/office/drawing/2014/main" id="{ACE66E98-9ABC-42AD-BA48-43A3CFE928FA}"/>
@@ -24335,7 +24400,7 @@
           </p:cxnSp>
           <p:cxnSp>
             <p:nvCxnSpPr>
-              <p:cNvPr id="143" name="Straight Connector 142">
+              <p:cNvPr id="312" name="Straight Connector 311">
                 <a:extLst>
                   <a:ext uri="{FF2B5EF4-FFF2-40B4-BE49-F238E27FC236}">
                     <a16:creationId xmlns:a16="http://schemas.microsoft.com/office/drawing/2014/main" id="{35107221-7334-471A-8F1D-405AFF2E28F6}"/>
@@ -24384,7 +24449,7 @@
           </p:cxnSp>
           <p:cxnSp>
             <p:nvCxnSpPr>
-              <p:cNvPr id="144" name="Straight Connector 143">
+              <p:cNvPr id="313" name="Straight Connector 312">
                 <a:extLst>
                   <a:ext uri="{FF2B5EF4-FFF2-40B4-BE49-F238E27FC236}">
                     <a16:creationId xmlns:a16="http://schemas.microsoft.com/office/drawing/2014/main" id="{6A40E3D3-DFAB-4EB8-8AE4-FC38F40103C5}"/>
@@ -24433,7 +24498,7 @@
           </p:cxnSp>
           <p:cxnSp>
             <p:nvCxnSpPr>
-              <p:cNvPr id="145" name="Straight Connector 144">
+              <p:cNvPr id="314" name="Straight Connector 313">
                 <a:extLst>
                   <a:ext uri="{FF2B5EF4-FFF2-40B4-BE49-F238E27FC236}">
                     <a16:creationId xmlns:a16="http://schemas.microsoft.com/office/drawing/2014/main" id="{EDEBB5EA-B536-41D1-813E-25A272C6DE49}"/>
@@ -24482,7 +24547,7 @@
           </p:cxnSp>
           <p:cxnSp>
             <p:nvCxnSpPr>
-              <p:cNvPr id="146" name="Straight Connector 145">
+              <p:cNvPr id="315" name="Straight Connector 314">
                 <a:extLst>
                   <a:ext uri="{FF2B5EF4-FFF2-40B4-BE49-F238E27FC236}">
                     <a16:creationId xmlns:a16="http://schemas.microsoft.com/office/drawing/2014/main" id="{7593F0C9-D829-46F9-940F-C33E1FA50EC4}"/>
@@ -24531,7 +24596,7 @@
           </p:cxnSp>
           <p:cxnSp>
             <p:nvCxnSpPr>
-              <p:cNvPr id="147" name="Straight Connector 146">
+              <p:cNvPr id="316" name="Straight Connector 315">
                 <a:extLst>
                   <a:ext uri="{FF2B5EF4-FFF2-40B4-BE49-F238E27FC236}">
                     <a16:creationId xmlns:a16="http://schemas.microsoft.com/office/drawing/2014/main" id="{DFA44794-6636-437F-978D-86FB86F4A014}"/>
@@ -24580,7 +24645,7 @@
           </p:cxnSp>
           <p:cxnSp>
             <p:nvCxnSpPr>
-              <p:cNvPr id="148" name="Straight Connector 147">
+              <p:cNvPr id="317" name="Straight Connector 316">
                 <a:extLst>
                   <a:ext uri="{FF2B5EF4-FFF2-40B4-BE49-F238E27FC236}">
                     <a16:creationId xmlns:a16="http://schemas.microsoft.com/office/drawing/2014/main" id="{D5845953-AA2C-4350-BFDE-DD7C098782B3}"/>
@@ -24629,7 +24694,7 @@
           </p:cxnSp>
           <p:cxnSp>
             <p:nvCxnSpPr>
-              <p:cNvPr id="149" name="Straight Connector 148">
+              <p:cNvPr id="318" name="Straight Connector 317">
                 <a:extLst>
                   <a:ext uri="{FF2B5EF4-FFF2-40B4-BE49-F238E27FC236}">
                     <a16:creationId xmlns:a16="http://schemas.microsoft.com/office/drawing/2014/main" id="{4402457A-CD98-4084-A1F4-C424366239B6}"/>
@@ -24678,7 +24743,7 @@
           </p:cxnSp>
           <p:cxnSp>
             <p:nvCxnSpPr>
-              <p:cNvPr id="150" name="Straight Connector 149">
+              <p:cNvPr id="319" name="Straight Connector 318">
                 <a:extLst>
                   <a:ext uri="{FF2B5EF4-FFF2-40B4-BE49-F238E27FC236}">
                     <a16:creationId xmlns:a16="http://schemas.microsoft.com/office/drawing/2014/main" id="{562A8EAD-64FD-4329-A560-AA58A97AC03A}"/>
@@ -24727,7 +24792,7 @@
           </p:cxnSp>
           <p:cxnSp>
             <p:nvCxnSpPr>
-              <p:cNvPr id="151" name="Straight Connector 150">
+              <p:cNvPr id="320" name="Straight Connector 319">
                 <a:extLst>
                   <a:ext uri="{FF2B5EF4-FFF2-40B4-BE49-F238E27FC236}">
                     <a16:creationId xmlns:a16="http://schemas.microsoft.com/office/drawing/2014/main" id="{F92CF784-F98F-4341-8F46-0A64839ACA56}"/>
@@ -24776,7 +24841,7 @@
           </p:cxnSp>
           <p:cxnSp>
             <p:nvCxnSpPr>
-              <p:cNvPr id="152" name="Straight Connector 151">
+              <p:cNvPr id="321" name="Straight Connector 320">
                 <a:extLst>
                   <a:ext uri="{FF2B5EF4-FFF2-40B4-BE49-F238E27FC236}">
                     <a16:creationId xmlns:a16="http://schemas.microsoft.com/office/drawing/2014/main" id="{5E1F1973-04BC-476C-9212-FEBFBF9112BE}"/>
@@ -24825,7 +24890,7 @@
           </p:cxnSp>
           <p:cxnSp>
             <p:nvCxnSpPr>
-              <p:cNvPr id="153" name="Straight Connector 152">
+              <p:cNvPr id="322" name="Straight Connector 321">
                 <a:extLst>
                   <a:ext uri="{FF2B5EF4-FFF2-40B4-BE49-F238E27FC236}">
                     <a16:creationId xmlns:a16="http://schemas.microsoft.com/office/drawing/2014/main" id="{FD7E05BB-0D7F-4D58-9B58-971819E1B3A3}"/>
@@ -24874,7 +24939,7 @@
           </p:cxnSp>
           <p:cxnSp>
             <p:nvCxnSpPr>
-              <p:cNvPr id="154" name="Straight Connector 153">
+              <p:cNvPr id="323" name="Straight Connector 322">
                 <a:extLst>
                   <a:ext uri="{FF2B5EF4-FFF2-40B4-BE49-F238E27FC236}">
                     <a16:creationId xmlns:a16="http://schemas.microsoft.com/office/drawing/2014/main" id="{86407646-575E-46B4-81DF-4BFED735FDA1}"/>
@@ -24923,7 +24988,7 @@
           </p:cxnSp>
           <p:cxnSp>
             <p:nvCxnSpPr>
-              <p:cNvPr id="155" name="Straight Connector 154">
+              <p:cNvPr id="324" name="Straight Connector 323">
                 <a:extLst>
                   <a:ext uri="{FF2B5EF4-FFF2-40B4-BE49-F238E27FC236}">
                     <a16:creationId xmlns:a16="http://schemas.microsoft.com/office/drawing/2014/main" id="{FDB552A3-3810-415D-ADFA-4D2A859DEA7A}"/>
@@ -24972,7 +25037,7 @@
           </p:cxnSp>
           <p:cxnSp>
             <p:nvCxnSpPr>
-              <p:cNvPr id="156" name="Straight Connector 155">
+              <p:cNvPr id="325" name="Straight Connector 324">
                 <a:extLst>
                   <a:ext uri="{FF2B5EF4-FFF2-40B4-BE49-F238E27FC236}">
                     <a16:creationId xmlns:a16="http://schemas.microsoft.com/office/drawing/2014/main" id="{7908D77A-76C6-4A09-B940-D6E322090B3E}"/>
@@ -25021,7 +25086,7 @@
           </p:cxnSp>
           <p:cxnSp>
             <p:nvCxnSpPr>
-              <p:cNvPr id="157" name="Straight Connector 156">
+              <p:cNvPr id="326" name="Straight Connector 325">
                 <a:extLst>
                   <a:ext uri="{FF2B5EF4-FFF2-40B4-BE49-F238E27FC236}">
                     <a16:creationId xmlns:a16="http://schemas.microsoft.com/office/drawing/2014/main" id="{25EF112D-F061-47ED-A1BF-3F0E7AD6E330}"/>
@@ -25070,7 +25135,7 @@
           </p:cxnSp>
           <p:cxnSp>
             <p:nvCxnSpPr>
-              <p:cNvPr id="158" name="Straight Connector 157">
+              <p:cNvPr id="327" name="Straight Connector 326">
                 <a:extLst>
                   <a:ext uri="{FF2B5EF4-FFF2-40B4-BE49-F238E27FC236}">
                     <a16:creationId xmlns:a16="http://schemas.microsoft.com/office/drawing/2014/main" id="{C686D9C7-3FFC-4F6B-B177-08F90BA6AD2B}"/>
@@ -25119,7 +25184,7 @@
           </p:cxnSp>
           <p:cxnSp>
             <p:nvCxnSpPr>
-              <p:cNvPr id="159" name="Straight Connector 158">
+              <p:cNvPr id="328" name="Straight Connector 327">
                 <a:extLst>
                   <a:ext uri="{FF2B5EF4-FFF2-40B4-BE49-F238E27FC236}">
                     <a16:creationId xmlns:a16="http://schemas.microsoft.com/office/drawing/2014/main" id="{BEB45889-B6D6-43BB-A039-F074E6A78A7A}"/>
@@ -25168,7 +25233,7 @@
           </p:cxnSp>
           <p:cxnSp>
             <p:nvCxnSpPr>
-              <p:cNvPr id="160" name="Straight Connector 159">
+              <p:cNvPr id="329" name="Straight Connector 328">
                 <a:extLst>
                   <a:ext uri="{FF2B5EF4-FFF2-40B4-BE49-F238E27FC236}">
                     <a16:creationId xmlns:a16="http://schemas.microsoft.com/office/drawing/2014/main" id="{3D9CF09A-FB38-4E15-8148-184E2E0F79F1}"/>
@@ -25217,7 +25282,7 @@
           </p:cxnSp>
           <p:cxnSp>
             <p:nvCxnSpPr>
-              <p:cNvPr id="161" name="Straight Connector 160">
+              <p:cNvPr id="330" name="Straight Connector 329">
                 <a:extLst>
                   <a:ext uri="{FF2B5EF4-FFF2-40B4-BE49-F238E27FC236}">
                     <a16:creationId xmlns:a16="http://schemas.microsoft.com/office/drawing/2014/main" id="{DAD7A081-32D1-4F45-84C7-A0516B640734}"/>
@@ -25266,7 +25331,7 @@
           </p:cxnSp>
           <p:cxnSp>
             <p:nvCxnSpPr>
-              <p:cNvPr id="162" name="Straight Connector 161">
+              <p:cNvPr id="331" name="Straight Connector 330">
                 <a:extLst>
                   <a:ext uri="{FF2B5EF4-FFF2-40B4-BE49-F238E27FC236}">
                     <a16:creationId xmlns:a16="http://schemas.microsoft.com/office/drawing/2014/main" id="{53745EDB-9331-4653-AA43-9C95D472BF14}"/>
@@ -25315,7 +25380,7 @@
           </p:cxnSp>
           <p:cxnSp>
             <p:nvCxnSpPr>
-              <p:cNvPr id="163" name="Straight Connector 162">
+              <p:cNvPr id="332" name="Straight Connector 331">
                 <a:extLst>
                   <a:ext uri="{FF2B5EF4-FFF2-40B4-BE49-F238E27FC236}">
                     <a16:creationId xmlns:a16="http://schemas.microsoft.com/office/drawing/2014/main" id="{09D90859-0422-48EE-A9DC-8040A7D699C1}"/>
@@ -25364,7 +25429,7 @@
           </p:cxnSp>
           <p:cxnSp>
             <p:nvCxnSpPr>
-              <p:cNvPr id="164" name="Straight Connector 163">
+              <p:cNvPr id="333" name="Straight Connector 332">
                 <a:extLst>
                   <a:ext uri="{FF2B5EF4-FFF2-40B4-BE49-F238E27FC236}">
                     <a16:creationId xmlns:a16="http://schemas.microsoft.com/office/drawing/2014/main" id="{7F199302-1A2E-4171-992F-A19EAB67255B}"/>
@@ -25413,7 +25478,7 @@
           </p:cxnSp>
           <p:cxnSp>
             <p:nvCxnSpPr>
-              <p:cNvPr id="165" name="Straight Connector 164">
+              <p:cNvPr id="334" name="Straight Connector 333">
                 <a:extLst>
                   <a:ext uri="{FF2B5EF4-FFF2-40B4-BE49-F238E27FC236}">
                     <a16:creationId xmlns:a16="http://schemas.microsoft.com/office/drawing/2014/main" id="{147A01A7-AB13-44A3-A2E3-0555C2E370F7}"/>
@@ -25462,7 +25527,7 @@
           </p:cxnSp>
           <p:cxnSp>
             <p:nvCxnSpPr>
-              <p:cNvPr id="166" name="Straight Connector 165">
+              <p:cNvPr id="335" name="Straight Connector 334">
                 <a:extLst>
                   <a:ext uri="{FF2B5EF4-FFF2-40B4-BE49-F238E27FC236}">
                     <a16:creationId xmlns:a16="http://schemas.microsoft.com/office/drawing/2014/main" id="{DBB16F53-4F46-414C-9B9F-555536EF6BD5}"/>
@@ -25511,7 +25576,7 @@
           </p:cxnSp>
           <p:cxnSp>
             <p:nvCxnSpPr>
-              <p:cNvPr id="167" name="Straight Connector 166">
+              <p:cNvPr id="336" name="Straight Connector 335">
                 <a:extLst>
                   <a:ext uri="{FF2B5EF4-FFF2-40B4-BE49-F238E27FC236}">
                     <a16:creationId xmlns:a16="http://schemas.microsoft.com/office/drawing/2014/main" id="{9836B30E-FE35-4D9F-BA31-315E7DE5E21E}"/>
@@ -25560,7 +25625,7 @@
           </p:cxnSp>
           <p:cxnSp>
             <p:nvCxnSpPr>
-              <p:cNvPr id="168" name="Straight Connector 167">
+              <p:cNvPr id="337" name="Straight Connector 336">
                 <a:extLst>
                   <a:ext uri="{FF2B5EF4-FFF2-40B4-BE49-F238E27FC236}">
                     <a16:creationId xmlns:a16="http://schemas.microsoft.com/office/drawing/2014/main" id="{B6577824-1E6B-40C7-9693-7AF7ABEE5F87}"/>
@@ -25609,7 +25674,7 @@
           </p:cxnSp>
           <p:cxnSp>
             <p:nvCxnSpPr>
-              <p:cNvPr id="169" name="Straight Connector 168">
+              <p:cNvPr id="338" name="Straight Connector 337">
                 <a:extLst>
                   <a:ext uri="{FF2B5EF4-FFF2-40B4-BE49-F238E27FC236}">
                     <a16:creationId xmlns:a16="http://schemas.microsoft.com/office/drawing/2014/main" id="{1219B94E-7BAC-4690-A0CF-0A94CF2C7A7E}"/>
@@ -25658,7 +25723,7 @@
           </p:cxnSp>
           <p:cxnSp>
             <p:nvCxnSpPr>
-              <p:cNvPr id="170" name="Straight Connector 169">
+              <p:cNvPr id="339" name="Straight Connector 338">
                 <a:extLst>
                   <a:ext uri="{FF2B5EF4-FFF2-40B4-BE49-F238E27FC236}">
                     <a16:creationId xmlns:a16="http://schemas.microsoft.com/office/drawing/2014/main" id="{153554AD-35C5-4C94-860E-E171E75E27A3}"/>
@@ -25707,7 +25772,7 @@
           </p:cxnSp>
           <p:cxnSp>
             <p:nvCxnSpPr>
-              <p:cNvPr id="171" name="Straight Connector 170">
+              <p:cNvPr id="340" name="Straight Connector 339">
                 <a:extLst>
                   <a:ext uri="{FF2B5EF4-FFF2-40B4-BE49-F238E27FC236}">
                     <a16:creationId xmlns:a16="http://schemas.microsoft.com/office/drawing/2014/main" id="{118939DB-C6D5-482A-A11C-EFF69D1216F0}"/>
@@ -25756,7 +25821,7 @@
           </p:cxnSp>
           <p:cxnSp>
             <p:nvCxnSpPr>
-              <p:cNvPr id="172" name="Straight Connector 171">
+              <p:cNvPr id="341" name="Straight Connector 340">
                 <a:extLst>
                   <a:ext uri="{FF2B5EF4-FFF2-40B4-BE49-F238E27FC236}">
                     <a16:creationId xmlns:a16="http://schemas.microsoft.com/office/drawing/2014/main" id="{96F026C4-6631-464F-9578-DDCEAF409185}"/>
@@ -25805,7 +25870,7 @@
           </p:cxnSp>
           <p:cxnSp>
             <p:nvCxnSpPr>
-              <p:cNvPr id="173" name="Straight Connector 172">
+              <p:cNvPr id="342" name="Straight Connector 341">
                 <a:extLst>
                   <a:ext uri="{FF2B5EF4-FFF2-40B4-BE49-F238E27FC236}">
                     <a16:creationId xmlns:a16="http://schemas.microsoft.com/office/drawing/2014/main" id="{2AF88C5A-F83A-4173-92E5-8C7E5747F975}"/>
@@ -25854,7 +25919,7 @@
           </p:cxnSp>
           <p:cxnSp>
             <p:nvCxnSpPr>
-              <p:cNvPr id="174" name="Straight Connector 173">
+              <p:cNvPr id="343" name="Straight Connector 342">
                 <a:extLst>
                   <a:ext uri="{FF2B5EF4-FFF2-40B4-BE49-F238E27FC236}">
                     <a16:creationId xmlns:a16="http://schemas.microsoft.com/office/drawing/2014/main" id="{4A4A3BCF-1A3B-4A1B-88F6-4FEF3ACC3982}"/>
@@ -25903,7 +25968,7 @@
           </p:cxnSp>
           <p:cxnSp>
             <p:nvCxnSpPr>
-              <p:cNvPr id="175" name="Straight Connector 174">
+              <p:cNvPr id="344" name="Straight Connector 343">
                 <a:extLst>
                   <a:ext uri="{FF2B5EF4-FFF2-40B4-BE49-F238E27FC236}">
                     <a16:creationId xmlns:a16="http://schemas.microsoft.com/office/drawing/2014/main" id="{B8455E5D-06FD-4E43-AADE-A4A47BFBCC95}"/>
@@ -25952,7 +26017,7 @@
           </p:cxnSp>
           <p:cxnSp>
             <p:nvCxnSpPr>
-              <p:cNvPr id="176" name="Straight Connector 175">
+              <p:cNvPr id="345" name="Straight Connector 344">
                 <a:extLst>
                   <a:ext uri="{FF2B5EF4-FFF2-40B4-BE49-F238E27FC236}">
                     <a16:creationId xmlns:a16="http://schemas.microsoft.com/office/drawing/2014/main" id="{317396C4-A888-495B-AA8A-EB6F4E1E5785}"/>
@@ -26001,7 +26066,7 @@
           </p:cxnSp>
           <p:cxnSp>
             <p:nvCxnSpPr>
-              <p:cNvPr id="177" name="Straight Connector 176">
+              <p:cNvPr id="346" name="Straight Connector 345">
                 <a:extLst>
                   <a:ext uri="{FF2B5EF4-FFF2-40B4-BE49-F238E27FC236}">
                     <a16:creationId xmlns:a16="http://schemas.microsoft.com/office/drawing/2014/main" id="{CD236C89-FF9C-48B6-A207-424416196F0D}"/>
@@ -26050,7 +26115,7 @@
           </p:cxnSp>
           <p:cxnSp>
             <p:nvCxnSpPr>
-              <p:cNvPr id="178" name="Straight Connector 177">
+              <p:cNvPr id="347" name="Straight Connector 346">
                 <a:extLst>
                   <a:ext uri="{FF2B5EF4-FFF2-40B4-BE49-F238E27FC236}">
                     <a16:creationId xmlns:a16="http://schemas.microsoft.com/office/drawing/2014/main" id="{AE1F9F13-03A5-452F-9E6C-10E4EBA2466F}"/>
@@ -26099,7 +26164,7 @@
           </p:cxnSp>
           <p:cxnSp>
             <p:nvCxnSpPr>
-              <p:cNvPr id="179" name="Straight Connector 178">
+              <p:cNvPr id="348" name="Straight Connector 347">
                 <a:extLst>
                   <a:ext uri="{FF2B5EF4-FFF2-40B4-BE49-F238E27FC236}">
                     <a16:creationId xmlns:a16="http://schemas.microsoft.com/office/drawing/2014/main" id="{12AF9232-0F66-4106-9574-6F502E212144}"/>
@@ -26169,8 +26234,8 @@
         </p:blipFill>
         <p:spPr>
           <a:xfrm>
-            <a:off x="5976589" y="1637"/>
-            <a:ext cx="6242328" cy="4453029"/>
+            <a:off x="6080591" y="-2008"/>
+            <a:ext cx="4787317" cy="3415082"/>
           </a:xfrm>
           <a:custGeom>
             <a:avLst/>
@@ -26278,7 +26343,7 @@
       </p:pic>
       <p:grpSp>
         <p:nvGrpSpPr>
-          <p:cNvPr id="181" name="Group 180">
+          <p:cNvPr id="350" name="Group 349">
             <a:extLst>
               <a:ext uri="{FF2B5EF4-FFF2-40B4-BE49-F238E27FC236}">
                 <a16:creationId xmlns:a16="http://schemas.microsoft.com/office/drawing/2014/main" id="{63BF6731-D3EE-4447-B524-14D478D8982E}"/>
@@ -26306,7 +26371,7 @@
         </p:grpSpPr>
         <p:sp>
           <p:nvSpPr>
-            <p:cNvPr id="182" name="Freeform 97">
+            <p:cNvPr id="351" name="Freeform 97">
               <a:extLst>
                 <a:ext uri="{FF2B5EF4-FFF2-40B4-BE49-F238E27FC236}">
                   <a16:creationId xmlns:a16="http://schemas.microsoft.com/office/drawing/2014/main" id="{978737D2-68E1-486F-93B4-E15EB4B946D5}"/>
@@ -26493,7 +26558,7 @@
         </p:sp>
         <p:grpSp>
           <p:nvGrpSpPr>
-            <p:cNvPr id="183" name="Group 182">
+            <p:cNvPr id="352" name="Group 351">
               <a:extLst>
                 <a:ext uri="{FF2B5EF4-FFF2-40B4-BE49-F238E27FC236}">
                   <a16:creationId xmlns:a16="http://schemas.microsoft.com/office/drawing/2014/main" id="{F9C4798E-0C85-4FF8-835D-639CD50EADD9}"/>
@@ -26519,7 +26584,7 @@
           </p:grpSpPr>
           <p:cxnSp>
             <p:nvCxnSpPr>
-              <p:cNvPr id="184" name="Straight Connector 183">
+              <p:cNvPr id="353" name="Straight Connector 352">
                 <a:extLst>
                   <a:ext uri="{FF2B5EF4-FFF2-40B4-BE49-F238E27FC236}">
                     <a16:creationId xmlns:a16="http://schemas.microsoft.com/office/drawing/2014/main" id="{FD51745B-5F09-4A7E-A752-8C31C3782422}"/>
@@ -26568,7 +26633,7 @@
           </p:cxnSp>
           <p:cxnSp>
             <p:nvCxnSpPr>
-              <p:cNvPr id="185" name="Straight Connector 184">
+              <p:cNvPr id="354" name="Straight Connector 353">
                 <a:extLst>
                   <a:ext uri="{FF2B5EF4-FFF2-40B4-BE49-F238E27FC236}">
                     <a16:creationId xmlns:a16="http://schemas.microsoft.com/office/drawing/2014/main" id="{FE0EFBAC-EDD3-4409-B72C-6F4ADF55B384}"/>
@@ -26617,7 +26682,7 @@
           </p:cxnSp>
           <p:cxnSp>
             <p:nvCxnSpPr>
-              <p:cNvPr id="186" name="Straight Connector 185">
+              <p:cNvPr id="355" name="Straight Connector 354">
                 <a:extLst>
                   <a:ext uri="{FF2B5EF4-FFF2-40B4-BE49-F238E27FC236}">
                     <a16:creationId xmlns:a16="http://schemas.microsoft.com/office/drawing/2014/main" id="{0C59FA14-FA12-4459-B0A2-2550E6FC2243}"/>
@@ -26666,7 +26731,7 @@
           </p:cxnSp>
           <p:cxnSp>
             <p:nvCxnSpPr>
-              <p:cNvPr id="187" name="Straight Connector 186">
+              <p:cNvPr id="356" name="Straight Connector 355">
                 <a:extLst>
                   <a:ext uri="{FF2B5EF4-FFF2-40B4-BE49-F238E27FC236}">
                     <a16:creationId xmlns:a16="http://schemas.microsoft.com/office/drawing/2014/main" id="{B3823528-C0A3-496C-848D-846D1443E1C9}"/>
@@ -26715,7 +26780,7 @@
           </p:cxnSp>
           <p:cxnSp>
             <p:nvCxnSpPr>
-              <p:cNvPr id="188" name="Straight Connector 187">
+              <p:cNvPr id="357" name="Straight Connector 356">
                 <a:extLst>
                   <a:ext uri="{FF2B5EF4-FFF2-40B4-BE49-F238E27FC236}">
                     <a16:creationId xmlns:a16="http://schemas.microsoft.com/office/drawing/2014/main" id="{A50BE69E-39EB-4B34-908F-FEFD3024CAD6}"/>
@@ -26764,7 +26829,7 @@
           </p:cxnSp>
           <p:cxnSp>
             <p:nvCxnSpPr>
-              <p:cNvPr id="189" name="Straight Connector 188">
+              <p:cNvPr id="358" name="Straight Connector 357">
                 <a:extLst>
                   <a:ext uri="{FF2B5EF4-FFF2-40B4-BE49-F238E27FC236}">
                     <a16:creationId xmlns:a16="http://schemas.microsoft.com/office/drawing/2014/main" id="{D7BB60E5-7BE9-4C74-AC56-44C63E05EC79}"/>
@@ -26813,7 +26878,7 @@
           </p:cxnSp>
           <p:cxnSp>
             <p:nvCxnSpPr>
-              <p:cNvPr id="190" name="Straight Connector 189">
+              <p:cNvPr id="359" name="Straight Connector 358">
                 <a:extLst>
                   <a:ext uri="{FF2B5EF4-FFF2-40B4-BE49-F238E27FC236}">
                     <a16:creationId xmlns:a16="http://schemas.microsoft.com/office/drawing/2014/main" id="{1726D214-66B5-49D6-A401-D5B1DBADCC5F}"/>
@@ -26862,7 +26927,7 @@
           </p:cxnSp>
           <p:cxnSp>
             <p:nvCxnSpPr>
-              <p:cNvPr id="191" name="Straight Connector 190">
+              <p:cNvPr id="360" name="Straight Connector 359">
                 <a:extLst>
                   <a:ext uri="{FF2B5EF4-FFF2-40B4-BE49-F238E27FC236}">
                     <a16:creationId xmlns:a16="http://schemas.microsoft.com/office/drawing/2014/main" id="{565FB1BD-3A4E-4EEA-9F96-BAF88DB6947A}"/>
@@ -26911,7 +26976,7 @@
           </p:cxnSp>
           <p:cxnSp>
             <p:nvCxnSpPr>
-              <p:cNvPr id="192" name="Straight Connector 191">
+              <p:cNvPr id="361" name="Straight Connector 360">
                 <a:extLst>
                   <a:ext uri="{FF2B5EF4-FFF2-40B4-BE49-F238E27FC236}">
                     <a16:creationId xmlns:a16="http://schemas.microsoft.com/office/drawing/2014/main" id="{3FC9858C-E945-4D5E-9CC2-054D9DAD5124}"/>
@@ -26960,7 +27025,7 @@
           </p:cxnSp>
           <p:cxnSp>
             <p:nvCxnSpPr>
-              <p:cNvPr id="193" name="Straight Connector 192">
+              <p:cNvPr id="362" name="Straight Connector 361">
                 <a:extLst>
                   <a:ext uri="{FF2B5EF4-FFF2-40B4-BE49-F238E27FC236}">
                     <a16:creationId xmlns:a16="http://schemas.microsoft.com/office/drawing/2014/main" id="{13D742E2-20E2-4D7F-A0ED-DC9E737A9102}"/>
@@ -27009,7 +27074,7 @@
           </p:cxnSp>
           <p:cxnSp>
             <p:nvCxnSpPr>
-              <p:cNvPr id="194" name="Straight Connector 193">
+              <p:cNvPr id="363" name="Straight Connector 362">
                 <a:extLst>
                   <a:ext uri="{FF2B5EF4-FFF2-40B4-BE49-F238E27FC236}">
                     <a16:creationId xmlns:a16="http://schemas.microsoft.com/office/drawing/2014/main" id="{0DA2B52A-A232-46DD-ACC8-817E41FC51F6}"/>
@@ -27058,7 +27123,7 @@
           </p:cxnSp>
           <p:cxnSp>
             <p:nvCxnSpPr>
-              <p:cNvPr id="195" name="Straight Connector 194">
+              <p:cNvPr id="364" name="Straight Connector 363">
                 <a:extLst>
                   <a:ext uri="{FF2B5EF4-FFF2-40B4-BE49-F238E27FC236}">
                     <a16:creationId xmlns:a16="http://schemas.microsoft.com/office/drawing/2014/main" id="{556B84F0-6E70-4531-A676-501CE4B54ABB}"/>
@@ -27107,7 +27172,7 @@
           </p:cxnSp>
           <p:cxnSp>
             <p:nvCxnSpPr>
-              <p:cNvPr id="196" name="Straight Connector 195">
+              <p:cNvPr id="365" name="Straight Connector 364">
                 <a:extLst>
                   <a:ext uri="{FF2B5EF4-FFF2-40B4-BE49-F238E27FC236}">
                     <a16:creationId xmlns:a16="http://schemas.microsoft.com/office/drawing/2014/main" id="{77C30D4F-9A9E-4C40-A5C9-33307C3F00C7}"/>
@@ -27156,7 +27221,7 @@
           </p:cxnSp>
           <p:cxnSp>
             <p:nvCxnSpPr>
-              <p:cNvPr id="197" name="Straight Connector 196">
+              <p:cNvPr id="366" name="Straight Connector 365">
                 <a:extLst>
                   <a:ext uri="{FF2B5EF4-FFF2-40B4-BE49-F238E27FC236}">
                     <a16:creationId xmlns:a16="http://schemas.microsoft.com/office/drawing/2014/main" id="{C092E1B4-A1DB-4A82-BB84-5CB0A59A6C4C}"/>
@@ -27205,7 +27270,7 @@
           </p:cxnSp>
           <p:cxnSp>
             <p:nvCxnSpPr>
-              <p:cNvPr id="198" name="Straight Connector 197">
+              <p:cNvPr id="367" name="Straight Connector 366">
                 <a:extLst>
                   <a:ext uri="{FF2B5EF4-FFF2-40B4-BE49-F238E27FC236}">
                     <a16:creationId xmlns:a16="http://schemas.microsoft.com/office/drawing/2014/main" id="{45F64A42-3B4C-44A6-9CAC-A8D8A4407123}"/>
@@ -27254,7 +27319,7 @@
           </p:cxnSp>
           <p:cxnSp>
             <p:nvCxnSpPr>
-              <p:cNvPr id="199" name="Straight Connector 198">
+              <p:cNvPr id="368" name="Straight Connector 367">
                 <a:extLst>
                   <a:ext uri="{FF2B5EF4-FFF2-40B4-BE49-F238E27FC236}">
                     <a16:creationId xmlns:a16="http://schemas.microsoft.com/office/drawing/2014/main" id="{E439732D-08B5-402C-9219-815F22C86DF3}"/>
@@ -27303,7 +27368,7 @@
           </p:cxnSp>
           <p:cxnSp>
             <p:nvCxnSpPr>
-              <p:cNvPr id="200" name="Straight Connector 199">
+              <p:cNvPr id="369" name="Straight Connector 368">
                 <a:extLst>
                   <a:ext uri="{FF2B5EF4-FFF2-40B4-BE49-F238E27FC236}">
                     <a16:creationId xmlns:a16="http://schemas.microsoft.com/office/drawing/2014/main" id="{B2717B78-E768-4614-8F5D-57E5F5C06340}"/>
@@ -27352,7 +27417,7 @@
           </p:cxnSp>
           <p:cxnSp>
             <p:nvCxnSpPr>
-              <p:cNvPr id="201" name="Straight Connector 200">
+              <p:cNvPr id="370" name="Straight Connector 369">
                 <a:extLst>
                   <a:ext uri="{FF2B5EF4-FFF2-40B4-BE49-F238E27FC236}">
                     <a16:creationId xmlns:a16="http://schemas.microsoft.com/office/drawing/2014/main" id="{876D2460-A6D7-43F4-BC7A-BF512B40B911}"/>
@@ -27401,7 +27466,7 @@
           </p:cxnSp>
           <p:cxnSp>
             <p:nvCxnSpPr>
-              <p:cNvPr id="202" name="Straight Connector 201">
+              <p:cNvPr id="371" name="Straight Connector 370">
                 <a:extLst>
                   <a:ext uri="{FF2B5EF4-FFF2-40B4-BE49-F238E27FC236}">
                     <a16:creationId xmlns:a16="http://schemas.microsoft.com/office/drawing/2014/main" id="{B5AD749B-303C-47F9-A380-5E84BA459071}"/>
@@ -27450,7 +27515,7 @@
           </p:cxnSp>
           <p:cxnSp>
             <p:nvCxnSpPr>
-              <p:cNvPr id="203" name="Straight Connector 202">
+              <p:cNvPr id="372" name="Straight Connector 371">
                 <a:extLst>
                   <a:ext uri="{FF2B5EF4-FFF2-40B4-BE49-F238E27FC236}">
                     <a16:creationId xmlns:a16="http://schemas.microsoft.com/office/drawing/2014/main" id="{F71C1D93-D136-446C-A51F-3821EC550E2E}"/>
@@ -27499,7 +27564,7 @@
           </p:cxnSp>
           <p:cxnSp>
             <p:nvCxnSpPr>
-              <p:cNvPr id="204" name="Straight Connector 203">
+              <p:cNvPr id="373" name="Straight Connector 372">
                 <a:extLst>
                   <a:ext uri="{FF2B5EF4-FFF2-40B4-BE49-F238E27FC236}">
                     <a16:creationId xmlns:a16="http://schemas.microsoft.com/office/drawing/2014/main" id="{8B22878D-E8D2-427E-9B9F-063748FD2CDC}"/>
@@ -27548,7 +27613,7 @@
           </p:cxnSp>
           <p:cxnSp>
             <p:nvCxnSpPr>
-              <p:cNvPr id="205" name="Straight Connector 204">
+              <p:cNvPr id="374" name="Straight Connector 373">
                 <a:extLst>
                   <a:ext uri="{FF2B5EF4-FFF2-40B4-BE49-F238E27FC236}">
                     <a16:creationId xmlns:a16="http://schemas.microsoft.com/office/drawing/2014/main" id="{7496F47D-ABE8-4992-9193-C00D77B881A0}"/>
@@ -27597,7 +27662,7 @@
           </p:cxnSp>
           <p:cxnSp>
             <p:nvCxnSpPr>
-              <p:cNvPr id="206" name="Straight Connector 205">
+              <p:cNvPr id="375" name="Straight Connector 374">
                 <a:extLst>
                   <a:ext uri="{FF2B5EF4-FFF2-40B4-BE49-F238E27FC236}">
                     <a16:creationId xmlns:a16="http://schemas.microsoft.com/office/drawing/2014/main" id="{6550F108-EEA4-4A2A-889E-9312F018757E}"/>
@@ -27646,7 +27711,7 @@
           </p:cxnSp>
           <p:cxnSp>
             <p:nvCxnSpPr>
-              <p:cNvPr id="207" name="Straight Connector 206">
+              <p:cNvPr id="376" name="Straight Connector 375">
                 <a:extLst>
                   <a:ext uri="{FF2B5EF4-FFF2-40B4-BE49-F238E27FC236}">
                     <a16:creationId xmlns:a16="http://schemas.microsoft.com/office/drawing/2014/main" id="{E1A1E3DE-A140-4756-A80B-2B1271810EB7}"/>
@@ -27695,7 +27760,7 @@
           </p:cxnSp>
           <p:cxnSp>
             <p:nvCxnSpPr>
-              <p:cNvPr id="208" name="Straight Connector 207">
+              <p:cNvPr id="377" name="Straight Connector 376">
                 <a:extLst>
                   <a:ext uri="{FF2B5EF4-FFF2-40B4-BE49-F238E27FC236}">
                     <a16:creationId xmlns:a16="http://schemas.microsoft.com/office/drawing/2014/main" id="{8DAA20B0-1B0A-470A-9764-2FFC03D921D8}"/>
@@ -27744,7 +27809,7 @@
           </p:cxnSp>
           <p:cxnSp>
             <p:nvCxnSpPr>
-              <p:cNvPr id="209" name="Straight Connector 208">
+              <p:cNvPr id="378" name="Straight Connector 377">
                 <a:extLst>
                   <a:ext uri="{FF2B5EF4-FFF2-40B4-BE49-F238E27FC236}">
                     <a16:creationId xmlns:a16="http://schemas.microsoft.com/office/drawing/2014/main" id="{BE63D91C-7611-4E4A-8C07-19F80CAA69EA}"/>
@@ -27793,7 +27858,7 @@
           </p:cxnSp>
           <p:cxnSp>
             <p:nvCxnSpPr>
-              <p:cNvPr id="210" name="Straight Connector 209">
+              <p:cNvPr id="379" name="Straight Connector 378">
                 <a:extLst>
                   <a:ext uri="{FF2B5EF4-FFF2-40B4-BE49-F238E27FC236}">
                     <a16:creationId xmlns:a16="http://schemas.microsoft.com/office/drawing/2014/main" id="{3EFF9419-0702-443F-80EC-BAEA4E279765}"/>
@@ -27842,7 +27907,7 @@
           </p:cxnSp>
           <p:cxnSp>
             <p:nvCxnSpPr>
-              <p:cNvPr id="211" name="Straight Connector 210">
+              <p:cNvPr id="380" name="Straight Connector 379">
                 <a:extLst>
                   <a:ext uri="{FF2B5EF4-FFF2-40B4-BE49-F238E27FC236}">
                     <a16:creationId xmlns:a16="http://schemas.microsoft.com/office/drawing/2014/main" id="{DED45F36-D215-4ADD-897D-EEDF08551F3F}"/>
@@ -27891,7 +27956,7 @@
           </p:cxnSp>
           <p:cxnSp>
             <p:nvCxnSpPr>
-              <p:cNvPr id="212" name="Straight Connector 211">
+              <p:cNvPr id="381" name="Straight Connector 380">
                 <a:extLst>
                   <a:ext uri="{FF2B5EF4-FFF2-40B4-BE49-F238E27FC236}">
                     <a16:creationId xmlns:a16="http://schemas.microsoft.com/office/drawing/2014/main" id="{0E818B7D-4E88-4EC6-8436-7E21C1625B87}"/>
@@ -27940,7 +28005,7 @@
           </p:cxnSp>
           <p:cxnSp>
             <p:nvCxnSpPr>
-              <p:cNvPr id="213" name="Straight Connector 212">
+              <p:cNvPr id="382" name="Straight Connector 381">
                 <a:extLst>
                   <a:ext uri="{FF2B5EF4-FFF2-40B4-BE49-F238E27FC236}">
                     <a16:creationId xmlns:a16="http://schemas.microsoft.com/office/drawing/2014/main" id="{F0EEABEF-4872-4518-A140-3F39B79CB930}"/>
@@ -27989,7 +28054,7 @@
           </p:cxnSp>
           <p:cxnSp>
             <p:nvCxnSpPr>
-              <p:cNvPr id="214" name="Straight Connector 213">
+              <p:cNvPr id="383" name="Straight Connector 382">
                 <a:extLst>
                   <a:ext uri="{FF2B5EF4-FFF2-40B4-BE49-F238E27FC236}">
                     <a16:creationId xmlns:a16="http://schemas.microsoft.com/office/drawing/2014/main" id="{B1943FDD-FD8E-421F-9C96-7C227DC1C02C}"/>
@@ -28038,7 +28103,7 @@
           </p:cxnSp>
           <p:cxnSp>
             <p:nvCxnSpPr>
-              <p:cNvPr id="215" name="Straight Connector 214">
+              <p:cNvPr id="384" name="Straight Connector 383">
                 <a:extLst>
                   <a:ext uri="{FF2B5EF4-FFF2-40B4-BE49-F238E27FC236}">
                     <a16:creationId xmlns:a16="http://schemas.microsoft.com/office/drawing/2014/main" id="{D48D8945-5713-4CC4-9719-D371E77506EB}"/>
@@ -28087,7 +28152,7 @@
           </p:cxnSp>
           <p:cxnSp>
             <p:nvCxnSpPr>
-              <p:cNvPr id="216" name="Straight Connector 215">
+              <p:cNvPr id="385" name="Straight Connector 384">
                 <a:extLst>
                   <a:ext uri="{FF2B5EF4-FFF2-40B4-BE49-F238E27FC236}">
                     <a16:creationId xmlns:a16="http://schemas.microsoft.com/office/drawing/2014/main" id="{12E7CC52-32EA-42CF-BDC3-5401E5AF58B6}"/>
@@ -28136,7 +28201,7 @@
           </p:cxnSp>
           <p:cxnSp>
             <p:nvCxnSpPr>
-              <p:cNvPr id="217" name="Straight Connector 216">
+              <p:cNvPr id="386" name="Straight Connector 385">
                 <a:extLst>
                   <a:ext uri="{FF2B5EF4-FFF2-40B4-BE49-F238E27FC236}">
                     <a16:creationId xmlns:a16="http://schemas.microsoft.com/office/drawing/2014/main" id="{FC7D2B4D-3A83-4DDB-BE7D-E69A346214B8}"/>
@@ -28185,7 +28250,7 @@
           </p:cxnSp>
           <p:cxnSp>
             <p:nvCxnSpPr>
-              <p:cNvPr id="218" name="Straight Connector 217">
+              <p:cNvPr id="387" name="Straight Connector 386">
                 <a:extLst>
                   <a:ext uri="{FF2B5EF4-FFF2-40B4-BE49-F238E27FC236}">
                     <a16:creationId xmlns:a16="http://schemas.microsoft.com/office/drawing/2014/main" id="{9D9A6C5F-CC88-4B30-92F6-383840ECA4E9}"/>
@@ -28234,7 +28299,7 @@
           </p:cxnSp>
           <p:cxnSp>
             <p:nvCxnSpPr>
-              <p:cNvPr id="219" name="Straight Connector 218">
+              <p:cNvPr id="388" name="Straight Connector 387">
                 <a:extLst>
                   <a:ext uri="{FF2B5EF4-FFF2-40B4-BE49-F238E27FC236}">
                     <a16:creationId xmlns:a16="http://schemas.microsoft.com/office/drawing/2014/main" id="{CE616653-283A-4851-8F80-3AE35A21AEED}"/>
@@ -28283,7 +28348,7 @@
           </p:cxnSp>
           <p:cxnSp>
             <p:nvCxnSpPr>
-              <p:cNvPr id="220" name="Straight Connector 219">
+              <p:cNvPr id="389" name="Straight Connector 388">
                 <a:extLst>
                   <a:ext uri="{FF2B5EF4-FFF2-40B4-BE49-F238E27FC236}">
                     <a16:creationId xmlns:a16="http://schemas.microsoft.com/office/drawing/2014/main" id="{F2AC0EA3-3CF0-433A-97BC-04FC181D8553}"/>
@@ -28332,7 +28397,7 @@
           </p:cxnSp>
           <p:cxnSp>
             <p:nvCxnSpPr>
-              <p:cNvPr id="221" name="Straight Connector 220">
+              <p:cNvPr id="390" name="Straight Connector 389">
                 <a:extLst>
                   <a:ext uri="{FF2B5EF4-FFF2-40B4-BE49-F238E27FC236}">
                     <a16:creationId xmlns:a16="http://schemas.microsoft.com/office/drawing/2014/main" id="{81580B4A-4281-4F05-8476-2DB5F74FE189}"/>
@@ -28381,7 +28446,7 @@
           </p:cxnSp>
           <p:cxnSp>
             <p:nvCxnSpPr>
-              <p:cNvPr id="222" name="Straight Connector 221">
+              <p:cNvPr id="391" name="Straight Connector 390">
                 <a:extLst>
                   <a:ext uri="{FF2B5EF4-FFF2-40B4-BE49-F238E27FC236}">
                     <a16:creationId xmlns:a16="http://schemas.microsoft.com/office/drawing/2014/main" id="{E8F2F5CD-02C7-4414-B6EC-BDA9AF0EA840}"/>
@@ -28430,7 +28495,7 @@
           </p:cxnSp>
           <p:cxnSp>
             <p:nvCxnSpPr>
-              <p:cNvPr id="223" name="Straight Connector 222">
+              <p:cNvPr id="392" name="Straight Connector 391">
                 <a:extLst>
                   <a:ext uri="{FF2B5EF4-FFF2-40B4-BE49-F238E27FC236}">
                     <a16:creationId xmlns:a16="http://schemas.microsoft.com/office/drawing/2014/main" id="{C64A2EEA-84C1-400A-BBE4-4D9E9A3AF7C9}"/>
@@ -28479,7 +28544,7 @@
           </p:cxnSp>
           <p:cxnSp>
             <p:nvCxnSpPr>
-              <p:cNvPr id="224" name="Straight Connector 223">
+              <p:cNvPr id="393" name="Straight Connector 392">
                 <a:extLst>
                   <a:ext uri="{FF2B5EF4-FFF2-40B4-BE49-F238E27FC236}">
                     <a16:creationId xmlns:a16="http://schemas.microsoft.com/office/drawing/2014/main" id="{757CA7F0-2547-4E24-BC88-EA2F1393C9E8}"/>
@@ -28528,7 +28593,7 @@
           </p:cxnSp>
           <p:cxnSp>
             <p:nvCxnSpPr>
-              <p:cNvPr id="225" name="Straight Connector 224">
+              <p:cNvPr id="394" name="Straight Connector 393">
                 <a:extLst>
                   <a:ext uri="{FF2B5EF4-FFF2-40B4-BE49-F238E27FC236}">
                     <a16:creationId xmlns:a16="http://schemas.microsoft.com/office/drawing/2014/main" id="{7AABC3DF-4B39-4564-A6B2-CBC770BBA029}"/>
@@ -28577,7 +28642,7 @@
           </p:cxnSp>
           <p:cxnSp>
             <p:nvCxnSpPr>
-              <p:cNvPr id="226" name="Straight Connector 225">
+              <p:cNvPr id="395" name="Straight Connector 394">
                 <a:extLst>
                   <a:ext uri="{FF2B5EF4-FFF2-40B4-BE49-F238E27FC236}">
                     <a16:creationId xmlns:a16="http://schemas.microsoft.com/office/drawing/2014/main" id="{95B74B04-92BD-40D3-98D4-1926823135EF}"/>
@@ -28626,7 +28691,7 @@
           </p:cxnSp>
           <p:cxnSp>
             <p:nvCxnSpPr>
-              <p:cNvPr id="227" name="Straight Connector 226">
+              <p:cNvPr id="396" name="Straight Connector 395">
                 <a:extLst>
                   <a:ext uri="{FF2B5EF4-FFF2-40B4-BE49-F238E27FC236}">
                     <a16:creationId xmlns:a16="http://schemas.microsoft.com/office/drawing/2014/main" id="{848BEF08-56A2-4273-8A75-091B19A286F2}"/>
@@ -28675,7 +28740,7 @@
           </p:cxnSp>
           <p:cxnSp>
             <p:nvCxnSpPr>
-              <p:cNvPr id="228" name="Straight Connector 227">
+              <p:cNvPr id="397" name="Straight Connector 396">
                 <a:extLst>
                   <a:ext uri="{FF2B5EF4-FFF2-40B4-BE49-F238E27FC236}">
                     <a16:creationId xmlns:a16="http://schemas.microsoft.com/office/drawing/2014/main" id="{A57BD7CB-B11A-4E29-9670-D4CA83A24BE5}"/>
@@ -28724,7 +28789,7 @@
           </p:cxnSp>
           <p:cxnSp>
             <p:nvCxnSpPr>
-              <p:cNvPr id="229" name="Straight Connector 228">
+              <p:cNvPr id="398" name="Straight Connector 397">
                 <a:extLst>
                   <a:ext uri="{FF2B5EF4-FFF2-40B4-BE49-F238E27FC236}">
                     <a16:creationId xmlns:a16="http://schemas.microsoft.com/office/drawing/2014/main" id="{32D743F8-F0C0-45AE-B6BE-7F6DB9B63DD0}"/>
@@ -28773,7 +28838,7 @@
           </p:cxnSp>
           <p:cxnSp>
             <p:nvCxnSpPr>
-              <p:cNvPr id="230" name="Straight Connector 229">
+              <p:cNvPr id="399" name="Straight Connector 398">
                 <a:extLst>
                   <a:ext uri="{FF2B5EF4-FFF2-40B4-BE49-F238E27FC236}">
                     <a16:creationId xmlns:a16="http://schemas.microsoft.com/office/drawing/2014/main" id="{5FFB84DD-3D3F-4AD3-9F88-0D0235FBA1A8}"/>
@@ -28822,7 +28887,7 @@
           </p:cxnSp>
           <p:cxnSp>
             <p:nvCxnSpPr>
-              <p:cNvPr id="231" name="Straight Connector 230">
+              <p:cNvPr id="400" name="Straight Connector 399">
                 <a:extLst>
                   <a:ext uri="{FF2B5EF4-FFF2-40B4-BE49-F238E27FC236}">
                     <a16:creationId xmlns:a16="http://schemas.microsoft.com/office/drawing/2014/main" id="{80CE70B7-DFFC-45A3-8C10-BE111F897D9B}"/>
@@ -28871,7 +28936,7 @@
           </p:cxnSp>
           <p:cxnSp>
             <p:nvCxnSpPr>
-              <p:cNvPr id="232" name="Straight Connector 231">
+              <p:cNvPr id="401" name="Straight Connector 400">
                 <a:extLst>
                   <a:ext uri="{FF2B5EF4-FFF2-40B4-BE49-F238E27FC236}">
                     <a16:creationId xmlns:a16="http://schemas.microsoft.com/office/drawing/2014/main" id="{5F98FCB8-22EF-4E6F-9708-958CEBC7FEA1}"/>
@@ -28920,7 +28985,7 @@
           </p:cxnSp>
           <p:cxnSp>
             <p:nvCxnSpPr>
-              <p:cNvPr id="233" name="Straight Connector 232">
+              <p:cNvPr id="402" name="Straight Connector 401">
                 <a:extLst>
                   <a:ext uri="{FF2B5EF4-FFF2-40B4-BE49-F238E27FC236}">
                     <a16:creationId xmlns:a16="http://schemas.microsoft.com/office/drawing/2014/main" id="{6B4444DC-8342-47F7-9220-A9D623B61A66}"/>
@@ -28969,7 +29034,7 @@
           </p:cxnSp>
           <p:cxnSp>
             <p:nvCxnSpPr>
-              <p:cNvPr id="234" name="Straight Connector 233">
+              <p:cNvPr id="403" name="Straight Connector 402">
                 <a:extLst>
                   <a:ext uri="{FF2B5EF4-FFF2-40B4-BE49-F238E27FC236}">
                     <a16:creationId xmlns:a16="http://schemas.microsoft.com/office/drawing/2014/main" id="{A468242C-6E66-4F35-B517-5414987CD60D}"/>
@@ -29018,7 +29083,7 @@
           </p:cxnSp>
           <p:cxnSp>
             <p:nvCxnSpPr>
-              <p:cNvPr id="235" name="Straight Connector 234">
+              <p:cNvPr id="404" name="Straight Connector 403">
                 <a:extLst>
                   <a:ext uri="{FF2B5EF4-FFF2-40B4-BE49-F238E27FC236}">
                     <a16:creationId xmlns:a16="http://schemas.microsoft.com/office/drawing/2014/main" id="{355EEAA8-F1F7-44C0-9F4D-354670016A46}"/>
@@ -29067,7 +29132,7 @@
           </p:cxnSp>
           <p:cxnSp>
             <p:nvCxnSpPr>
-              <p:cNvPr id="236" name="Straight Connector 235">
+              <p:cNvPr id="405" name="Straight Connector 404">
                 <a:extLst>
                   <a:ext uri="{FF2B5EF4-FFF2-40B4-BE49-F238E27FC236}">
                     <a16:creationId xmlns:a16="http://schemas.microsoft.com/office/drawing/2014/main" id="{ACFB739D-CA42-4AB9-B061-483A9F67DE60}"/>
@@ -29116,7 +29181,7 @@
           </p:cxnSp>
           <p:cxnSp>
             <p:nvCxnSpPr>
-              <p:cNvPr id="237" name="Straight Connector 236">
+              <p:cNvPr id="406" name="Straight Connector 405">
                 <a:extLst>
                   <a:ext uri="{FF2B5EF4-FFF2-40B4-BE49-F238E27FC236}">
                     <a16:creationId xmlns:a16="http://schemas.microsoft.com/office/drawing/2014/main" id="{31C8FB8F-2792-4C71-8751-144860FFDE2D}"/>
@@ -29165,7 +29230,7 @@
           </p:cxnSp>
           <p:cxnSp>
             <p:nvCxnSpPr>
-              <p:cNvPr id="238" name="Straight Connector 237">
+              <p:cNvPr id="407" name="Straight Connector 406">
                 <a:extLst>
                   <a:ext uri="{FF2B5EF4-FFF2-40B4-BE49-F238E27FC236}">
                     <a16:creationId xmlns:a16="http://schemas.microsoft.com/office/drawing/2014/main" id="{4021B77B-B198-4070-8515-8DAD02D02224}"/>
@@ -29214,7 +29279,7 @@
           </p:cxnSp>
           <p:cxnSp>
             <p:nvCxnSpPr>
-              <p:cNvPr id="239" name="Straight Connector 238">
+              <p:cNvPr id="408" name="Straight Connector 407">
                 <a:extLst>
                   <a:ext uri="{FF2B5EF4-FFF2-40B4-BE49-F238E27FC236}">
                     <a16:creationId xmlns:a16="http://schemas.microsoft.com/office/drawing/2014/main" id="{430E8381-DBCE-4E54-86ED-267D6749FE2B}"/>
@@ -29263,7 +29328,7 @@
           </p:cxnSp>
           <p:cxnSp>
             <p:nvCxnSpPr>
-              <p:cNvPr id="240" name="Straight Connector 239">
+              <p:cNvPr id="409" name="Straight Connector 408">
                 <a:extLst>
                   <a:ext uri="{FF2B5EF4-FFF2-40B4-BE49-F238E27FC236}">
                     <a16:creationId xmlns:a16="http://schemas.microsoft.com/office/drawing/2014/main" id="{042F98D9-5B3B-4557-AE16-68E8D4BD8B4C}"/>
@@ -29312,7 +29377,7 @@
           </p:cxnSp>
           <p:cxnSp>
             <p:nvCxnSpPr>
-              <p:cNvPr id="241" name="Straight Connector 240">
+              <p:cNvPr id="410" name="Straight Connector 409">
                 <a:extLst>
                   <a:ext uri="{FF2B5EF4-FFF2-40B4-BE49-F238E27FC236}">
                     <a16:creationId xmlns:a16="http://schemas.microsoft.com/office/drawing/2014/main" id="{3F6F64A5-7D73-4A7C-AFC4-AE6A4EE1BF00}"/>
@@ -29361,7 +29426,7 @@
           </p:cxnSp>
           <p:cxnSp>
             <p:nvCxnSpPr>
-              <p:cNvPr id="242" name="Straight Connector 241">
+              <p:cNvPr id="411" name="Straight Connector 410">
                 <a:extLst>
                   <a:ext uri="{FF2B5EF4-FFF2-40B4-BE49-F238E27FC236}">
                     <a16:creationId xmlns:a16="http://schemas.microsoft.com/office/drawing/2014/main" id="{D8051E1A-2222-41E5-8111-C04CD2359222}"/>
@@ -29410,7 +29475,7 @@
           </p:cxnSp>
           <p:cxnSp>
             <p:nvCxnSpPr>
-              <p:cNvPr id="243" name="Straight Connector 242">
+              <p:cNvPr id="412" name="Straight Connector 411">
                 <a:extLst>
                   <a:ext uri="{FF2B5EF4-FFF2-40B4-BE49-F238E27FC236}">
                     <a16:creationId xmlns:a16="http://schemas.microsoft.com/office/drawing/2014/main" id="{291FA5C6-DA6B-40D7-AA0C-C7B01B7E1B4F}"/>
@@ -29459,7 +29524,7 @@
           </p:cxnSp>
           <p:cxnSp>
             <p:nvCxnSpPr>
-              <p:cNvPr id="244" name="Straight Connector 243">
+              <p:cNvPr id="413" name="Straight Connector 412">
                 <a:extLst>
                   <a:ext uri="{FF2B5EF4-FFF2-40B4-BE49-F238E27FC236}">
                     <a16:creationId xmlns:a16="http://schemas.microsoft.com/office/drawing/2014/main" id="{7BAB1DEA-CB27-433D-8872-CEF5637F6CF5}"/>
@@ -29508,7 +29573,7 @@
           </p:cxnSp>
           <p:cxnSp>
             <p:nvCxnSpPr>
-              <p:cNvPr id="245" name="Straight Connector 244">
+              <p:cNvPr id="414" name="Straight Connector 413">
                 <a:extLst>
                   <a:ext uri="{FF2B5EF4-FFF2-40B4-BE49-F238E27FC236}">
                     <a16:creationId xmlns:a16="http://schemas.microsoft.com/office/drawing/2014/main" id="{8CD95FBF-3382-4B10-A6B2-8E5D31A5EEA3}"/>
@@ -29557,7 +29622,7 @@
           </p:cxnSp>
           <p:cxnSp>
             <p:nvCxnSpPr>
-              <p:cNvPr id="246" name="Straight Connector 245">
+              <p:cNvPr id="415" name="Straight Connector 414">
                 <a:extLst>
                   <a:ext uri="{FF2B5EF4-FFF2-40B4-BE49-F238E27FC236}">
                     <a16:creationId xmlns:a16="http://schemas.microsoft.com/office/drawing/2014/main" id="{50BDB990-D7F8-41DD-A261-7489BEE9B19E}"/>
@@ -29606,7 +29671,7 @@
           </p:cxnSp>
           <p:cxnSp>
             <p:nvCxnSpPr>
-              <p:cNvPr id="247" name="Straight Connector 246">
+              <p:cNvPr id="416" name="Straight Connector 415">
                 <a:extLst>
                   <a:ext uri="{FF2B5EF4-FFF2-40B4-BE49-F238E27FC236}">
                     <a16:creationId xmlns:a16="http://schemas.microsoft.com/office/drawing/2014/main" id="{DF235570-7D39-4E19-A6F9-D5CDECA5718B}"/>
@@ -29655,7 +29720,7 @@
           </p:cxnSp>
           <p:cxnSp>
             <p:nvCxnSpPr>
-              <p:cNvPr id="248" name="Straight Connector 247">
+              <p:cNvPr id="417" name="Straight Connector 416">
                 <a:extLst>
                   <a:ext uri="{FF2B5EF4-FFF2-40B4-BE49-F238E27FC236}">
                     <a16:creationId xmlns:a16="http://schemas.microsoft.com/office/drawing/2014/main" id="{D89967CE-37C2-4865-9D4E-37DE4406B456}"/>
@@ -29704,7 +29769,7 @@
           </p:cxnSp>
           <p:cxnSp>
             <p:nvCxnSpPr>
-              <p:cNvPr id="249" name="Straight Connector 248">
+              <p:cNvPr id="418" name="Straight Connector 417">
                 <a:extLst>
                   <a:ext uri="{FF2B5EF4-FFF2-40B4-BE49-F238E27FC236}">
                     <a16:creationId xmlns:a16="http://schemas.microsoft.com/office/drawing/2014/main" id="{572A1B42-6B46-46B6-94F7-66C2DEA7DF11}"/>
@@ -29753,7 +29818,7 @@
           </p:cxnSp>
           <p:cxnSp>
             <p:nvCxnSpPr>
-              <p:cNvPr id="250" name="Straight Connector 249">
+              <p:cNvPr id="419" name="Straight Connector 418">
                 <a:extLst>
                   <a:ext uri="{FF2B5EF4-FFF2-40B4-BE49-F238E27FC236}">
                     <a16:creationId xmlns:a16="http://schemas.microsoft.com/office/drawing/2014/main" id="{BD984823-2502-4E9C-9F90-42B061E21685}"/>
@@ -29802,7 +29867,7 @@
           </p:cxnSp>
           <p:cxnSp>
             <p:nvCxnSpPr>
-              <p:cNvPr id="251" name="Straight Connector 250">
+              <p:cNvPr id="420" name="Straight Connector 419">
                 <a:extLst>
                   <a:ext uri="{FF2B5EF4-FFF2-40B4-BE49-F238E27FC236}">
                     <a16:creationId xmlns:a16="http://schemas.microsoft.com/office/drawing/2014/main" id="{34905DB4-ADE9-41A8-B09A-C52755D91F69}"/>
@@ -29851,7 +29916,7 @@
           </p:cxnSp>
           <p:cxnSp>
             <p:nvCxnSpPr>
-              <p:cNvPr id="252" name="Straight Connector 251">
+              <p:cNvPr id="421" name="Straight Connector 420">
                 <a:extLst>
                   <a:ext uri="{FF2B5EF4-FFF2-40B4-BE49-F238E27FC236}">
                     <a16:creationId xmlns:a16="http://schemas.microsoft.com/office/drawing/2014/main" id="{102E6002-013E-46A9-A180-B0ADF223072C}"/>
@@ -29900,7 +29965,7 @@
           </p:cxnSp>
           <p:cxnSp>
             <p:nvCxnSpPr>
-              <p:cNvPr id="253" name="Straight Connector 252">
+              <p:cNvPr id="422" name="Straight Connector 421">
                 <a:extLst>
                   <a:ext uri="{FF2B5EF4-FFF2-40B4-BE49-F238E27FC236}">
                     <a16:creationId xmlns:a16="http://schemas.microsoft.com/office/drawing/2014/main" id="{1C09EADE-70AC-4B06-A660-6558C722B498}"/>
@@ -29949,7 +30014,7 @@
           </p:cxnSp>
           <p:cxnSp>
             <p:nvCxnSpPr>
-              <p:cNvPr id="254" name="Straight Connector 253">
+              <p:cNvPr id="423" name="Straight Connector 422">
                 <a:extLst>
                   <a:ext uri="{FF2B5EF4-FFF2-40B4-BE49-F238E27FC236}">
                     <a16:creationId xmlns:a16="http://schemas.microsoft.com/office/drawing/2014/main" id="{242198F8-B1DB-49DE-A158-34BC85055E31}"/>
@@ -29998,7 +30063,7 @@
           </p:cxnSp>
           <p:cxnSp>
             <p:nvCxnSpPr>
-              <p:cNvPr id="255" name="Straight Connector 254">
+              <p:cNvPr id="424" name="Straight Connector 423">
                 <a:extLst>
                   <a:ext uri="{FF2B5EF4-FFF2-40B4-BE49-F238E27FC236}">
                     <a16:creationId xmlns:a16="http://schemas.microsoft.com/office/drawing/2014/main" id="{641A8DBD-F35E-4F7B-BFA7-8F0690C02CFB}"/>
@@ -30047,7 +30112,7 @@
           </p:cxnSp>
           <p:cxnSp>
             <p:nvCxnSpPr>
-              <p:cNvPr id="256" name="Straight Connector 255">
+              <p:cNvPr id="425" name="Straight Connector 424">
                 <a:extLst>
                   <a:ext uri="{FF2B5EF4-FFF2-40B4-BE49-F238E27FC236}">
                     <a16:creationId xmlns:a16="http://schemas.microsoft.com/office/drawing/2014/main" id="{80B62722-59F6-4E8F-B4DC-B1D2D2C69B2B}"/>
@@ -30096,7 +30161,7 @@
           </p:cxnSp>
           <p:cxnSp>
             <p:nvCxnSpPr>
-              <p:cNvPr id="257" name="Straight Connector 256">
+              <p:cNvPr id="426" name="Straight Connector 425">
                 <a:extLst>
                   <a:ext uri="{FF2B5EF4-FFF2-40B4-BE49-F238E27FC236}">
                     <a16:creationId xmlns:a16="http://schemas.microsoft.com/office/drawing/2014/main" id="{2030C117-24E8-4FBD-8F4B-48596F3FF475}"/>
@@ -30145,7 +30210,7 @@
           </p:cxnSp>
           <p:cxnSp>
             <p:nvCxnSpPr>
-              <p:cNvPr id="258" name="Straight Connector 257">
+              <p:cNvPr id="427" name="Straight Connector 426">
                 <a:extLst>
                   <a:ext uri="{FF2B5EF4-FFF2-40B4-BE49-F238E27FC236}">
                     <a16:creationId xmlns:a16="http://schemas.microsoft.com/office/drawing/2014/main" id="{0C4B1D74-0CE3-407B-A015-C3F2209D489D}"/>
@@ -30194,7 +30259,7 @@
           </p:cxnSp>
           <p:cxnSp>
             <p:nvCxnSpPr>
-              <p:cNvPr id="259" name="Straight Connector 258">
+              <p:cNvPr id="428" name="Straight Connector 427">
                 <a:extLst>
                   <a:ext uri="{FF2B5EF4-FFF2-40B4-BE49-F238E27FC236}">
                     <a16:creationId xmlns:a16="http://schemas.microsoft.com/office/drawing/2014/main" id="{568415A9-9F3E-4D51-B2DA-A09F2F9855CA}"/>
@@ -30243,7 +30308,7 @@
           </p:cxnSp>
           <p:cxnSp>
             <p:nvCxnSpPr>
-              <p:cNvPr id="260" name="Straight Connector 259">
+              <p:cNvPr id="429" name="Straight Connector 428">
                 <a:extLst>
                   <a:ext uri="{FF2B5EF4-FFF2-40B4-BE49-F238E27FC236}">
                     <a16:creationId xmlns:a16="http://schemas.microsoft.com/office/drawing/2014/main" id="{06480C98-A0EF-442D-9013-75031D399634}"/>
@@ -30292,7 +30357,7 @@
           </p:cxnSp>
           <p:cxnSp>
             <p:nvCxnSpPr>
-              <p:cNvPr id="261" name="Straight Connector 260">
+              <p:cNvPr id="430" name="Straight Connector 429">
                 <a:extLst>
                   <a:ext uri="{FF2B5EF4-FFF2-40B4-BE49-F238E27FC236}">
                     <a16:creationId xmlns:a16="http://schemas.microsoft.com/office/drawing/2014/main" id="{0858ABE9-7494-489C-9EEA-93BF3E4B9CA8}"/>
@@ -30343,10 +30408,10 @@
       </p:grpSp>
       <p:pic>
         <p:nvPicPr>
-          <p:cNvPr id="7" name="Picture 6" descr="A picture containing text, map&#10;&#10;Description generated with very high confidence">
+          <p:cNvPr id="4" name="Picture 3" descr="A screenshot of a social media post&#10;&#10;Description generated with very high confidence">
             <a:extLst>
               <a:ext uri="{FF2B5EF4-FFF2-40B4-BE49-F238E27FC236}">
-                <a16:creationId xmlns:a16="http://schemas.microsoft.com/office/drawing/2014/main" id="{13D61F4F-8487-4408-AB14-D0099AD85637}"/>
+                <a16:creationId xmlns:a16="http://schemas.microsoft.com/office/drawing/2014/main" id="{FE7AB8D6-9604-4726-894C-BC5788486C6D}"/>
               </a:ext>
             </a:extLst>
           </p:cNvPr>
@@ -30357,13 +30422,13 @@
         </p:nvPicPr>
         <p:blipFill rotWithShape="1">
           <a:blip r:embed="rId4"/>
-          <a:srcRect l="28146" t="5053" r="23741"/>
+          <a:srcRect l="11452" r="34417"/>
           <a:stretch/>
         </p:blipFill>
         <p:spPr>
           <a:xfrm>
-            <a:off x="5782" y="10683"/>
-            <a:ext cx="5308800" cy="5369215"/>
+            <a:off x="-2334" y="10"/>
+            <a:ext cx="5441859" cy="5654930"/>
           </a:xfrm>
           <a:custGeom>
             <a:avLst/>
@@ -30461,8 +30526,8 @@
         </p:nvSpPr>
         <p:spPr>
           <a:xfrm>
-            <a:off x="7583991" y="5466298"/>
-            <a:ext cx="4311373" cy="420855"/>
+            <a:off x="5459709" y="5466298"/>
+            <a:ext cx="5700416" cy="401101"/>
           </a:xfrm>
         </p:spPr>
         <p:txBody>

--- a/Presentation/codeforhood.pptx
+++ b/Presentation/codeforhood.pptx
@@ -20023,7 +20023,7 @@
         </p:nvPicPr>
         <p:blipFill rotWithShape="1">
           <a:blip r:embed="rId4"/>
-          <a:srcRect r="49959" b="-1"/>
+          <a:srcRect l="-11484" t="-872" r="7228" b="-107474"/>
           <a:stretch/>
         </p:blipFill>
         <p:spPr>
@@ -20138,55 +20138,11 @@
           <a:lstStyle/>
           <a:p>
             <a:r>
-              <a:rPr lang="en-GB" sz="4000" b="1">
+              <a:rPr lang="en-GB" sz="4000" b="1" dirty="0">
                 <a:latin typeface="Arial Rounded MT Bold" panose="020F0704030504030204" pitchFamily="34" charset="0"/>
               </a:rPr>
               <a:t>In their Shoes           </a:t>
             </a:r>
-          </a:p>
-        </p:txBody>
-      </p:sp>
-      <p:sp>
-        <p:nvSpPr>
-          <p:cNvPr id="3" name="Subtitle 2">
-            <a:extLst>
-              <a:ext uri="{FF2B5EF4-FFF2-40B4-BE49-F238E27FC236}">
-                <a16:creationId xmlns:a16="http://schemas.microsoft.com/office/drawing/2014/main" id="{EC76C8F5-0C09-4D23-B40D-D902B36F2F9E}"/>
-              </a:ext>
-            </a:extLst>
-          </p:cNvPr>
-          <p:cNvSpPr>
-            <a:spLocks noGrp="1"/>
-          </p:cNvSpPr>
-          <p:nvPr>
-            <p:ph type="subTitle" idx="1"/>
-          </p:nvPr>
-        </p:nvSpPr>
-        <p:spPr>
-          <a:xfrm>
-            <a:off x="5459709" y="5466298"/>
-            <a:ext cx="5700416" cy="401101"/>
-          </a:xfrm>
-        </p:spPr>
-        <p:txBody>
-          <a:bodyPr>
-            <a:normAutofit/>
-          </a:bodyPr>
-          <a:lstStyle/>
-          <a:p>
-            <a:r>
-              <a:rPr lang="en-GB" dirty="0"/>
-              <a:t> </a:t>
-            </a:r>
-            <a:r>
-              <a:rPr lang="en-GB" b="1" dirty="0">
-                <a:latin typeface="Arial Narrow" panose="020B0606020202030204" pitchFamily="34" charset="0"/>
-              </a:rPr>
-              <a:t>It’s time you ? Equality </a:t>
-            </a:r>
-            <a:endParaRPr lang="en-GB" b="1">
-              <a:latin typeface="Arial Narrow" panose="020B0606020202030204" pitchFamily="34" charset="0"/>
-            </a:endParaRPr>
           </a:p>
         </p:txBody>
       </p:sp>

--- a/Presentation/codeforhood.pptx
+++ b/Presentation/codeforhood.pptx
@@ -21691,250 +21691,6 @@
       </p:sp>
       <p:pic>
         <p:nvPicPr>
-          <p:cNvPr id="5" name="Picture 4" descr="A flock of birds&#10;&#10;Description generated with very high confidence">
-            <a:extLst>
-              <a:ext uri="{FF2B5EF4-FFF2-40B4-BE49-F238E27FC236}">
-                <a16:creationId xmlns:a16="http://schemas.microsoft.com/office/drawing/2014/main" id="{4107CBA0-A754-4F53-8100-3DE0E3B5EA5E}"/>
-              </a:ext>
-            </a:extLst>
-          </p:cNvPr>
-          <p:cNvPicPr>
-            <a:picLocks noChangeAspect="1"/>
-          </p:cNvPicPr>
-          <p:nvPr/>
-        </p:nvPicPr>
-        <p:blipFill rotWithShape="1">
-          <a:blip r:embed="rId2"/>
-          <a:srcRect t="-4973" r="50877" b="-376"/>
-          <a:stretch/>
-        </p:blipFill>
-        <p:spPr>
-          <a:xfrm>
-            <a:off x="3796906" y="1502230"/>
-            <a:ext cx="2301815" cy="1866416"/>
-          </a:xfrm>
-          <a:prstGeom prst="rect">
-            <a:avLst/>
-          </a:prstGeom>
-        </p:spPr>
-      </p:pic>
-      <p:sp>
-        <p:nvSpPr>
-          <p:cNvPr id="6" name="TextBox 5">
-            <a:extLst>
-              <a:ext uri="{FF2B5EF4-FFF2-40B4-BE49-F238E27FC236}">
-                <a16:creationId xmlns:a16="http://schemas.microsoft.com/office/drawing/2014/main" id="{FA6C9D5E-CF0C-4082-8403-94876BAE598C}"/>
-              </a:ext>
-            </a:extLst>
-          </p:cNvPr>
-          <p:cNvSpPr txBox="1"/>
-          <p:nvPr/>
-        </p:nvSpPr>
-        <p:spPr>
-          <a:xfrm>
-            <a:off x="905413" y="1798053"/>
-            <a:ext cx="5516880" cy="4801314"/>
-          </a:xfrm>
-          <a:prstGeom prst="rect">
-            <a:avLst/>
-          </a:prstGeom>
-          <a:noFill/>
-        </p:spPr>
-        <p:txBody>
-          <a:bodyPr wrap="square" rtlCol="0">
-            <a:spAutoFit/>
-          </a:bodyPr>
-          <a:lstStyle/>
-          <a:p>
-            <a:pPr marL="285750" indent="-285750">
-              <a:buFont typeface="Wingdings" panose="05000000000000000000" pitchFamily="2" charset="2"/>
-              <a:buChar char="v"/>
-            </a:pPr>
-            <a:r>
-              <a:rPr lang="en-GB" dirty="0"/>
-              <a:t>People’s unawareness in </a:t>
-            </a:r>
-          </a:p>
-          <a:p>
-            <a:r>
-              <a:rPr lang="en-GB" dirty="0"/>
-              <a:t>general about the issues in </a:t>
-            </a:r>
-          </a:p>
-          <a:p>
-            <a:r>
-              <a:rPr lang="en-GB" dirty="0"/>
-              <a:t>society. </a:t>
-            </a:r>
-          </a:p>
-          <a:p>
-            <a:pPr marL="285750" indent="-285750">
-              <a:buFont typeface="Wingdings" panose="05000000000000000000" pitchFamily="2" charset="2"/>
-              <a:buChar char="v"/>
-            </a:pPr>
-            <a:endParaRPr lang="en-GB" dirty="0"/>
-          </a:p>
-          <a:p>
-            <a:pPr marL="285750" indent="-285750">
-              <a:buFont typeface="Wingdings" panose="05000000000000000000" pitchFamily="2" charset="2"/>
-              <a:buChar char="v"/>
-            </a:pPr>
-            <a:endParaRPr lang="en-GB" dirty="0"/>
-          </a:p>
-          <a:p>
-            <a:pPr marL="285750" indent="-285750">
-              <a:buFont typeface="Wingdings" panose="05000000000000000000" pitchFamily="2" charset="2"/>
-              <a:buChar char="v"/>
-            </a:pPr>
-            <a:endParaRPr lang="en-GB" dirty="0"/>
-          </a:p>
-          <a:p>
-            <a:pPr marL="285750" indent="-285750">
-              <a:buFont typeface="Wingdings" panose="05000000000000000000" pitchFamily="2" charset="2"/>
-              <a:buChar char="v"/>
-            </a:pPr>
-            <a:endParaRPr lang="en-GB" dirty="0"/>
-          </a:p>
-          <a:p>
-            <a:pPr marL="285750" indent="-285750">
-              <a:buFont typeface="Wingdings" panose="05000000000000000000" pitchFamily="2" charset="2"/>
-              <a:buChar char="v"/>
-            </a:pPr>
-            <a:endParaRPr lang="en-GB" dirty="0"/>
-          </a:p>
-          <a:p>
-            <a:pPr marL="285750" indent="-285750">
-              <a:buFont typeface="Wingdings" panose="05000000000000000000" pitchFamily="2" charset="2"/>
-              <a:buChar char="v"/>
-            </a:pPr>
-            <a:endParaRPr lang="en-GB" dirty="0"/>
-          </a:p>
-          <a:p>
-            <a:pPr marL="285750" indent="-285750">
-              <a:buFont typeface="Wingdings" panose="05000000000000000000" pitchFamily="2" charset="2"/>
-              <a:buChar char="v"/>
-            </a:pPr>
-            <a:r>
-              <a:rPr lang="en-GB" dirty="0"/>
-              <a:t>Drugs                                                                                      </a:t>
-            </a:r>
-          </a:p>
-          <a:p>
-            <a:pPr marL="285750" indent="-285750">
-              <a:buFont typeface="Wingdings" panose="05000000000000000000" pitchFamily="2" charset="2"/>
-              <a:buChar char="v"/>
-            </a:pPr>
-            <a:endParaRPr lang="en-GB" dirty="0"/>
-          </a:p>
-          <a:p>
-            <a:pPr marL="285750" indent="-285750">
-              <a:buFont typeface="Wingdings" panose="05000000000000000000" pitchFamily="2" charset="2"/>
-              <a:buChar char="v"/>
-            </a:pPr>
-            <a:endParaRPr lang="en-GB" dirty="0"/>
-          </a:p>
-          <a:p>
-            <a:pPr marL="285750" indent="-285750">
-              <a:buFont typeface="Wingdings" panose="05000000000000000000" pitchFamily="2" charset="2"/>
-              <a:buChar char="v"/>
-            </a:pPr>
-            <a:endParaRPr lang="en-GB" dirty="0"/>
-          </a:p>
-          <a:p>
-            <a:pPr marL="285750" indent="-285750">
-              <a:buFont typeface="Wingdings" panose="05000000000000000000" pitchFamily="2" charset="2"/>
-              <a:buChar char="v"/>
-            </a:pPr>
-            <a:endParaRPr lang="en-GB" dirty="0"/>
-          </a:p>
-          <a:p>
-            <a:pPr marL="285750" indent="-285750">
-              <a:buFont typeface="Wingdings" panose="05000000000000000000" pitchFamily="2" charset="2"/>
-              <a:buChar char="v"/>
-            </a:pPr>
-            <a:endParaRPr lang="en-GB" dirty="0"/>
-          </a:p>
-          <a:p>
-            <a:pPr marL="285750" indent="-285750">
-              <a:buFont typeface="Wingdings" panose="05000000000000000000" pitchFamily="2" charset="2"/>
-              <a:buChar char="v"/>
-            </a:pPr>
-            <a:endParaRPr lang="en-GB" dirty="0"/>
-          </a:p>
-          <a:p>
-            <a:pPr marL="285750" indent="-285750">
-              <a:buFont typeface="Wingdings" panose="05000000000000000000" pitchFamily="2" charset="2"/>
-              <a:buChar char="v"/>
-            </a:pPr>
-            <a:r>
-              <a:rPr lang="en-GB" dirty="0"/>
-              <a:t>Money</a:t>
-            </a:r>
-          </a:p>
-        </p:txBody>
-      </p:sp>
-      <p:pic>
-        <p:nvPicPr>
-          <p:cNvPr id="8" name="Picture 7" descr="A close up of a sign&#10;&#10;Description generated with very high confidence">
-            <a:extLst>
-              <a:ext uri="{FF2B5EF4-FFF2-40B4-BE49-F238E27FC236}">
-                <a16:creationId xmlns:a16="http://schemas.microsoft.com/office/drawing/2014/main" id="{AEC01B49-3322-4202-B8D3-1405EFF45204}"/>
-              </a:ext>
-            </a:extLst>
-          </p:cNvPr>
-          <p:cNvPicPr>
-            <a:picLocks noChangeAspect="1"/>
-          </p:cNvPicPr>
-          <p:nvPr/>
-        </p:nvPicPr>
-        <p:blipFill>
-          <a:blip r:embed="rId3"/>
-          <a:stretch>
-            <a:fillRect/>
-          </a:stretch>
-        </p:blipFill>
-        <p:spPr>
-          <a:xfrm>
-            <a:off x="3893475" y="3651062"/>
-            <a:ext cx="2205246" cy="1400572"/>
-          </a:xfrm>
-          <a:prstGeom prst="rect">
-            <a:avLst/>
-          </a:prstGeom>
-        </p:spPr>
-      </p:pic>
-      <p:pic>
-        <p:nvPicPr>
-          <p:cNvPr id="10" name="Picture 9" descr="A drawing of a face&#10;&#10;Description generated with high confidence">
-            <a:extLst>
-              <a:ext uri="{FF2B5EF4-FFF2-40B4-BE49-F238E27FC236}">
-                <a16:creationId xmlns:a16="http://schemas.microsoft.com/office/drawing/2014/main" id="{54A2D993-0C39-4C0F-A557-394DABF59A94}"/>
-              </a:ext>
-            </a:extLst>
-          </p:cNvPr>
-          <p:cNvPicPr>
-            <a:picLocks noChangeAspect="1"/>
-          </p:cNvPicPr>
-          <p:nvPr/>
-        </p:nvPicPr>
-        <p:blipFill>
-          <a:blip r:embed="rId4"/>
-          <a:stretch>
-            <a:fillRect/>
-          </a:stretch>
-        </p:blipFill>
-        <p:spPr>
-          <a:xfrm>
-            <a:off x="4329881" y="5309705"/>
-            <a:ext cx="1332434" cy="1289662"/>
-          </a:xfrm>
-          <a:prstGeom prst="rect">
-            <a:avLst/>
-          </a:prstGeom>
-        </p:spPr>
-      </p:pic>
-      <p:pic>
-        <p:nvPicPr>
           <p:cNvPr id="7" name="Picture 6">
             <a:extLst>
               <a:ext uri="{FF2B5EF4-FFF2-40B4-BE49-F238E27FC236}">
@@ -21948,7 +21704,7 @@
           <p:nvPr/>
         </p:nvPicPr>
         <p:blipFill>
-          <a:blip r:embed="rId5"/>
+          <a:blip r:embed="rId2"/>
           <a:stretch>
             <a:fillRect/>
           </a:stretch>
@@ -22002,6 +21758,36 @@
           </a:p>
         </p:txBody>
       </p:sp>
+      <p:pic>
+        <p:nvPicPr>
+          <p:cNvPr id="11" name="Picture 10" descr="A picture containing linedrawing&#10;&#10;Description generated with high confidence">
+            <a:extLst>
+              <a:ext uri="{FF2B5EF4-FFF2-40B4-BE49-F238E27FC236}">
+                <a16:creationId xmlns:a16="http://schemas.microsoft.com/office/drawing/2014/main" id="{F687CE83-0D1B-4CDC-B0A5-C12FC667EC5B}"/>
+              </a:ext>
+            </a:extLst>
+          </p:cNvPr>
+          <p:cNvPicPr>
+            <a:picLocks noChangeAspect="1"/>
+          </p:cNvPicPr>
+          <p:nvPr/>
+        </p:nvPicPr>
+        <p:blipFill>
+          <a:blip r:embed="rId3"/>
+          <a:stretch>
+            <a:fillRect/>
+          </a:stretch>
+        </p:blipFill>
+        <p:spPr>
+          <a:xfrm>
+            <a:off x="2146525" y="1772633"/>
+            <a:ext cx="5038046" cy="5003724"/>
+          </a:xfrm>
+          <a:prstGeom prst="rect">
+            <a:avLst/>
+          </a:prstGeom>
+        </p:spPr>
+      </p:pic>
     </p:spTree>
     <p:extLst>
       <p:ext uri="{BB962C8B-B14F-4D97-AF65-F5344CB8AC3E}">
